--- a/Presentations/AI Immersion - Phase 1 - DocumentDB.pptx
+++ b/Presentations/AI Immersion - Phase 1 - DocumentDB.pptx
@@ -5,28 +5,27 @@
     <p:sldMasterId id="2147484229" r:id="rId4"/>
   </p:sldMasterIdLst>
   <p:notesMasterIdLst>
-    <p:notesMasterId r:id="rId21"/>
+    <p:notesMasterId r:id="rId20"/>
   </p:notesMasterIdLst>
   <p:handoutMasterIdLst>
-    <p:handoutMasterId r:id="rId22"/>
+    <p:handoutMasterId r:id="rId21"/>
   </p:handoutMasterIdLst>
   <p:sldIdLst>
     <p:sldId id="1485" r:id="rId5"/>
     <p:sldId id="1519" r:id="rId6"/>
     <p:sldId id="1534" r:id="rId7"/>
     <p:sldId id="1536" r:id="rId8"/>
-    <p:sldId id="1537" r:id="rId9"/>
-    <p:sldId id="1538" r:id="rId10"/>
-    <p:sldId id="1539" r:id="rId11"/>
+    <p:sldId id="1539" r:id="rId9"/>
+    <p:sldId id="1537" r:id="rId10"/>
+    <p:sldId id="1545" r:id="rId11"/>
     <p:sldId id="1540" r:id="rId12"/>
     <p:sldId id="1541" r:id="rId13"/>
     <p:sldId id="1542" r:id="rId14"/>
     <p:sldId id="1543" r:id="rId15"/>
-    <p:sldId id="1545" r:id="rId16"/>
-    <p:sldId id="1527" r:id="rId17"/>
-    <p:sldId id="1530" r:id="rId18"/>
-    <p:sldId id="1546" r:id="rId19"/>
-    <p:sldId id="1532" r:id="rId20"/>
+    <p:sldId id="1527" r:id="rId16"/>
+    <p:sldId id="1530" r:id="rId17"/>
+    <p:sldId id="1546" r:id="rId18"/>
+    <p:sldId id="1532" r:id="rId19"/>
   </p:sldIdLst>
   <p:sldSz cx="12436475" cy="6994525"/>
   <p:notesSz cx="6858000" cy="9144000"/>
@@ -134,14 +133,13 @@
             <p14:sldId id="1519"/>
             <p14:sldId id="1534"/>
             <p14:sldId id="1536"/>
+            <p14:sldId id="1539"/>
             <p14:sldId id="1537"/>
-            <p14:sldId id="1538"/>
-            <p14:sldId id="1539"/>
+            <p14:sldId id="1545"/>
             <p14:sldId id="1540"/>
             <p14:sldId id="1541"/>
             <p14:sldId id="1542"/>
             <p14:sldId id="1543"/>
-            <p14:sldId id="1545"/>
             <p14:sldId id="1527"/>
             <p14:sldId id="1530"/>
             <p14:sldId id="1546"/>
@@ -192,6 +190,10 @@
 </p:cmAuthorLst>
 </file>
 
+<file path=ppt/revisionInfo.xml><?xml version="1.0" encoding="utf-8"?>
+<p1510:revInfo xmlns:a="http://schemas.openxmlformats.org/drawingml/2006/main" xmlns:r="http://schemas.openxmlformats.org/officeDocument/2006/relationships" xmlns:p1510="http://schemas.microsoft.com/office/powerpoint/2015/10/main"/>
+</file>
+
 <file path=ppt/handoutMasters/handoutMaster1.xml><?xml version="1.0" encoding="utf-8"?>
 <p:handoutMaster xmlns:a="http://schemas.openxmlformats.org/drawingml/2006/main" xmlns:r="http://schemas.openxmlformats.org/officeDocument/2006/relationships" xmlns:p="http://schemas.openxmlformats.org/presentationml/2006/main">
   <p:cSld>
@@ -281,7 +283,7 @@
               <a:rPr lang="en-US" smtClean="0">
                 <a:latin typeface="Segoe UI" pitchFamily="34" charset="0"/>
               </a:rPr>
-              <a:t>5/6/2017 11:10 AM</a:t>
+              <a:t>5/7/2017 10:52 AM</a:t>
             </a:fld>
             <a:endParaRPr lang="en-US" dirty="0">
               <a:latin typeface="Segoe UI" pitchFamily="34" charset="0"/>
@@ -578,7 +580,7 @@
           <a:p>
             <a:fld id="{D18B56EA-E28F-4F92-9F16-7A6F2501B303}" type="datetime8">
               <a:rPr lang="en-US" smtClean="0"/>
-              <a:t>5/6/2017 11:09 AM</a:t>
+              <a:t>5/7/2017 10:41 AM</a:t>
             </a:fld>
             <a:endParaRPr lang="en-US" dirty="0"/>
           </a:p>
@@ -964,7 +966,7 @@
           <a:p>
             <a:fld id="{88B44C4B-E218-4158-810E-47EF8FD635FD}" type="datetime8">
               <a:rPr lang="en-US" smtClean="0"/>
-              <a:t>5/6/2017 11:09 AM</a:t>
+              <a:t>5/7/2017 10:41 AM</a:t>
             </a:fld>
             <a:endParaRPr lang="en-US" dirty="0"/>
           </a:p>
@@ -1117,7 +1119,7 @@
                   <a:prstClr val="black"/>
                 </a:solidFill>
               </a:rPr>
-              <a:t>5/6/2017 11:09 AM</a:t>
+              <a:t>5/7/2017 10:41 AM</a:t>
             </a:fld>
             <a:endParaRPr lang="en-US" dirty="0">
               <a:solidFill>
@@ -1149,7 +1151,7 @@
                 </a:solidFill>
               </a:rPr>
               <a:pPr/>
-              <a:t>16</a:t>
+              <a:t>15</a:t>
             </a:fld>
             <a:endParaRPr lang="en-US" dirty="0">
               <a:solidFill>
@@ -1351,7 +1353,7 @@
           <a:p>
             <a:fld id="{8683C9CD-37C6-4B53-B210-CC8F66F90493}" type="datetime8">
               <a:rPr lang="en-US" smtClean="0"/>
-              <a:t>5/6/2017 11:09 AM</a:t>
+              <a:t>5/7/2017 10:41 AM</a:t>
             </a:fld>
             <a:endParaRPr lang="en-US" dirty="0"/>
           </a:p>
@@ -1444,6 +1446,187 @@
       </p:sp>
       <p:sp>
         <p:nvSpPr>
+          <p:cNvPr id="4" name="Header Placeholder 3"/>
+          <p:cNvSpPr>
+            <a:spLocks noGrp="1"/>
+          </p:cNvSpPr>
+          <p:nvPr>
+            <p:ph type="hdr" sz="quarter" idx="10"/>
+          </p:nvPr>
+        </p:nvSpPr>
+        <p:spPr/>
+        <p:txBody>
+          <a:bodyPr/>
+          <a:lstStyle/>
+          <a:p>
+            <a:endParaRPr lang="en-US" dirty="0"/>
+          </a:p>
+        </p:txBody>
+      </p:sp>
+      <p:sp>
+        <p:nvSpPr>
+          <p:cNvPr id="5" name="Footer Placeholder 4"/>
+          <p:cNvSpPr>
+            <a:spLocks noGrp="1"/>
+          </p:cNvSpPr>
+          <p:nvPr>
+            <p:ph type="ftr" sz="quarter" idx="11"/>
+          </p:nvPr>
+        </p:nvSpPr>
+        <p:spPr/>
+        <p:txBody>
+          <a:bodyPr/>
+          <a:lstStyle/>
+          <a:p>
+            <a:pPr defTabSz="914099" eaLnBrk="0" hangingPunct="0"/>
+            <a:r>
+              <a:rPr lang="en-US" sz="400">
+                <a:gradFill>
+                  <a:gsLst>
+                    <a:gs pos="0">
+                      <a:prstClr val="black"/>
+                    </a:gs>
+                    <a:gs pos="100000">
+                      <a:prstClr val="black"/>
+                    </a:gs>
+                  </a:gsLst>
+                  <a:lin ang="5400000" scaled="0"/>
+                </a:gradFill>
+                <a:latin typeface="Segoe UI" pitchFamily="34" charset="0"/>
+                <a:ea typeface="Segoe UI" pitchFamily="34" charset="0"/>
+                <a:cs typeface="Segoe UI" pitchFamily="34" charset="0"/>
+              </a:rPr>
+              <a:t>© 2014 Microsoft Corporation. All rights reserved. MICROSOFT MAKES NO WARRANTIES, EXPRESS, IMPLIED OR STATUTORY, AS TO THE INFORMATION IN THIS PRESENTATION.</a:t>
+            </a:r>
+            <a:endParaRPr lang="en-US" sz="400" dirty="0">
+              <a:gradFill>
+                <a:gsLst>
+                  <a:gs pos="0">
+                    <a:prstClr val="black"/>
+                  </a:gs>
+                  <a:gs pos="100000">
+                    <a:prstClr val="black"/>
+                  </a:gs>
+                </a:gsLst>
+                <a:lin ang="5400000" scaled="0"/>
+              </a:gradFill>
+              <a:latin typeface="Segoe UI" pitchFamily="34" charset="0"/>
+              <a:ea typeface="Segoe UI" pitchFamily="34" charset="0"/>
+              <a:cs typeface="Segoe UI" pitchFamily="34" charset="0"/>
+            </a:endParaRPr>
+          </a:p>
+        </p:txBody>
+      </p:sp>
+      <p:sp>
+        <p:nvSpPr>
+          <p:cNvPr id="6" name="Date Placeholder 5"/>
+          <p:cNvSpPr>
+            <a:spLocks noGrp="1"/>
+          </p:cNvSpPr>
+          <p:nvPr>
+            <p:ph type="dt" idx="12"/>
+          </p:nvPr>
+        </p:nvSpPr>
+        <p:spPr/>
+        <p:txBody>
+          <a:bodyPr/>
+          <a:lstStyle/>
+          <a:p>
+            <a:fld id="{38EEC551-8CDA-4EB6-89BB-2A86C9F091C8}" type="datetime8">
+              <a:rPr lang="en-US" smtClean="0"/>
+              <a:t>5/7/2017 10:41 AM</a:t>
+            </a:fld>
+            <a:endParaRPr lang="en-US" dirty="0"/>
+          </a:p>
+        </p:txBody>
+      </p:sp>
+      <p:sp>
+        <p:nvSpPr>
+          <p:cNvPr id="7" name="Slide Number Placeholder 6"/>
+          <p:cNvSpPr>
+            <a:spLocks noGrp="1"/>
+          </p:cNvSpPr>
+          <p:nvPr>
+            <p:ph type="sldNum" sz="quarter" idx="13"/>
+          </p:nvPr>
+        </p:nvSpPr>
+        <p:spPr/>
+        <p:txBody>
+          <a:bodyPr/>
+          <a:lstStyle/>
+          <a:p>
+            <a:fld id="{B4008EB6-D09E-4580-8CD6-DDB14511944F}" type="slidenum">
+              <a:rPr lang="en-US" smtClean="0"/>
+              <a:pPr/>
+              <a:t>7</a:t>
+            </a:fld>
+            <a:endParaRPr lang="en-US" dirty="0"/>
+          </a:p>
+        </p:txBody>
+      </p:sp>
+    </p:spTree>
+    <p:extLst>
+      <p:ext uri="{BB962C8B-B14F-4D97-AF65-F5344CB8AC3E}">
+        <p14:creationId xmlns:p14="http://schemas.microsoft.com/office/powerpoint/2010/main" val="4280225068"/>
+      </p:ext>
+    </p:extLst>
+  </p:cSld>
+  <p:clrMapOvr>
+    <a:masterClrMapping/>
+  </p:clrMapOvr>
+</p:notes>
+</file>
+
+<file path=ppt/notesSlides/notesSlide4.xml><?xml version="1.0" encoding="utf-8"?>
+<p:notes xmlns:a="http://schemas.openxmlformats.org/drawingml/2006/main" xmlns:r="http://schemas.openxmlformats.org/officeDocument/2006/relationships" xmlns:p="http://schemas.openxmlformats.org/presentationml/2006/main">
+  <p:cSld>
+    <p:spTree>
+      <p:nvGrpSpPr>
+        <p:cNvPr id="1" name=""/>
+        <p:cNvGrpSpPr/>
+        <p:nvPr/>
+      </p:nvGrpSpPr>
+      <p:grpSpPr>
+        <a:xfrm>
+          <a:off x="0" y="0"/>
+          <a:ext cx="0" cy="0"/>
+          <a:chOff x="0" y="0"/>
+          <a:chExt cx="0" cy="0"/>
+        </a:xfrm>
+      </p:grpSpPr>
+      <p:sp>
+        <p:nvSpPr>
+          <p:cNvPr id="2" name="Slide Image Placeholder 1"/>
+          <p:cNvSpPr>
+            <a:spLocks noGrp="1" noRot="1" noChangeAspect="1"/>
+          </p:cNvSpPr>
+          <p:nvPr>
+            <p:ph type="sldImg"/>
+          </p:nvPr>
+        </p:nvSpPr>
+        <p:spPr/>
+      </p:sp>
+      <p:sp>
+        <p:nvSpPr>
+          <p:cNvPr id="3" name="Notes Placeholder 2"/>
+          <p:cNvSpPr>
+            <a:spLocks noGrp="1"/>
+          </p:cNvSpPr>
+          <p:nvPr>
+            <p:ph type="body" idx="1"/>
+          </p:nvPr>
+        </p:nvSpPr>
+        <p:spPr/>
+        <p:txBody>
+          <a:bodyPr/>
+          <a:lstStyle/>
+          <a:p>
+            <a:endParaRPr lang="en-US" dirty="0"/>
+          </a:p>
+        </p:txBody>
+      </p:sp>
+      <p:sp>
+        <p:nvSpPr>
           <p:cNvPr id="4" name="Footer Placeholder 3"/>
           <p:cNvSpPr>
             <a:spLocks noGrp="1"/>
@@ -1588,7 +1771,7 @@
                 <a:tabLst/>
                 <a:defRPr/>
               </a:pPr>
-              <a:t>5/6/2017</a:t>
+              <a:t>5/7/2017</a:t>
             </a:fld>
             <a:endParaRPr kumimoji="0" lang="en-US" sz="1800" b="0" i="0" u="none" strike="noStrike" kern="0" cap="none" spc="0" normalizeH="0" baseline="0" noProof="0" dirty="0">
               <a:ln>
@@ -1703,7 +1886,7 @@
 </p:notes>
 </file>
 
-<file path=ppt/notesSlides/notesSlide4.xml><?xml version="1.0" encoding="utf-8"?>
+<file path=ppt/notesSlides/notesSlide5.xml><?xml version="1.0" encoding="utf-8"?>
 <p:notes xmlns:a="http://schemas.openxmlformats.org/drawingml/2006/main" xmlns:r="http://schemas.openxmlformats.org/officeDocument/2006/relationships" xmlns:p="http://schemas.openxmlformats.org/presentationml/2006/main">
   <p:cSld>
     <p:spTree>
@@ -1935,93 +2118,6 @@
     <p:extLst>
       <p:ext uri="{BB962C8B-B14F-4D97-AF65-F5344CB8AC3E}">
         <p14:creationId xmlns:p14="http://schemas.microsoft.com/office/powerpoint/2010/main" val="3786922669"/>
-      </p:ext>
-    </p:extLst>
-  </p:cSld>
-  <p:clrMapOvr>
-    <a:masterClrMapping/>
-  </p:clrMapOvr>
-</p:notes>
-</file>
-
-<file path=ppt/notesSlides/notesSlide5.xml><?xml version="1.0" encoding="utf-8"?>
-<p:notes xmlns:a="http://schemas.openxmlformats.org/drawingml/2006/main" xmlns:r="http://schemas.openxmlformats.org/officeDocument/2006/relationships" xmlns:p="http://schemas.openxmlformats.org/presentationml/2006/main">
-  <p:cSld>
-    <p:spTree>
-      <p:nvGrpSpPr>
-        <p:cNvPr id="1" name=""/>
-        <p:cNvGrpSpPr/>
-        <p:nvPr/>
-      </p:nvGrpSpPr>
-      <p:grpSpPr>
-        <a:xfrm>
-          <a:off x="0" y="0"/>
-          <a:ext cx="0" cy="0"/>
-          <a:chOff x="0" y="0"/>
-          <a:chExt cx="0" cy="0"/>
-        </a:xfrm>
-      </p:grpSpPr>
-      <p:sp>
-        <p:nvSpPr>
-          <p:cNvPr id="2" name="Slide Image Placeholder 1"/>
-          <p:cNvSpPr>
-            <a:spLocks noGrp="1" noRot="1" noChangeAspect="1"/>
-          </p:cNvSpPr>
-          <p:nvPr>
-            <p:ph type="sldImg"/>
-          </p:nvPr>
-        </p:nvSpPr>
-        <p:spPr/>
-      </p:sp>
-      <p:sp>
-        <p:nvSpPr>
-          <p:cNvPr id="3" name="Notes Placeholder 2"/>
-          <p:cNvSpPr>
-            <a:spLocks noGrp="1"/>
-          </p:cNvSpPr>
-          <p:nvPr>
-            <p:ph type="body" idx="1"/>
-          </p:nvPr>
-        </p:nvSpPr>
-        <p:spPr/>
-        <p:txBody>
-          <a:bodyPr>
-            <a:normAutofit/>
-          </a:bodyPr>
-          <a:lstStyle/>
-          <a:p>
-            <a:endParaRPr lang="en-US"/>
-          </a:p>
-        </p:txBody>
-      </p:sp>
-      <p:sp>
-        <p:nvSpPr>
-          <p:cNvPr id="4" name="Slide Number Placeholder 3"/>
-          <p:cNvSpPr>
-            <a:spLocks noGrp="1"/>
-          </p:cNvSpPr>
-          <p:nvPr>
-            <p:ph type="sldNum" sz="quarter" idx="10"/>
-          </p:nvPr>
-        </p:nvSpPr>
-        <p:spPr/>
-        <p:txBody>
-          <a:bodyPr/>
-          <a:lstStyle/>
-          <a:p>
-            <a:fld id="{D3165507-753C-4AA4-A945-975B3E06CA67}" type="slidenum">
-              <a:rPr lang="en-US" smtClean="0"/>
-              <a:pPr/>
-              <a:t>11</a:t>
-            </a:fld>
-            <a:endParaRPr lang="en-US"/>
-          </a:p>
-        </p:txBody>
-      </p:sp>
-    </p:spTree>
-    <p:extLst>
-      <p:ext uri="{BB962C8B-B14F-4D97-AF65-F5344CB8AC3E}">
-        <p14:creationId xmlns:p14="http://schemas.microsoft.com/office/powerpoint/2010/main" val="4268673240"/>
       </p:ext>
     </p:extLst>
   </p:cSld>
@@ -2072,21 +2168,23 @@
         </p:nvSpPr>
         <p:spPr/>
         <p:txBody>
-          <a:bodyPr/>
+          <a:bodyPr>
+            <a:normAutofit/>
+          </a:bodyPr>
           <a:lstStyle/>
           <a:p>
-            <a:endParaRPr lang="en-US" dirty="0"/>
+            <a:endParaRPr lang="en-US"/>
           </a:p>
         </p:txBody>
       </p:sp>
       <p:sp>
         <p:nvSpPr>
-          <p:cNvPr id="4" name="Header Placeholder 3"/>
+          <p:cNvPr id="4" name="Slide Number Placeholder 3"/>
           <p:cNvSpPr>
             <a:spLocks noGrp="1"/>
           </p:cNvSpPr>
           <p:nvPr>
-            <p:ph type="hdr" sz="quarter" idx="10"/>
+            <p:ph type="sldNum" sz="quarter" idx="10"/>
           </p:nvPr>
         </p:nvSpPr>
         <p:spPr/>
@@ -2094,115 +2192,19 @@
           <a:bodyPr/>
           <a:lstStyle/>
           <a:p>
-            <a:endParaRPr lang="en-US" dirty="0"/>
-          </a:p>
-        </p:txBody>
-      </p:sp>
-      <p:sp>
-        <p:nvSpPr>
-          <p:cNvPr id="5" name="Footer Placeholder 4"/>
-          <p:cNvSpPr>
-            <a:spLocks noGrp="1"/>
-          </p:cNvSpPr>
-          <p:nvPr>
-            <p:ph type="ftr" sz="quarter" idx="11"/>
-          </p:nvPr>
-        </p:nvSpPr>
-        <p:spPr/>
-        <p:txBody>
-          <a:bodyPr/>
-          <a:lstStyle/>
-          <a:p>
-            <a:pPr defTabSz="914099" eaLnBrk="0" hangingPunct="0"/>
-            <a:r>
-              <a:rPr lang="en-US" sz="400">
-                <a:gradFill>
-                  <a:gsLst>
-                    <a:gs pos="0">
-                      <a:prstClr val="black"/>
-                    </a:gs>
-                    <a:gs pos="100000">
-                      <a:prstClr val="black"/>
-                    </a:gs>
-                  </a:gsLst>
-                  <a:lin ang="5400000" scaled="0"/>
-                </a:gradFill>
-                <a:latin typeface="Segoe UI" pitchFamily="34" charset="0"/>
-                <a:ea typeface="Segoe UI" pitchFamily="34" charset="0"/>
-                <a:cs typeface="Segoe UI" pitchFamily="34" charset="0"/>
-              </a:rPr>
-              <a:t>© 2014 Microsoft Corporation. All rights reserved. MICROSOFT MAKES NO WARRANTIES, EXPRESS, IMPLIED OR STATUTORY, AS TO THE INFORMATION IN THIS PRESENTATION.</a:t>
-            </a:r>
-            <a:endParaRPr lang="en-US" sz="400" dirty="0">
-              <a:gradFill>
-                <a:gsLst>
-                  <a:gs pos="0">
-                    <a:prstClr val="black"/>
-                  </a:gs>
-                  <a:gs pos="100000">
-                    <a:prstClr val="black"/>
-                  </a:gs>
-                </a:gsLst>
-                <a:lin ang="5400000" scaled="0"/>
-              </a:gradFill>
-              <a:latin typeface="Segoe UI" pitchFamily="34" charset="0"/>
-              <a:ea typeface="Segoe UI" pitchFamily="34" charset="0"/>
-              <a:cs typeface="Segoe UI" pitchFamily="34" charset="0"/>
-            </a:endParaRPr>
-          </a:p>
-        </p:txBody>
-      </p:sp>
-      <p:sp>
-        <p:nvSpPr>
-          <p:cNvPr id="6" name="Date Placeholder 5"/>
-          <p:cNvSpPr>
-            <a:spLocks noGrp="1"/>
-          </p:cNvSpPr>
-          <p:nvPr>
-            <p:ph type="dt" idx="12"/>
-          </p:nvPr>
-        </p:nvSpPr>
-        <p:spPr/>
-        <p:txBody>
-          <a:bodyPr/>
-          <a:lstStyle/>
-          <a:p>
-            <a:fld id="{38EEC551-8CDA-4EB6-89BB-2A86C9F091C8}" type="datetime8">
-              <a:rPr lang="en-US" smtClean="0"/>
-              <a:t>5/6/2017 11:09 AM</a:t>
-            </a:fld>
-            <a:endParaRPr lang="en-US" dirty="0"/>
-          </a:p>
-        </p:txBody>
-      </p:sp>
-      <p:sp>
-        <p:nvSpPr>
-          <p:cNvPr id="7" name="Slide Number Placeholder 6"/>
-          <p:cNvSpPr>
-            <a:spLocks noGrp="1"/>
-          </p:cNvSpPr>
-          <p:nvPr>
-            <p:ph type="sldNum" sz="quarter" idx="13"/>
-          </p:nvPr>
-        </p:nvSpPr>
-        <p:spPr/>
-        <p:txBody>
-          <a:bodyPr/>
-          <a:lstStyle/>
-          <a:p>
-            <a:fld id="{B4008EB6-D09E-4580-8CD6-DDB14511944F}" type="slidenum">
+            <a:fld id="{D3165507-753C-4AA4-A945-975B3E06CA67}" type="slidenum">
               <a:rPr lang="en-US" smtClean="0"/>
               <a:pPr/>
-              <a:t>12</a:t>
+              <a:t>11</a:t>
             </a:fld>
-            <a:endParaRPr lang="en-US" dirty="0"/>
+            <a:endParaRPr lang="en-US"/>
           </a:p>
         </p:txBody>
       </p:sp>
     </p:spTree>
     <p:extLst>
       <p:ext uri="{BB962C8B-B14F-4D97-AF65-F5344CB8AC3E}">
-        <p14:creationId xmlns:p14="http://schemas.microsoft.com/office/powerpoint/2010/main" val="4280225068"/>
+        <p14:creationId xmlns:p14="http://schemas.microsoft.com/office/powerpoint/2010/main" val="4268673240"/>
       </p:ext>
     </p:extLst>
   </p:cSld>
@@ -2353,7 +2355,7 @@
           <a:p>
             <a:fld id="{627F603A-779F-4101-9B83-C34650C566A7}" type="datetime8">
               <a:rPr lang="en-US" smtClean="0"/>
-              <a:t>5/6/2017 11:09 AM</a:t>
+              <a:t>5/7/2017 10:41 AM</a:t>
             </a:fld>
             <a:endParaRPr lang="en-US" dirty="0"/>
           </a:p>
@@ -2377,7 +2379,7 @@
             <a:fld id="{B4008EB6-D09E-4580-8CD6-DDB14511944F}" type="slidenum">
               <a:rPr lang="en-US" smtClean="0"/>
               <a:pPr/>
-              <a:t>13</a:t>
+              <a:t>12</a:t>
             </a:fld>
             <a:endParaRPr lang="en-US" dirty="0"/>
           </a:p>
@@ -2462,7 +2464,7 @@
             <a:fld id="{B4008EB6-D09E-4580-8CD6-DDB14511944F}" type="slidenum">
               <a:rPr lang="en-US" smtClean="0"/>
               <a:pPr/>
-              <a:t>14</a:t>
+              <a:t>13</a:t>
             </a:fld>
             <a:endParaRPr lang="en-US" dirty="0"/>
           </a:p>
@@ -2485,7 +2487,7 @@
           <a:p>
             <a:fld id="{E45DD59A-D9AD-4C82-9DE1-A42A8DB4D1E1}" type="datetime8">
               <a:rPr lang="en-US" smtClean="0"/>
-              <a:t>5/6/2017 11:19 AM</a:t>
+              <a:t>5/7/2017 10:41 AM</a:t>
             </a:fld>
             <a:endParaRPr lang="en-US" dirty="0"/>
           </a:p>
@@ -2646,7 +2648,7 @@
             <a:fld id="{B4008EB6-D09E-4580-8CD6-DDB14511944F}" type="slidenum">
               <a:rPr lang="en-US" smtClean="0"/>
               <a:pPr/>
-              <a:t>15</a:t>
+              <a:t>14</a:t>
             </a:fld>
             <a:endParaRPr lang="en-US" dirty="0"/>
           </a:p>
@@ -2669,7 +2671,7 @@
           <a:p>
             <a:fld id="{E45DD59A-D9AD-4C82-9DE1-A42A8DB4D1E1}" type="datetime8">
               <a:rPr lang="en-US" smtClean="0"/>
-              <a:t>5/6/2017 11:18 AM</a:t>
+              <a:t>5/7/2017 10:41 AM</a:t>
             </a:fld>
             <a:endParaRPr lang="en-US" dirty="0"/>
           </a:p>
@@ -5692,7 +5694,7 @@
           <a:p>
             <a:fld id="{9912175C-3CF6-487A-9684-5B9CA6422935}" type="datetimeFigureOut">
               <a:rPr lang="en-US" smtClean="0"/>
-              <a:t>5/6/2017</a:t>
+              <a:t>5/7/2017</a:t>
             </a:fld>
             <a:endParaRPr lang="en-US"/>
           </a:p>
@@ -19879,7 +19881,7 @@
       </p:grpSpPr>
       <p:sp>
         <p:nvSpPr>
-          <p:cNvPr id="2" name="Title 1"/>
+          <p:cNvPr id="3" name="Title 2"/>
           <p:cNvSpPr>
             <a:spLocks noGrp="1"/>
           </p:cNvSpPr>
@@ -19893,2472 +19895,34 @@
           <a:lstStyle/>
           <a:p>
             <a:r>
-              <a:rPr lang="en-US" dirty="0">
-                <a:solidFill>
-                  <a:schemeClr val="tx1"/>
-                </a:solidFill>
-                <a:hlinkClick r:id="rId3"/>
-              </a:rPr>
-              <a:t>Consistency Levels</a:t>
-            </a:r>
-            <a:endParaRPr lang="en-US" dirty="0">
-              <a:solidFill>
-                <a:schemeClr val="tx1"/>
-              </a:solidFill>
-            </a:endParaRPr>
-          </a:p>
-        </p:txBody>
-      </p:sp>
-      <p:sp>
-        <p:nvSpPr>
-          <p:cNvPr id="3" name="Text Placeholder 2"/>
-          <p:cNvSpPr>
-            <a:spLocks noGrp="1"/>
-          </p:cNvSpPr>
-          <p:nvPr>
-            <p:ph type="body" sz="quarter" idx="10"/>
-          </p:nvPr>
-        </p:nvSpPr>
-        <p:spPr>
-          <a:xfrm>
-            <a:off x="366590" y="1371901"/>
-            <a:ext cx="11702660" cy="1834348"/>
-          </a:xfrm>
-        </p:spPr>
-        <p:txBody>
-          <a:bodyPr/>
-          <a:lstStyle/>
-          <a:p>
-            <a:pPr marL="457170" indent="-457170">
-              <a:buFont typeface="Arial" panose="020B0604020202020204" pitchFamily="34" charset="0"/>
-              <a:buChar char="•"/>
-            </a:pPr>
-            <a:r>
-              <a:rPr lang="en-US" sz="3600" dirty="0">
-                <a:solidFill>
-                  <a:schemeClr val="tx1"/>
-                </a:solidFill>
-              </a:rPr>
-              <a:t>Strong, Eventual, Bounded Staleness, and Session</a:t>
-            </a:r>
-          </a:p>
-          <a:p>
-            <a:endParaRPr lang="en-US" sz="3600" dirty="0">
-              <a:solidFill>
-                <a:schemeClr val="tx1"/>
-              </a:solidFill>
-            </a:endParaRPr>
-          </a:p>
-          <a:p>
-            <a:endParaRPr lang="en-US" sz="3600" dirty="0">
-              <a:solidFill>
-                <a:schemeClr val="tx1"/>
-              </a:solidFill>
-            </a:endParaRPr>
-          </a:p>
-        </p:txBody>
-      </p:sp>
-      <p:sp>
-        <p:nvSpPr>
-          <p:cNvPr id="7" name="Rectangle 6"/>
-          <p:cNvSpPr/>
-          <p:nvPr/>
-        </p:nvSpPr>
-        <p:spPr bwMode="auto">
-          <a:xfrm>
-            <a:off x="9699" y="2800938"/>
-            <a:ext cx="12210442" cy="3989239"/>
-          </a:xfrm>
-          <a:prstGeom prst="rect">
-            <a:avLst/>
-          </a:prstGeom>
-          <a:noFill/>
-          <a:ln>
-            <a:noFill/>
-            <a:headEnd type="none" w="med" len="med"/>
-            <a:tailEnd type="none" w="med" len="med"/>
-          </a:ln>
-        </p:spPr>
-        <p:style>
-          <a:lnRef idx="1">
-            <a:schemeClr val="accent2"/>
-          </a:lnRef>
-          <a:fillRef idx="2">
-            <a:schemeClr val="accent2"/>
-          </a:fillRef>
-          <a:effectRef idx="1">
-            <a:schemeClr val="accent2"/>
-          </a:effectRef>
-          <a:fontRef idx="minor">
-            <a:schemeClr val="dk1"/>
-          </a:fontRef>
-        </p:style>
-        <p:txBody>
-          <a:bodyPr rot="0" spcFirstLastPara="0" vertOverflow="overflow" horzOverflow="overflow" vert="horz" wrap="square" lIns="45714" tIns="45714" rIns="45714" bIns="45714" numCol="1" spcCol="0" rtlCol="0" fromWordArt="0" anchor="t" anchorCtr="0" forceAA="0" compatLnSpc="1">
-            <a:prstTxWarp prst="textNoShape">
-              <a:avLst/>
-            </a:prstTxWarp>
-            <a:noAutofit/>
-          </a:bodyPr>
-          <a:lstStyle/>
-          <a:p>
-            <a:pPr defTabSz="914039" fontAlgn="base">
-              <a:spcBef>
-                <a:spcPct val="0"/>
-              </a:spcBef>
-              <a:spcAft>
-                <a:spcPct val="0"/>
-              </a:spcAft>
-            </a:pPr>
-            <a:endParaRPr lang="en-US" sz="1199" dirty="0">
-              <a:solidFill>
-                <a:schemeClr val="tx1"/>
-              </a:solidFill>
-              <a:latin typeface="+mj-lt"/>
-              <a:ea typeface="Segoe UI" pitchFamily="34" charset="0"/>
-              <a:cs typeface="Segoe UI" pitchFamily="34" charset="0"/>
-            </a:endParaRPr>
-          </a:p>
-        </p:txBody>
-      </p:sp>
-      <p:sp>
-        <p:nvSpPr>
-          <p:cNvPr id="8" name="Rounded Rectangle 7"/>
-          <p:cNvSpPr/>
-          <p:nvPr/>
-        </p:nvSpPr>
-        <p:spPr>
-          <a:xfrm rot="5400000">
-            <a:off x="5945058" y="-2107749"/>
-            <a:ext cx="142920" cy="10351357"/>
-          </a:xfrm>
-          <a:prstGeom prst="roundRect">
-            <a:avLst/>
-          </a:prstGeom>
-          <a:solidFill>
-            <a:srgbClr val="92D050"/>
-          </a:solidFill>
-        </p:spPr>
-        <p:style>
-          <a:lnRef idx="2">
-            <a:schemeClr val="dk1"/>
-          </a:lnRef>
-          <a:fillRef idx="1">
-            <a:schemeClr val="lt1"/>
-          </a:fillRef>
-          <a:effectRef idx="0">
-            <a:schemeClr val="dk1"/>
-          </a:effectRef>
-          <a:fontRef idx="minor">
-            <a:schemeClr val="dk1"/>
-          </a:fontRef>
-        </p:style>
-        <p:txBody>
-          <a:bodyPr rtlCol="0" anchor="ctr"/>
-          <a:lstStyle/>
-          <a:p>
-            <a:pPr algn="ctr"/>
-            <a:endParaRPr lang="en-US" sz="1801"/>
-          </a:p>
-        </p:txBody>
-      </p:sp>
-      <p:cxnSp>
-        <p:nvCxnSpPr>
-          <p:cNvPr id="9" name="Straight Connector 8"/>
-          <p:cNvCxnSpPr/>
-          <p:nvPr/>
-        </p:nvCxnSpPr>
-        <p:spPr>
-          <a:xfrm rot="5400000">
-            <a:off x="4270571" y="3058962"/>
-            <a:ext cx="316194" cy="0"/>
-          </a:xfrm>
-          <a:prstGeom prst="line">
-            <a:avLst/>
-          </a:prstGeom>
-          <a:solidFill>
-            <a:srgbClr val="92D050"/>
-          </a:solidFill>
-        </p:spPr>
-        <p:style>
-          <a:lnRef idx="2">
-            <a:schemeClr val="dk1"/>
-          </a:lnRef>
-          <a:fillRef idx="0">
-            <a:schemeClr val="dk1"/>
-          </a:fillRef>
-          <a:effectRef idx="1">
-            <a:schemeClr val="dk1"/>
-          </a:effectRef>
-          <a:fontRef idx="minor">
-            <a:schemeClr val="tx1"/>
-          </a:fontRef>
-        </p:style>
-      </p:cxnSp>
-      <p:cxnSp>
-        <p:nvCxnSpPr>
-          <p:cNvPr id="10" name="Straight Connector 9"/>
-          <p:cNvCxnSpPr/>
-          <p:nvPr/>
-        </p:nvCxnSpPr>
-        <p:spPr>
-          <a:xfrm rot="5400000">
-            <a:off x="6729709" y="3088527"/>
-            <a:ext cx="316194" cy="0"/>
-          </a:xfrm>
-          <a:prstGeom prst="line">
-            <a:avLst/>
-          </a:prstGeom>
-          <a:solidFill>
-            <a:srgbClr val="92D050"/>
-          </a:solidFill>
-        </p:spPr>
-        <p:style>
-          <a:lnRef idx="2">
-            <a:schemeClr val="dk1"/>
-          </a:lnRef>
-          <a:fillRef idx="0">
-            <a:schemeClr val="dk1"/>
-          </a:fillRef>
-          <a:effectRef idx="1">
-            <a:schemeClr val="dk1"/>
-          </a:effectRef>
-          <a:fontRef idx="minor">
-            <a:schemeClr val="tx1"/>
-          </a:fontRef>
-        </p:style>
-      </p:cxnSp>
-      <p:cxnSp>
-        <p:nvCxnSpPr>
-          <p:cNvPr id="11" name="Straight Connector 10"/>
-          <p:cNvCxnSpPr/>
-          <p:nvPr/>
-        </p:nvCxnSpPr>
-        <p:spPr>
-          <a:xfrm rot="5400000">
-            <a:off x="9460549" y="3093425"/>
-            <a:ext cx="316194" cy="0"/>
-          </a:xfrm>
-          <a:prstGeom prst="line">
-            <a:avLst/>
-          </a:prstGeom>
-          <a:solidFill>
-            <a:srgbClr val="92D050"/>
-          </a:solidFill>
-        </p:spPr>
-        <p:style>
-          <a:lnRef idx="2">
-            <a:schemeClr val="dk1"/>
-          </a:lnRef>
-          <a:fillRef idx="0">
-            <a:schemeClr val="dk1"/>
-          </a:fillRef>
-          <a:effectRef idx="1">
-            <a:schemeClr val="dk1"/>
-          </a:effectRef>
-          <a:fontRef idx="minor">
-            <a:schemeClr val="tx1"/>
-          </a:fontRef>
-        </p:style>
-      </p:cxnSp>
-      <p:cxnSp>
-        <p:nvCxnSpPr>
-          <p:cNvPr id="12" name="Straight Connector 11"/>
-          <p:cNvCxnSpPr/>
-          <p:nvPr/>
-        </p:nvCxnSpPr>
-        <p:spPr>
-          <a:xfrm rot="5400000">
-            <a:off x="1634580" y="3058970"/>
-            <a:ext cx="316194" cy="0"/>
-          </a:xfrm>
-          <a:prstGeom prst="line">
-            <a:avLst/>
-          </a:prstGeom>
-          <a:solidFill>
-            <a:srgbClr val="92D050"/>
-          </a:solidFill>
-        </p:spPr>
-        <p:style>
-          <a:lnRef idx="2">
-            <a:schemeClr val="dk1"/>
-          </a:lnRef>
-          <a:fillRef idx="0">
-            <a:schemeClr val="dk1"/>
-          </a:fillRef>
-          <a:effectRef idx="1">
-            <a:schemeClr val="dk1"/>
-          </a:effectRef>
-          <a:fontRef idx="minor">
-            <a:schemeClr val="tx1"/>
-          </a:fontRef>
-        </p:style>
-      </p:cxnSp>
-      <p:sp>
-        <p:nvSpPr>
-          <p:cNvPr id="13" name="TextBox 12"/>
-          <p:cNvSpPr txBox="1"/>
-          <p:nvPr/>
-        </p:nvSpPr>
-        <p:spPr>
-          <a:xfrm>
-            <a:off x="1477555" y="3214007"/>
-            <a:ext cx="671168" cy="261610"/>
-          </a:xfrm>
-          <a:prstGeom prst="rect">
-            <a:avLst/>
-          </a:prstGeom>
-          <a:solidFill>
-            <a:schemeClr val="accent6">
-              <a:lumMod val="20000"/>
-              <a:lumOff val="80000"/>
-            </a:schemeClr>
-          </a:solidFill>
-          <a:ln>
-            <a:solidFill>
-              <a:schemeClr val="accent6"/>
-            </a:solidFill>
-          </a:ln>
-        </p:spPr>
-        <p:txBody>
-          <a:bodyPr wrap="square" rtlCol="0">
-            <a:spAutoFit/>
-          </a:bodyPr>
-          <a:lstStyle/>
-          <a:p>
-            <a:r>
-              <a:rPr lang="en-US" sz="1100" i="1" dirty="0">
-                <a:solidFill>
-                  <a:prstClr val="black">
-                    <a:lumMod val="75000"/>
-                    <a:lumOff val="25000"/>
-                  </a:prstClr>
-                </a:solidFill>
-              </a:rPr>
-              <a:t>Strong</a:t>
-            </a:r>
-          </a:p>
-        </p:txBody>
-      </p:sp>
-      <p:sp>
-        <p:nvSpPr>
-          <p:cNvPr id="14" name="TextBox 13"/>
-          <p:cNvSpPr txBox="1"/>
-          <p:nvPr/>
-        </p:nvSpPr>
-        <p:spPr>
-          <a:xfrm>
-            <a:off x="3812994" y="3232409"/>
-            <a:ext cx="1321527" cy="261610"/>
-          </a:xfrm>
-          <a:prstGeom prst="rect">
-            <a:avLst/>
-          </a:prstGeom>
-          <a:solidFill>
-            <a:schemeClr val="accent6">
-              <a:lumMod val="20000"/>
-              <a:lumOff val="80000"/>
-            </a:schemeClr>
-          </a:solidFill>
-          <a:ln>
-            <a:solidFill>
-              <a:schemeClr val="accent6"/>
-            </a:solidFill>
-          </a:ln>
-        </p:spPr>
-        <p:txBody>
-          <a:bodyPr wrap="square" rtlCol="0">
-            <a:spAutoFit/>
-          </a:bodyPr>
-          <a:lstStyle/>
-          <a:p>
-            <a:r>
-              <a:rPr lang="en-US" sz="1100" i="1" dirty="0">
-                <a:solidFill>
-                  <a:prstClr val="black">
-                    <a:lumMod val="75000"/>
-                    <a:lumOff val="25000"/>
-                  </a:prstClr>
-                </a:solidFill>
-              </a:rPr>
-              <a:t>Bounded Staleness</a:t>
-            </a:r>
-          </a:p>
-        </p:txBody>
-      </p:sp>
-      <p:sp>
-        <p:nvSpPr>
-          <p:cNvPr id="15" name="TextBox 14"/>
-          <p:cNvSpPr txBox="1"/>
-          <p:nvPr/>
-        </p:nvSpPr>
-        <p:spPr>
-          <a:xfrm>
-            <a:off x="6641334" y="3218326"/>
-            <a:ext cx="876304" cy="261610"/>
-          </a:xfrm>
-          <a:prstGeom prst="rect">
-            <a:avLst/>
-          </a:prstGeom>
-          <a:solidFill>
-            <a:schemeClr val="accent6">
-              <a:lumMod val="20000"/>
-              <a:lumOff val="80000"/>
-            </a:schemeClr>
-          </a:solidFill>
-          <a:ln>
-            <a:solidFill>
-              <a:schemeClr val="accent6"/>
-            </a:solidFill>
-          </a:ln>
-        </p:spPr>
-        <p:txBody>
-          <a:bodyPr wrap="square" rtlCol="0">
-            <a:spAutoFit/>
-          </a:bodyPr>
-          <a:lstStyle/>
-          <a:p>
-            <a:r>
-              <a:rPr lang="en-US" sz="1100" i="1" dirty="0">
-                <a:solidFill>
-                  <a:prstClr val="black">
-                    <a:lumMod val="75000"/>
-                    <a:lumOff val="25000"/>
-                  </a:prstClr>
-                </a:solidFill>
-              </a:rPr>
-              <a:t>Session</a:t>
-            </a:r>
-          </a:p>
-        </p:txBody>
-      </p:sp>
-      <p:sp>
-        <p:nvSpPr>
-          <p:cNvPr id="16" name="TextBox 15"/>
-          <p:cNvSpPr txBox="1"/>
-          <p:nvPr/>
-        </p:nvSpPr>
-        <p:spPr>
-          <a:xfrm>
-            <a:off x="9270925" y="3231590"/>
-            <a:ext cx="973277" cy="261610"/>
-          </a:xfrm>
-          <a:prstGeom prst="rect">
-            <a:avLst/>
-          </a:prstGeom>
-          <a:solidFill>
-            <a:schemeClr val="accent6">
-              <a:lumMod val="20000"/>
-              <a:lumOff val="80000"/>
-            </a:schemeClr>
-          </a:solidFill>
-          <a:ln>
-            <a:solidFill>
-              <a:schemeClr val="accent6"/>
-            </a:solidFill>
-          </a:ln>
-        </p:spPr>
-        <p:txBody>
-          <a:bodyPr wrap="square" rtlCol="0">
-            <a:spAutoFit/>
-          </a:bodyPr>
-          <a:lstStyle/>
-          <a:p>
-            <a:r>
-              <a:rPr lang="en-US" sz="1100" i="1" dirty="0">
-                <a:solidFill>
-                  <a:prstClr val="black">
-                    <a:lumMod val="75000"/>
-                    <a:lumOff val="25000"/>
-                  </a:prstClr>
-                </a:solidFill>
-              </a:rPr>
-              <a:t>Eventual</a:t>
-            </a:r>
-          </a:p>
-        </p:txBody>
-      </p:sp>
-      <p:sp>
-        <p:nvSpPr>
-          <p:cNvPr id="17" name="TextBox 16"/>
-          <p:cNvSpPr txBox="1"/>
-          <p:nvPr/>
-        </p:nvSpPr>
-        <p:spPr>
-          <a:xfrm>
-            <a:off x="1189751" y="2709512"/>
-            <a:ext cx="10002447" cy="261610"/>
-          </a:xfrm>
-          <a:prstGeom prst="rect">
-            <a:avLst/>
-          </a:prstGeom>
-          <a:solidFill>
-            <a:srgbClr val="FFFF00"/>
-          </a:solidFill>
-        </p:spPr>
-        <p:txBody>
-          <a:bodyPr wrap="square" rtlCol="0">
-            <a:spAutoFit/>
-          </a:bodyPr>
-          <a:lstStyle/>
-          <a:p>
-            <a:r>
-              <a:rPr lang="en-US" sz="1100" b="1" i="1" dirty="0">
-                <a:solidFill>
-                  <a:prstClr val="black">
-                    <a:lumMod val="75000"/>
-                    <a:lumOff val="25000"/>
-                  </a:prstClr>
-                </a:solidFill>
-              </a:rPr>
-              <a:t>LEFT TO RIGHT </a:t>
-            </a:r>
-            <a:r>
-              <a:rPr lang="en-US" sz="1100" b="1" i="1" dirty="0">
-                <a:solidFill>
-                  <a:prstClr val="black">
-                    <a:lumMod val="75000"/>
-                    <a:lumOff val="25000"/>
-                  </a:prstClr>
-                </a:solidFill>
-                <a:sym typeface="Wingdings" panose="05000000000000000000" pitchFamily="2" charset="2"/>
-              </a:rPr>
-              <a:t> </a:t>
-            </a:r>
-            <a:r>
-              <a:rPr lang="en-US" sz="1100" b="1" i="1" dirty="0">
-                <a:solidFill>
-                  <a:prstClr val="black">
-                    <a:lumMod val="75000"/>
-                    <a:lumOff val="25000"/>
-                  </a:prstClr>
-                </a:solidFill>
-              </a:rPr>
-              <a:t>   </a:t>
-            </a:r>
-            <a:r>
-              <a:rPr lang="en-US" sz="1100" i="1" dirty="0">
-                <a:solidFill>
-                  <a:prstClr val="black">
-                    <a:lumMod val="75000"/>
-                    <a:lumOff val="25000"/>
-                  </a:prstClr>
-                </a:solidFill>
-              </a:rPr>
-              <a:t>Weaker Consistency, Better Read scalability, Lower write latency</a:t>
-            </a:r>
-          </a:p>
-        </p:txBody>
-      </p:sp>
-      <p:cxnSp>
-        <p:nvCxnSpPr>
-          <p:cNvPr id="18" name="Straight Arrow Connector 17"/>
-          <p:cNvCxnSpPr/>
-          <p:nvPr/>
-        </p:nvCxnSpPr>
-        <p:spPr>
-          <a:xfrm flipV="1">
-            <a:off x="840841" y="3065973"/>
-            <a:ext cx="10744705" cy="3183"/>
-          </a:xfrm>
-          <a:prstGeom prst="straightConnector1">
-            <a:avLst/>
-          </a:prstGeom>
-          <a:ln>
-            <a:tailEnd type="triangle"/>
-          </a:ln>
-        </p:spPr>
-        <p:style>
-          <a:lnRef idx="1">
-            <a:schemeClr val="accent1"/>
-          </a:lnRef>
-          <a:fillRef idx="0">
-            <a:schemeClr val="accent1"/>
-          </a:fillRef>
-          <a:effectRef idx="0">
-            <a:schemeClr val="accent1"/>
-          </a:effectRef>
-          <a:fontRef idx="minor">
-            <a:schemeClr val="tx1"/>
-          </a:fontRef>
-        </p:style>
-      </p:cxnSp>
-      <p:sp>
-        <p:nvSpPr>
-          <p:cNvPr id="19" name="Flowchart: Document 18"/>
-          <p:cNvSpPr/>
-          <p:nvPr/>
-        </p:nvSpPr>
-        <p:spPr>
-          <a:xfrm>
-            <a:off x="1287368" y="3753508"/>
-            <a:ext cx="1011612" cy="265025"/>
-          </a:xfrm>
-          <a:prstGeom prst="flowChartDocument">
-            <a:avLst/>
-          </a:prstGeom>
-          <a:solidFill>
-            <a:schemeClr val="accent1">
-              <a:lumMod val="20000"/>
-              <a:lumOff val="80000"/>
-            </a:schemeClr>
-          </a:solidFill>
-          <a:ln>
-            <a:solidFill>
-              <a:schemeClr val="accent1">
-                <a:lumMod val="20000"/>
-                <a:lumOff val="80000"/>
-              </a:schemeClr>
-            </a:solidFill>
-          </a:ln>
-        </p:spPr>
-        <p:style>
-          <a:lnRef idx="1">
-            <a:schemeClr val="accent4"/>
-          </a:lnRef>
-          <a:fillRef idx="2">
-            <a:schemeClr val="accent4"/>
-          </a:fillRef>
-          <a:effectRef idx="1">
-            <a:schemeClr val="accent4"/>
-          </a:effectRef>
-          <a:fontRef idx="minor">
-            <a:schemeClr val="dk1"/>
-          </a:fontRef>
-        </p:style>
-        <p:txBody>
-          <a:bodyPr rtlCol="0" anchor="ctr"/>
-          <a:lstStyle/>
-          <a:p>
-            <a:pPr algn="ctr"/>
-            <a:r>
-              <a:rPr lang="en-US" sz="1199" dirty="0"/>
-              <a:t>Client</a:t>
-            </a:r>
-            <a:endParaRPr lang="en-US" sz="1399" dirty="0"/>
-          </a:p>
-        </p:txBody>
-      </p:sp>
-      <p:sp>
-        <p:nvSpPr>
-          <p:cNvPr id="20" name="Oval 36"/>
-          <p:cNvSpPr>
-            <a:spLocks noChangeArrowheads="1"/>
-          </p:cNvSpPr>
-          <p:nvPr/>
-        </p:nvSpPr>
-        <p:spPr bwMode="auto">
-          <a:xfrm>
-            <a:off x="853494" y="4359960"/>
-            <a:ext cx="406092" cy="297304"/>
-          </a:xfrm>
-          <a:prstGeom prst="ellipse">
-            <a:avLst/>
-          </a:prstGeom>
-          <a:ln>
-            <a:headEnd/>
-            <a:tailEnd/>
-          </a:ln>
-        </p:spPr>
-        <p:style>
-          <a:lnRef idx="1">
-            <a:schemeClr val="accent2"/>
-          </a:lnRef>
-          <a:fillRef idx="2">
-            <a:schemeClr val="accent2"/>
-          </a:fillRef>
-          <a:effectRef idx="1">
-            <a:schemeClr val="accent2"/>
-          </a:effectRef>
-          <a:fontRef idx="minor">
-            <a:schemeClr val="dk1"/>
-          </a:fontRef>
-        </p:style>
-        <p:txBody>
-          <a:bodyPr vert="horz" wrap="none" lIns="91376" tIns="45689" rIns="91376" bIns="45689" numCol="1" anchor="ctr" anchorCtr="0" compatLnSpc="1">
-            <a:prstTxWarp prst="textNoShape">
-              <a:avLst/>
-            </a:prstTxWarp>
-          </a:bodyPr>
-          <a:lstStyle/>
-          <a:p>
-            <a:pPr algn="ctr" defTabSz="1218321">
-              <a:spcBef>
-                <a:spcPct val="0"/>
-              </a:spcBef>
-              <a:defRPr/>
-            </a:pPr>
-            <a:r>
-              <a:rPr lang="en-US" sz="1399" kern="0" dirty="0">
-                <a:solidFill>
-                  <a:srgbClr val="3981B6"/>
-                </a:solidFill>
-                <a:latin typeface="Arial" charset="0"/>
-              </a:rPr>
-              <a:t>P</a:t>
-            </a:r>
-          </a:p>
-        </p:txBody>
-      </p:sp>
-      <p:sp>
-        <p:nvSpPr>
-          <p:cNvPr id="21" name="Oval 52"/>
-          <p:cNvSpPr>
-            <a:spLocks noChangeArrowheads="1"/>
-          </p:cNvSpPr>
-          <p:nvPr/>
-        </p:nvSpPr>
-        <p:spPr bwMode="auto">
-          <a:xfrm>
-            <a:off x="1833065" y="4390939"/>
-            <a:ext cx="417112" cy="278904"/>
-          </a:xfrm>
-          <a:prstGeom prst="ellipse">
-            <a:avLst/>
-          </a:prstGeom>
-          <a:ln>
-            <a:headEnd/>
-            <a:tailEnd/>
-          </a:ln>
-        </p:spPr>
-        <p:style>
-          <a:lnRef idx="1">
-            <a:schemeClr val="accent5"/>
-          </a:lnRef>
-          <a:fillRef idx="2">
-            <a:schemeClr val="accent5"/>
-          </a:fillRef>
-          <a:effectRef idx="1">
-            <a:schemeClr val="accent5"/>
-          </a:effectRef>
-          <a:fontRef idx="minor">
-            <a:schemeClr val="dk1"/>
-          </a:fontRef>
-        </p:style>
-        <p:txBody>
-          <a:bodyPr vert="horz" wrap="none" lIns="91376" tIns="45689" rIns="91376" bIns="45689" numCol="1" anchor="ctr" anchorCtr="0" compatLnSpc="1">
-            <a:prstTxWarp prst="textNoShape">
-              <a:avLst/>
-            </a:prstTxWarp>
-          </a:bodyPr>
-          <a:lstStyle/>
-          <a:p>
-            <a:pPr algn="ctr" defTabSz="1218321">
-              <a:spcBef>
-                <a:spcPct val="0"/>
-              </a:spcBef>
-              <a:defRPr/>
-            </a:pPr>
-            <a:r>
-              <a:rPr lang="en-US" sz="1399" kern="0" dirty="0">
-                <a:solidFill>
-                  <a:srgbClr val="3981B6"/>
-                </a:solidFill>
-                <a:latin typeface="Arial" charset="0"/>
-              </a:rPr>
-              <a:t>S</a:t>
-            </a:r>
-          </a:p>
-        </p:txBody>
-      </p:sp>
-      <p:sp>
-        <p:nvSpPr>
-          <p:cNvPr id="22" name="Oval 52"/>
-          <p:cNvSpPr>
-            <a:spLocks noChangeArrowheads="1"/>
-          </p:cNvSpPr>
-          <p:nvPr/>
-        </p:nvSpPr>
-        <p:spPr bwMode="auto">
-          <a:xfrm>
-            <a:off x="1343798" y="4378361"/>
-            <a:ext cx="417112" cy="278904"/>
-          </a:xfrm>
-          <a:prstGeom prst="ellipse">
-            <a:avLst/>
-          </a:prstGeom>
-          <a:ln>
-            <a:headEnd/>
-            <a:tailEnd/>
-          </a:ln>
-        </p:spPr>
-        <p:style>
-          <a:lnRef idx="1">
-            <a:schemeClr val="accent5"/>
-          </a:lnRef>
-          <a:fillRef idx="2">
-            <a:schemeClr val="accent5"/>
-          </a:fillRef>
-          <a:effectRef idx="1">
-            <a:schemeClr val="accent5"/>
-          </a:effectRef>
-          <a:fontRef idx="minor">
-            <a:schemeClr val="dk1"/>
-          </a:fontRef>
-        </p:style>
-        <p:txBody>
-          <a:bodyPr vert="horz" wrap="none" lIns="91376" tIns="45689" rIns="91376" bIns="45689" numCol="1" anchor="ctr" anchorCtr="0" compatLnSpc="1">
-            <a:prstTxWarp prst="textNoShape">
-              <a:avLst/>
-            </a:prstTxWarp>
-          </a:bodyPr>
-          <a:lstStyle/>
-          <a:p>
-            <a:pPr algn="ctr" defTabSz="1218321">
-              <a:spcBef>
-                <a:spcPct val="0"/>
-              </a:spcBef>
-              <a:defRPr/>
-            </a:pPr>
-            <a:r>
-              <a:rPr lang="en-US" sz="1399" kern="0" dirty="0">
-                <a:solidFill>
-                  <a:srgbClr val="3981B6"/>
-                </a:solidFill>
-                <a:latin typeface="Arial" charset="0"/>
-              </a:rPr>
-              <a:t>S</a:t>
-            </a:r>
-          </a:p>
-        </p:txBody>
-      </p:sp>
-      <p:sp>
-        <p:nvSpPr>
-          <p:cNvPr id="23" name="Line 62"/>
-          <p:cNvSpPr>
-            <a:spLocks noChangeShapeType="1"/>
-          </p:cNvSpPr>
-          <p:nvPr/>
-        </p:nvSpPr>
-        <p:spPr bwMode="auto">
-          <a:xfrm flipV="1">
-            <a:off x="1565786" y="4070008"/>
-            <a:ext cx="26828" cy="316917"/>
-          </a:xfrm>
-          <a:prstGeom prst="line">
-            <a:avLst/>
-          </a:prstGeom>
-          <a:noFill/>
-          <a:ln w="9525" cap="flat" cmpd="sng" algn="ctr">
-            <a:solidFill>
-              <a:schemeClr val="tx1"/>
-            </a:solidFill>
-            <a:prstDash val="solid"/>
-            <a:headEnd/>
-            <a:tailEnd type="stealth" w="lg" len="lg"/>
-          </a:ln>
-          <a:effectLst/>
-        </p:spPr>
-        <p:txBody>
-          <a:bodyPr vert="horz" wrap="square" lIns="91376" tIns="45689" rIns="91376" bIns="45689" numCol="1" anchor="t" anchorCtr="0" compatLnSpc="1">
-            <a:prstTxWarp prst="textNoShape">
-              <a:avLst/>
-            </a:prstTxWarp>
-          </a:bodyPr>
-          <a:lstStyle/>
-          <a:p>
-            <a:pPr defTabSz="1218321">
-              <a:defRPr/>
-            </a:pPr>
-            <a:endParaRPr lang="en-US" sz="1399" kern="0" dirty="0">
-              <a:solidFill>
-                <a:srgbClr val="3981B6"/>
-              </a:solidFill>
-            </a:endParaRPr>
-          </a:p>
-        </p:txBody>
-      </p:sp>
-      <p:sp>
-        <p:nvSpPr>
-          <p:cNvPr id="24" name="Line 61"/>
-          <p:cNvSpPr>
-            <a:spLocks noChangeShapeType="1"/>
-          </p:cNvSpPr>
-          <p:nvPr/>
-        </p:nvSpPr>
-        <p:spPr bwMode="auto">
-          <a:xfrm>
-            <a:off x="1431827" y="4058453"/>
-            <a:ext cx="14583" cy="328473"/>
-          </a:xfrm>
-          <a:prstGeom prst="line">
-            <a:avLst/>
-          </a:prstGeom>
-          <a:noFill/>
-          <a:ln w="9525" cap="flat" cmpd="sng" algn="ctr">
-            <a:solidFill>
-              <a:schemeClr val="tx1"/>
-            </a:solidFill>
-            <a:prstDash val="solid"/>
-            <a:headEnd/>
-            <a:tailEnd type="stealth" w="lg" len="lg"/>
-          </a:ln>
-          <a:effectLst/>
-        </p:spPr>
-        <p:txBody>
-          <a:bodyPr vert="horz" wrap="square" lIns="91376" tIns="45689" rIns="91376" bIns="45689" numCol="1" anchor="t" anchorCtr="0" compatLnSpc="1">
-            <a:prstTxWarp prst="textNoShape">
-              <a:avLst/>
-            </a:prstTxWarp>
-          </a:bodyPr>
-          <a:lstStyle/>
-          <a:p>
-            <a:pPr defTabSz="1218321">
-              <a:defRPr/>
-            </a:pPr>
-            <a:endParaRPr lang="en-US" sz="1399" kern="0" dirty="0">
-              <a:solidFill>
-                <a:srgbClr val="3981B6"/>
-              </a:solidFill>
-            </a:endParaRPr>
-          </a:p>
-        </p:txBody>
-      </p:sp>
-      <p:sp>
-        <p:nvSpPr>
-          <p:cNvPr id="25" name="Line 61"/>
-          <p:cNvSpPr>
-            <a:spLocks noChangeShapeType="1"/>
-          </p:cNvSpPr>
-          <p:nvPr/>
-        </p:nvSpPr>
-        <p:spPr bwMode="auto">
-          <a:xfrm>
-            <a:off x="1902721" y="4070009"/>
-            <a:ext cx="53459" cy="316917"/>
-          </a:xfrm>
-          <a:prstGeom prst="line">
-            <a:avLst/>
-          </a:prstGeom>
-          <a:noFill/>
-          <a:ln w="9525" cap="flat" cmpd="sng" algn="ctr">
-            <a:solidFill>
-              <a:schemeClr val="tx1"/>
-            </a:solidFill>
-            <a:prstDash val="solid"/>
-            <a:headEnd/>
-            <a:tailEnd type="stealth" w="lg" len="lg"/>
-          </a:ln>
-          <a:effectLst/>
-        </p:spPr>
-        <p:txBody>
-          <a:bodyPr vert="horz" wrap="square" lIns="91376" tIns="45689" rIns="91376" bIns="45689" numCol="1" anchor="t" anchorCtr="0" compatLnSpc="1">
-            <a:prstTxWarp prst="textNoShape">
-              <a:avLst/>
-            </a:prstTxWarp>
-          </a:bodyPr>
-          <a:lstStyle/>
-          <a:p>
-            <a:pPr defTabSz="1218321">
-              <a:defRPr/>
-            </a:pPr>
-            <a:endParaRPr lang="en-US" sz="1399" kern="0" dirty="0">
-              <a:solidFill>
-                <a:srgbClr val="3981B6"/>
-              </a:solidFill>
-            </a:endParaRPr>
-          </a:p>
-        </p:txBody>
-      </p:sp>
-      <p:sp>
-        <p:nvSpPr>
-          <p:cNvPr id="26" name="Line 62"/>
-          <p:cNvSpPr>
-            <a:spLocks noChangeShapeType="1"/>
-          </p:cNvSpPr>
-          <p:nvPr/>
-        </p:nvSpPr>
-        <p:spPr bwMode="auto">
-          <a:xfrm flipV="1">
-            <a:off x="2056850" y="4019901"/>
-            <a:ext cx="22768" cy="367025"/>
-          </a:xfrm>
-          <a:prstGeom prst="line">
-            <a:avLst/>
-          </a:prstGeom>
-          <a:noFill/>
-          <a:ln w="9525" cap="flat" cmpd="sng" algn="ctr">
-            <a:solidFill>
-              <a:schemeClr val="tx1"/>
-            </a:solidFill>
-            <a:prstDash val="solid"/>
-            <a:headEnd/>
-            <a:tailEnd type="stealth" w="lg" len="lg"/>
-          </a:ln>
-          <a:effectLst/>
-        </p:spPr>
-        <p:txBody>
-          <a:bodyPr vert="horz" wrap="square" lIns="91376" tIns="45689" rIns="91376" bIns="45689" numCol="1" anchor="t" anchorCtr="0" compatLnSpc="1">
-            <a:prstTxWarp prst="textNoShape">
-              <a:avLst/>
-            </a:prstTxWarp>
-          </a:bodyPr>
-          <a:lstStyle/>
-          <a:p>
-            <a:pPr defTabSz="1218321">
-              <a:defRPr/>
-            </a:pPr>
-            <a:endParaRPr lang="en-US" sz="1399" kern="0" dirty="0">
-              <a:solidFill>
-                <a:srgbClr val="3981B6"/>
-              </a:solidFill>
-            </a:endParaRPr>
-          </a:p>
-        </p:txBody>
-      </p:sp>
-      <p:sp>
-        <p:nvSpPr>
-          <p:cNvPr id="27" name="Flowchart: Document 26"/>
-          <p:cNvSpPr/>
-          <p:nvPr/>
-        </p:nvSpPr>
-        <p:spPr>
-          <a:xfrm>
-            <a:off x="4013316" y="3739531"/>
-            <a:ext cx="1011612" cy="265025"/>
-          </a:xfrm>
-          <a:prstGeom prst="flowChartDocument">
-            <a:avLst/>
-          </a:prstGeom>
-          <a:solidFill>
-            <a:schemeClr val="accent1">
-              <a:lumMod val="20000"/>
-              <a:lumOff val="80000"/>
-            </a:schemeClr>
-          </a:solidFill>
-          <a:ln>
-            <a:solidFill>
-              <a:schemeClr val="accent1">
-                <a:lumMod val="20000"/>
-                <a:lumOff val="80000"/>
-              </a:schemeClr>
-            </a:solidFill>
-          </a:ln>
-        </p:spPr>
-        <p:style>
-          <a:lnRef idx="1">
-            <a:schemeClr val="accent4"/>
-          </a:lnRef>
-          <a:fillRef idx="2">
-            <a:schemeClr val="accent4"/>
-          </a:fillRef>
-          <a:effectRef idx="1">
-            <a:schemeClr val="accent4"/>
-          </a:effectRef>
-          <a:fontRef idx="minor">
-            <a:schemeClr val="dk1"/>
-          </a:fontRef>
-        </p:style>
-        <p:txBody>
-          <a:bodyPr rtlCol="0" anchor="ctr"/>
-          <a:lstStyle/>
-          <a:p>
-            <a:pPr algn="ctr"/>
-            <a:r>
-              <a:rPr lang="en-US" sz="1199" dirty="0"/>
-              <a:t>Client</a:t>
-            </a:r>
-            <a:endParaRPr lang="en-US" sz="1399" dirty="0"/>
-          </a:p>
-        </p:txBody>
-      </p:sp>
-      <p:sp>
-        <p:nvSpPr>
-          <p:cNvPr id="28" name="Oval 36"/>
-          <p:cNvSpPr>
-            <a:spLocks noChangeArrowheads="1"/>
-          </p:cNvSpPr>
-          <p:nvPr/>
-        </p:nvSpPr>
-        <p:spPr bwMode="auto">
-          <a:xfrm>
-            <a:off x="3611511" y="4385859"/>
-            <a:ext cx="406092" cy="297304"/>
-          </a:xfrm>
-          <a:prstGeom prst="ellipse">
-            <a:avLst/>
-          </a:prstGeom>
-          <a:ln>
-            <a:headEnd/>
-            <a:tailEnd/>
-          </a:ln>
-        </p:spPr>
-        <p:style>
-          <a:lnRef idx="1">
-            <a:schemeClr val="accent2"/>
-          </a:lnRef>
-          <a:fillRef idx="2">
-            <a:schemeClr val="accent2"/>
-          </a:fillRef>
-          <a:effectRef idx="1">
-            <a:schemeClr val="accent2"/>
-          </a:effectRef>
-          <a:fontRef idx="minor">
-            <a:schemeClr val="dk1"/>
-          </a:fontRef>
-        </p:style>
-        <p:txBody>
-          <a:bodyPr vert="horz" wrap="none" lIns="91376" tIns="45689" rIns="91376" bIns="45689" numCol="1" anchor="ctr" anchorCtr="0" compatLnSpc="1">
-            <a:prstTxWarp prst="textNoShape">
-              <a:avLst/>
-            </a:prstTxWarp>
-          </a:bodyPr>
-          <a:lstStyle/>
-          <a:p>
-            <a:pPr algn="ctr" defTabSz="1218321">
-              <a:spcBef>
-                <a:spcPct val="0"/>
-              </a:spcBef>
-              <a:defRPr/>
-            </a:pPr>
-            <a:r>
-              <a:rPr lang="en-US" sz="1399" kern="0" dirty="0">
-                <a:solidFill>
-                  <a:srgbClr val="3981B6"/>
-                </a:solidFill>
-                <a:latin typeface="Arial" charset="0"/>
-              </a:rPr>
-              <a:t>P</a:t>
-            </a:r>
-          </a:p>
-        </p:txBody>
-      </p:sp>
-      <p:sp>
-        <p:nvSpPr>
-          <p:cNvPr id="29" name="Oval 52"/>
-          <p:cNvSpPr>
-            <a:spLocks noChangeArrowheads="1"/>
-          </p:cNvSpPr>
-          <p:nvPr/>
-        </p:nvSpPr>
-        <p:spPr bwMode="auto">
-          <a:xfrm>
-            <a:off x="4591082" y="4416840"/>
-            <a:ext cx="417112" cy="278904"/>
-          </a:xfrm>
-          <a:prstGeom prst="ellipse">
-            <a:avLst/>
-          </a:prstGeom>
-          <a:ln>
-            <a:headEnd/>
-            <a:tailEnd/>
-          </a:ln>
-        </p:spPr>
-        <p:style>
-          <a:lnRef idx="1">
-            <a:schemeClr val="accent5"/>
-          </a:lnRef>
-          <a:fillRef idx="2">
-            <a:schemeClr val="accent5"/>
-          </a:fillRef>
-          <a:effectRef idx="1">
-            <a:schemeClr val="accent5"/>
-          </a:effectRef>
-          <a:fontRef idx="minor">
-            <a:schemeClr val="dk1"/>
-          </a:fontRef>
-        </p:style>
-        <p:txBody>
-          <a:bodyPr vert="horz" wrap="none" lIns="91376" tIns="45689" rIns="91376" bIns="45689" numCol="1" anchor="ctr" anchorCtr="0" compatLnSpc="1">
-            <a:prstTxWarp prst="textNoShape">
-              <a:avLst/>
-            </a:prstTxWarp>
-          </a:bodyPr>
-          <a:lstStyle/>
-          <a:p>
-            <a:pPr algn="ctr" defTabSz="1218321">
-              <a:spcBef>
-                <a:spcPct val="0"/>
-              </a:spcBef>
-              <a:defRPr/>
-            </a:pPr>
-            <a:r>
-              <a:rPr lang="en-US" sz="1399" kern="0" dirty="0">
-                <a:solidFill>
-                  <a:srgbClr val="3981B6"/>
-                </a:solidFill>
-                <a:latin typeface="Arial" charset="0"/>
-              </a:rPr>
-              <a:t>S</a:t>
-            </a:r>
-          </a:p>
-        </p:txBody>
-      </p:sp>
-      <p:sp>
-        <p:nvSpPr>
-          <p:cNvPr id="30" name="Oval 52"/>
-          <p:cNvSpPr>
-            <a:spLocks noChangeArrowheads="1"/>
-          </p:cNvSpPr>
-          <p:nvPr/>
-        </p:nvSpPr>
-        <p:spPr bwMode="auto">
-          <a:xfrm>
-            <a:off x="4101815" y="4404261"/>
-            <a:ext cx="417112" cy="278904"/>
-          </a:xfrm>
-          <a:prstGeom prst="ellipse">
-            <a:avLst/>
-          </a:prstGeom>
-          <a:ln>
-            <a:headEnd/>
-            <a:tailEnd/>
-          </a:ln>
-        </p:spPr>
-        <p:style>
-          <a:lnRef idx="1">
-            <a:schemeClr val="accent5"/>
-          </a:lnRef>
-          <a:fillRef idx="2">
-            <a:schemeClr val="accent5"/>
-          </a:fillRef>
-          <a:effectRef idx="1">
-            <a:schemeClr val="accent5"/>
-          </a:effectRef>
-          <a:fontRef idx="minor">
-            <a:schemeClr val="dk1"/>
-          </a:fontRef>
-        </p:style>
-        <p:txBody>
-          <a:bodyPr vert="horz" wrap="none" lIns="91376" tIns="45689" rIns="91376" bIns="45689" numCol="1" anchor="ctr" anchorCtr="0" compatLnSpc="1">
-            <a:prstTxWarp prst="textNoShape">
-              <a:avLst/>
-            </a:prstTxWarp>
-          </a:bodyPr>
-          <a:lstStyle/>
-          <a:p>
-            <a:pPr algn="ctr" defTabSz="1218321">
-              <a:spcBef>
-                <a:spcPct val="0"/>
-              </a:spcBef>
-              <a:defRPr/>
-            </a:pPr>
-            <a:r>
-              <a:rPr lang="en-US" sz="1399" kern="0" dirty="0">
-                <a:solidFill>
-                  <a:srgbClr val="3981B6"/>
-                </a:solidFill>
-                <a:latin typeface="Arial" charset="0"/>
-              </a:rPr>
-              <a:t>S</a:t>
-            </a:r>
-          </a:p>
-        </p:txBody>
-      </p:sp>
-      <p:sp>
-        <p:nvSpPr>
-          <p:cNvPr id="31" name="Line 62"/>
-          <p:cNvSpPr>
-            <a:spLocks noChangeShapeType="1"/>
-          </p:cNvSpPr>
-          <p:nvPr/>
-        </p:nvSpPr>
-        <p:spPr bwMode="auto">
-          <a:xfrm flipH="1" flipV="1">
-            <a:off x="4318562" y="4056031"/>
-            <a:ext cx="15939" cy="372127"/>
-          </a:xfrm>
-          <a:prstGeom prst="line">
-            <a:avLst/>
-          </a:prstGeom>
-          <a:noFill/>
-          <a:ln w="9525" cap="flat" cmpd="sng" algn="ctr">
-            <a:solidFill>
-              <a:schemeClr val="tx1"/>
-            </a:solidFill>
-            <a:prstDash val="solid"/>
-            <a:headEnd/>
-            <a:tailEnd type="stealth" w="lg" len="lg"/>
-          </a:ln>
-          <a:effectLst/>
-        </p:spPr>
-        <p:txBody>
-          <a:bodyPr vert="horz" wrap="square" lIns="91376" tIns="45689" rIns="91376" bIns="45689" numCol="1" anchor="t" anchorCtr="0" compatLnSpc="1">
-            <a:prstTxWarp prst="textNoShape">
-              <a:avLst/>
-            </a:prstTxWarp>
-          </a:bodyPr>
-          <a:lstStyle/>
-          <a:p>
-            <a:pPr defTabSz="1218321">
-              <a:defRPr/>
-            </a:pPr>
-            <a:endParaRPr lang="en-US" sz="1399" kern="0" dirty="0">
-              <a:solidFill>
-                <a:srgbClr val="3981B6"/>
-              </a:solidFill>
-            </a:endParaRPr>
-          </a:p>
-        </p:txBody>
-      </p:sp>
-      <p:sp>
-        <p:nvSpPr>
-          <p:cNvPr id="32" name="Line 61"/>
-          <p:cNvSpPr>
-            <a:spLocks noChangeShapeType="1"/>
-          </p:cNvSpPr>
-          <p:nvPr/>
-        </p:nvSpPr>
-        <p:spPr bwMode="auto">
-          <a:xfrm>
-            <a:off x="4157774" y="4044478"/>
-            <a:ext cx="84388" cy="446779"/>
-          </a:xfrm>
-          <a:prstGeom prst="line">
-            <a:avLst/>
-          </a:prstGeom>
-          <a:noFill/>
-          <a:ln w="9525" cap="flat" cmpd="sng" algn="ctr">
-            <a:solidFill>
-              <a:schemeClr val="tx1"/>
-            </a:solidFill>
-            <a:prstDash val="solid"/>
-            <a:headEnd/>
-            <a:tailEnd type="stealth" w="lg" len="lg"/>
-          </a:ln>
-          <a:effectLst/>
-        </p:spPr>
-        <p:txBody>
-          <a:bodyPr vert="horz" wrap="square" lIns="91376" tIns="45689" rIns="91376" bIns="45689" numCol="1" anchor="t" anchorCtr="0" compatLnSpc="1">
-            <a:prstTxWarp prst="textNoShape">
-              <a:avLst/>
-            </a:prstTxWarp>
-          </a:bodyPr>
-          <a:lstStyle/>
-          <a:p>
-            <a:pPr defTabSz="1218321">
-              <a:defRPr/>
-            </a:pPr>
-            <a:endParaRPr lang="en-US" sz="1399" kern="0" dirty="0">
-              <a:solidFill>
-                <a:srgbClr val="3981B6"/>
-              </a:solidFill>
-            </a:endParaRPr>
-          </a:p>
-        </p:txBody>
-      </p:sp>
-      <p:sp>
-        <p:nvSpPr>
-          <p:cNvPr id="33" name="Line 61"/>
-          <p:cNvSpPr>
-            <a:spLocks noChangeShapeType="1"/>
-          </p:cNvSpPr>
-          <p:nvPr/>
-        </p:nvSpPr>
-        <p:spPr bwMode="auto">
-          <a:xfrm>
-            <a:off x="4628670" y="4056035"/>
-            <a:ext cx="80286" cy="372126"/>
-          </a:xfrm>
-          <a:prstGeom prst="line">
-            <a:avLst/>
-          </a:prstGeom>
-          <a:noFill/>
-          <a:ln w="9525" cap="flat" cmpd="sng" algn="ctr">
-            <a:solidFill>
-              <a:schemeClr val="tx1"/>
-            </a:solidFill>
-            <a:prstDash val="solid"/>
-            <a:headEnd/>
-            <a:tailEnd type="stealth" w="lg" len="lg"/>
-          </a:ln>
-          <a:effectLst/>
-        </p:spPr>
-        <p:txBody>
-          <a:bodyPr vert="horz" wrap="square" lIns="91376" tIns="45689" rIns="91376" bIns="45689" numCol="1" anchor="t" anchorCtr="0" compatLnSpc="1">
-            <a:prstTxWarp prst="textNoShape">
-              <a:avLst/>
-            </a:prstTxWarp>
-          </a:bodyPr>
-          <a:lstStyle/>
-          <a:p>
-            <a:pPr defTabSz="1218321">
-              <a:defRPr/>
-            </a:pPr>
-            <a:endParaRPr lang="en-US" sz="1399" kern="0" dirty="0">
-              <a:solidFill>
-                <a:srgbClr val="3981B6"/>
-              </a:solidFill>
-            </a:endParaRPr>
-          </a:p>
-        </p:txBody>
-      </p:sp>
-      <p:sp>
-        <p:nvSpPr>
-          <p:cNvPr id="34" name="Line 62"/>
-          <p:cNvSpPr>
-            <a:spLocks noChangeShapeType="1"/>
-          </p:cNvSpPr>
-          <p:nvPr/>
-        </p:nvSpPr>
-        <p:spPr bwMode="auto">
-          <a:xfrm flipV="1">
-            <a:off x="4791524" y="4005925"/>
-            <a:ext cx="14041" cy="385428"/>
-          </a:xfrm>
-          <a:prstGeom prst="line">
-            <a:avLst/>
-          </a:prstGeom>
-          <a:noFill/>
-          <a:ln w="9525" cap="flat" cmpd="sng" algn="ctr">
-            <a:solidFill>
-              <a:schemeClr val="tx1"/>
-            </a:solidFill>
-            <a:prstDash val="solid"/>
-            <a:headEnd/>
-            <a:tailEnd type="stealth" w="lg" len="lg"/>
-          </a:ln>
-          <a:effectLst/>
-        </p:spPr>
-        <p:txBody>
-          <a:bodyPr vert="horz" wrap="square" lIns="91376" tIns="45689" rIns="91376" bIns="45689" numCol="1" anchor="t" anchorCtr="0" compatLnSpc="1">
-            <a:prstTxWarp prst="textNoShape">
-              <a:avLst/>
-            </a:prstTxWarp>
-          </a:bodyPr>
-          <a:lstStyle/>
-          <a:p>
-            <a:pPr defTabSz="1218321">
-              <a:defRPr/>
-            </a:pPr>
-            <a:endParaRPr lang="en-US" sz="1399" kern="0" dirty="0">
-              <a:solidFill>
-                <a:srgbClr val="3981B6"/>
-              </a:solidFill>
-            </a:endParaRPr>
-          </a:p>
-        </p:txBody>
-      </p:sp>
-      <p:sp>
-        <p:nvSpPr>
-          <p:cNvPr id="35" name="Flowchart: Document 34"/>
-          <p:cNvSpPr/>
-          <p:nvPr/>
-        </p:nvSpPr>
-        <p:spPr>
-          <a:xfrm>
-            <a:off x="9442015" y="3751329"/>
-            <a:ext cx="659343" cy="255918"/>
-          </a:xfrm>
-          <a:prstGeom prst="flowChartDocument">
-            <a:avLst/>
-          </a:prstGeom>
-          <a:solidFill>
-            <a:schemeClr val="accent1">
-              <a:lumMod val="20000"/>
-              <a:lumOff val="80000"/>
-            </a:schemeClr>
-          </a:solidFill>
-          <a:ln>
-            <a:solidFill>
-              <a:schemeClr val="accent1">
-                <a:lumMod val="20000"/>
-                <a:lumOff val="80000"/>
-              </a:schemeClr>
-            </a:solidFill>
-          </a:ln>
-        </p:spPr>
-        <p:style>
-          <a:lnRef idx="1">
-            <a:schemeClr val="accent4"/>
-          </a:lnRef>
-          <a:fillRef idx="2">
-            <a:schemeClr val="accent4"/>
-          </a:fillRef>
-          <a:effectRef idx="1">
-            <a:schemeClr val="accent4"/>
-          </a:effectRef>
-          <a:fontRef idx="minor">
-            <a:schemeClr val="dk1"/>
-          </a:fontRef>
-        </p:style>
-        <p:txBody>
-          <a:bodyPr rtlCol="0" anchor="ctr"/>
-          <a:lstStyle/>
-          <a:p>
-            <a:pPr algn="ctr"/>
-            <a:r>
-              <a:rPr lang="en-US" sz="1199" dirty="0"/>
-              <a:t>Client</a:t>
-            </a:r>
-            <a:endParaRPr lang="en-US" sz="1399" dirty="0"/>
-          </a:p>
-        </p:txBody>
-      </p:sp>
-      <p:sp>
-        <p:nvSpPr>
-          <p:cNvPr id="36" name="Oval 36"/>
-          <p:cNvSpPr>
-            <a:spLocks noChangeArrowheads="1"/>
-          </p:cNvSpPr>
-          <p:nvPr/>
-        </p:nvSpPr>
-        <p:spPr bwMode="auto">
-          <a:xfrm>
-            <a:off x="8876598" y="4374486"/>
-            <a:ext cx="406092" cy="297304"/>
-          </a:xfrm>
-          <a:prstGeom prst="ellipse">
-            <a:avLst/>
-          </a:prstGeom>
-          <a:ln>
-            <a:headEnd/>
-            <a:tailEnd/>
-          </a:ln>
-        </p:spPr>
-        <p:style>
-          <a:lnRef idx="1">
-            <a:schemeClr val="accent2"/>
-          </a:lnRef>
-          <a:fillRef idx="2">
-            <a:schemeClr val="accent2"/>
-          </a:fillRef>
-          <a:effectRef idx="1">
-            <a:schemeClr val="accent2"/>
-          </a:effectRef>
-          <a:fontRef idx="minor">
-            <a:schemeClr val="dk1"/>
-          </a:fontRef>
-        </p:style>
-        <p:txBody>
-          <a:bodyPr vert="horz" wrap="none" lIns="91376" tIns="45689" rIns="91376" bIns="45689" numCol="1" anchor="ctr" anchorCtr="0" compatLnSpc="1">
-            <a:prstTxWarp prst="textNoShape">
-              <a:avLst/>
-            </a:prstTxWarp>
-          </a:bodyPr>
-          <a:lstStyle/>
-          <a:p>
-            <a:pPr algn="ctr" defTabSz="1218321">
-              <a:spcBef>
-                <a:spcPct val="0"/>
-              </a:spcBef>
-              <a:defRPr/>
-            </a:pPr>
-            <a:r>
-              <a:rPr lang="en-US" sz="1399" kern="0" dirty="0">
-                <a:solidFill>
-                  <a:srgbClr val="3981B6"/>
-                </a:solidFill>
-                <a:latin typeface="Arial" charset="0"/>
-              </a:rPr>
-              <a:t>P</a:t>
-            </a:r>
-          </a:p>
-        </p:txBody>
-      </p:sp>
-      <p:sp>
-        <p:nvSpPr>
-          <p:cNvPr id="37" name="Oval 52"/>
-          <p:cNvSpPr>
-            <a:spLocks noChangeArrowheads="1"/>
-          </p:cNvSpPr>
-          <p:nvPr/>
-        </p:nvSpPr>
-        <p:spPr bwMode="auto">
-          <a:xfrm>
-            <a:off x="9827090" y="4367075"/>
-            <a:ext cx="417112" cy="278904"/>
-          </a:xfrm>
-          <a:prstGeom prst="ellipse">
-            <a:avLst/>
-          </a:prstGeom>
-          <a:ln>
-            <a:headEnd/>
-            <a:tailEnd/>
-          </a:ln>
-        </p:spPr>
-        <p:style>
-          <a:lnRef idx="1">
-            <a:schemeClr val="accent5"/>
-          </a:lnRef>
-          <a:fillRef idx="2">
-            <a:schemeClr val="accent5"/>
-          </a:fillRef>
-          <a:effectRef idx="1">
-            <a:schemeClr val="accent5"/>
-          </a:effectRef>
-          <a:fontRef idx="minor">
-            <a:schemeClr val="dk1"/>
-          </a:fontRef>
-        </p:style>
-        <p:txBody>
-          <a:bodyPr vert="horz" wrap="none" lIns="91376" tIns="45689" rIns="91376" bIns="45689" numCol="1" anchor="ctr" anchorCtr="0" compatLnSpc="1">
-            <a:prstTxWarp prst="textNoShape">
-              <a:avLst/>
-            </a:prstTxWarp>
-          </a:bodyPr>
-          <a:lstStyle/>
-          <a:p>
-            <a:pPr algn="ctr" defTabSz="1218321">
-              <a:spcBef>
-                <a:spcPct val="0"/>
-              </a:spcBef>
-              <a:defRPr/>
-            </a:pPr>
-            <a:r>
-              <a:rPr lang="en-US" sz="1399" kern="0" dirty="0">
-                <a:solidFill>
-                  <a:srgbClr val="3981B6"/>
-                </a:solidFill>
-                <a:latin typeface="Arial" charset="0"/>
-              </a:rPr>
-              <a:t>S</a:t>
-            </a:r>
-          </a:p>
-        </p:txBody>
-      </p:sp>
-      <p:sp>
-        <p:nvSpPr>
-          <p:cNvPr id="38" name="Oval 52"/>
-          <p:cNvSpPr>
-            <a:spLocks noChangeArrowheads="1"/>
-          </p:cNvSpPr>
-          <p:nvPr/>
-        </p:nvSpPr>
-        <p:spPr bwMode="auto">
-          <a:xfrm>
-            <a:off x="9358869" y="4373858"/>
-            <a:ext cx="417112" cy="278904"/>
-          </a:xfrm>
-          <a:prstGeom prst="ellipse">
-            <a:avLst/>
-          </a:prstGeom>
-          <a:ln>
-            <a:headEnd/>
-            <a:tailEnd/>
-          </a:ln>
-        </p:spPr>
-        <p:style>
-          <a:lnRef idx="1">
-            <a:schemeClr val="accent5"/>
-          </a:lnRef>
-          <a:fillRef idx="2">
-            <a:schemeClr val="accent5"/>
-          </a:fillRef>
-          <a:effectRef idx="1">
-            <a:schemeClr val="accent5"/>
-          </a:effectRef>
-          <a:fontRef idx="minor">
-            <a:schemeClr val="dk1"/>
-          </a:fontRef>
-        </p:style>
-        <p:txBody>
-          <a:bodyPr vert="horz" wrap="none" lIns="91376" tIns="45689" rIns="91376" bIns="45689" numCol="1" anchor="ctr" anchorCtr="0" compatLnSpc="1">
-            <a:prstTxWarp prst="textNoShape">
-              <a:avLst/>
-            </a:prstTxWarp>
-          </a:bodyPr>
-          <a:lstStyle/>
-          <a:p>
-            <a:pPr algn="ctr" defTabSz="1218321">
-              <a:spcBef>
-                <a:spcPct val="0"/>
-              </a:spcBef>
-              <a:defRPr/>
-            </a:pPr>
-            <a:r>
-              <a:rPr lang="en-US" sz="1399" kern="0" dirty="0">
-                <a:solidFill>
-                  <a:srgbClr val="3981B6"/>
-                </a:solidFill>
-                <a:latin typeface="Arial" charset="0"/>
-              </a:rPr>
-              <a:t>S</a:t>
-            </a:r>
-          </a:p>
-        </p:txBody>
-      </p:sp>
-      <p:sp>
-        <p:nvSpPr>
-          <p:cNvPr id="39" name="Line 61"/>
-          <p:cNvSpPr>
-            <a:spLocks noChangeShapeType="1"/>
-          </p:cNvSpPr>
-          <p:nvPr/>
-        </p:nvSpPr>
-        <p:spPr bwMode="auto">
-          <a:xfrm>
-            <a:off x="9691775" y="4053084"/>
-            <a:ext cx="217100" cy="265264"/>
-          </a:xfrm>
-          <a:prstGeom prst="line">
-            <a:avLst/>
-          </a:prstGeom>
-          <a:noFill/>
-          <a:ln w="9525" cap="flat" cmpd="sng" algn="ctr">
-            <a:solidFill>
-              <a:schemeClr val="tx1"/>
-            </a:solidFill>
-            <a:prstDash val="solid"/>
-            <a:headEnd/>
-            <a:tailEnd type="stealth" w="lg" len="lg"/>
-          </a:ln>
-          <a:effectLst/>
-        </p:spPr>
-        <p:txBody>
-          <a:bodyPr vert="horz" wrap="square" lIns="91376" tIns="45689" rIns="91376" bIns="45689" numCol="1" anchor="t" anchorCtr="0" compatLnSpc="1">
-            <a:prstTxWarp prst="textNoShape">
-              <a:avLst/>
-            </a:prstTxWarp>
-          </a:bodyPr>
-          <a:lstStyle/>
-          <a:p>
-            <a:pPr defTabSz="1218321">
-              <a:defRPr/>
-            </a:pPr>
-            <a:endParaRPr lang="en-US" sz="1399" kern="0" dirty="0">
-              <a:solidFill>
-                <a:srgbClr val="3981B6"/>
-              </a:solidFill>
-            </a:endParaRPr>
-          </a:p>
-        </p:txBody>
-      </p:sp>
-      <p:sp>
-        <p:nvSpPr>
-          <p:cNvPr id="40" name="Line 62"/>
-          <p:cNvSpPr>
-            <a:spLocks noChangeShapeType="1"/>
-          </p:cNvSpPr>
-          <p:nvPr/>
-        </p:nvSpPr>
-        <p:spPr bwMode="auto">
-          <a:xfrm flipH="1" flipV="1">
-            <a:off x="9827089" y="4022102"/>
-            <a:ext cx="185977" cy="233533"/>
-          </a:xfrm>
-          <a:prstGeom prst="line">
-            <a:avLst/>
-          </a:prstGeom>
-          <a:noFill/>
-          <a:ln w="9525" cap="flat" cmpd="sng" algn="ctr">
-            <a:solidFill>
-              <a:schemeClr val="tx1"/>
-            </a:solidFill>
-            <a:prstDash val="solid"/>
-            <a:headEnd/>
-            <a:tailEnd type="stealth" w="lg" len="lg"/>
-          </a:ln>
-          <a:effectLst/>
-        </p:spPr>
-        <p:txBody>
-          <a:bodyPr vert="horz" wrap="square" lIns="91376" tIns="45689" rIns="91376" bIns="45689" numCol="1" anchor="t" anchorCtr="0" compatLnSpc="1">
-            <a:prstTxWarp prst="textNoShape">
-              <a:avLst/>
-            </a:prstTxWarp>
-          </a:bodyPr>
-          <a:lstStyle/>
-          <a:p>
-            <a:pPr defTabSz="1218321">
-              <a:defRPr/>
-            </a:pPr>
-            <a:endParaRPr lang="en-US" sz="1399" kern="0" dirty="0">
-              <a:solidFill>
-                <a:srgbClr val="3981B6"/>
-              </a:solidFill>
-            </a:endParaRPr>
-          </a:p>
-        </p:txBody>
-      </p:sp>
-      <p:sp>
-        <p:nvSpPr>
-          <p:cNvPr id="41" name="Flowchart: Document 40"/>
-          <p:cNvSpPr/>
-          <p:nvPr/>
-        </p:nvSpPr>
-        <p:spPr>
-          <a:xfrm>
-            <a:off x="6302597" y="3721517"/>
-            <a:ext cx="692359" cy="265025"/>
-          </a:xfrm>
-          <a:prstGeom prst="flowChartDocument">
-            <a:avLst/>
-          </a:prstGeom>
-          <a:solidFill>
-            <a:schemeClr val="accent1">
-              <a:lumMod val="20000"/>
-              <a:lumOff val="80000"/>
-            </a:schemeClr>
-          </a:solidFill>
-          <a:ln>
-            <a:solidFill>
-              <a:schemeClr val="accent1">
-                <a:lumMod val="20000"/>
-                <a:lumOff val="80000"/>
-              </a:schemeClr>
-            </a:solidFill>
-          </a:ln>
-        </p:spPr>
-        <p:style>
-          <a:lnRef idx="1">
-            <a:schemeClr val="accent4"/>
-          </a:lnRef>
-          <a:fillRef idx="2">
-            <a:schemeClr val="accent4"/>
-          </a:fillRef>
-          <a:effectRef idx="1">
-            <a:schemeClr val="accent4"/>
-          </a:effectRef>
-          <a:fontRef idx="minor">
-            <a:schemeClr val="dk1"/>
-          </a:fontRef>
-        </p:style>
-        <p:txBody>
-          <a:bodyPr rtlCol="0" anchor="ctr"/>
-          <a:lstStyle/>
-          <a:p>
-            <a:pPr algn="ctr"/>
-            <a:r>
-              <a:rPr lang="en-US" sz="1199" dirty="0"/>
-              <a:t>Client</a:t>
-            </a:r>
-            <a:endParaRPr lang="en-US" sz="1399" dirty="0"/>
-          </a:p>
-        </p:txBody>
-      </p:sp>
-      <p:sp>
-        <p:nvSpPr>
-          <p:cNvPr id="42" name="Oval 36"/>
-          <p:cNvSpPr>
-            <a:spLocks noChangeArrowheads="1"/>
-          </p:cNvSpPr>
-          <p:nvPr/>
-        </p:nvSpPr>
-        <p:spPr bwMode="auto">
-          <a:xfrm>
-            <a:off x="6111805" y="4294951"/>
-            <a:ext cx="406092" cy="297304"/>
-          </a:xfrm>
-          <a:prstGeom prst="ellipse">
-            <a:avLst/>
-          </a:prstGeom>
-          <a:ln>
-            <a:headEnd/>
-            <a:tailEnd/>
-          </a:ln>
-        </p:spPr>
-        <p:style>
-          <a:lnRef idx="1">
-            <a:schemeClr val="accent2"/>
-          </a:lnRef>
-          <a:fillRef idx="2">
-            <a:schemeClr val="accent2"/>
-          </a:fillRef>
-          <a:effectRef idx="1">
-            <a:schemeClr val="accent2"/>
-          </a:effectRef>
-          <a:fontRef idx="minor">
-            <a:schemeClr val="dk1"/>
-          </a:fontRef>
-        </p:style>
-        <p:txBody>
-          <a:bodyPr vert="horz" wrap="none" lIns="91376" tIns="45689" rIns="91376" bIns="45689" numCol="1" anchor="ctr" anchorCtr="0" compatLnSpc="1">
-            <a:prstTxWarp prst="textNoShape">
-              <a:avLst/>
-            </a:prstTxWarp>
-          </a:bodyPr>
-          <a:lstStyle/>
-          <a:p>
-            <a:pPr algn="ctr" defTabSz="1218321">
-              <a:spcBef>
-                <a:spcPct val="0"/>
-              </a:spcBef>
-              <a:defRPr/>
-            </a:pPr>
-            <a:r>
-              <a:rPr lang="en-US" sz="1399" kern="0" dirty="0">
-                <a:solidFill>
-                  <a:srgbClr val="3981B6"/>
-                </a:solidFill>
-                <a:latin typeface="Arial" charset="0"/>
-              </a:rPr>
-              <a:t>P</a:t>
-            </a:r>
-          </a:p>
-        </p:txBody>
-      </p:sp>
-      <p:sp>
-        <p:nvSpPr>
-          <p:cNvPr id="43" name="Oval 52"/>
-          <p:cNvSpPr>
-            <a:spLocks noChangeArrowheads="1"/>
-          </p:cNvSpPr>
-          <p:nvPr/>
-        </p:nvSpPr>
-        <p:spPr bwMode="auto">
-          <a:xfrm>
-            <a:off x="7054595" y="4305553"/>
-            <a:ext cx="417112" cy="278904"/>
-          </a:xfrm>
-          <a:prstGeom prst="ellipse">
-            <a:avLst/>
-          </a:prstGeom>
-          <a:ln>
-            <a:headEnd/>
-            <a:tailEnd/>
-          </a:ln>
-        </p:spPr>
-        <p:style>
-          <a:lnRef idx="1">
-            <a:schemeClr val="accent5"/>
-          </a:lnRef>
-          <a:fillRef idx="2">
-            <a:schemeClr val="accent5"/>
-          </a:fillRef>
-          <a:effectRef idx="1">
-            <a:schemeClr val="accent5"/>
-          </a:effectRef>
-          <a:fontRef idx="minor">
-            <a:schemeClr val="dk1"/>
-          </a:fontRef>
-        </p:style>
-        <p:txBody>
-          <a:bodyPr vert="horz" wrap="none" lIns="91376" tIns="45689" rIns="91376" bIns="45689" numCol="1" anchor="ctr" anchorCtr="0" compatLnSpc="1">
-            <a:prstTxWarp prst="textNoShape">
-              <a:avLst/>
-            </a:prstTxWarp>
-          </a:bodyPr>
-          <a:lstStyle/>
-          <a:p>
-            <a:pPr algn="ctr" defTabSz="1218321">
-              <a:spcBef>
-                <a:spcPct val="0"/>
-              </a:spcBef>
-              <a:defRPr/>
-            </a:pPr>
-            <a:r>
-              <a:rPr lang="en-US" sz="1399" kern="0" dirty="0">
-                <a:solidFill>
-                  <a:srgbClr val="3981B6"/>
-                </a:solidFill>
-                <a:latin typeface="Arial" charset="0"/>
-              </a:rPr>
-              <a:t>S</a:t>
-            </a:r>
-          </a:p>
-        </p:txBody>
-      </p:sp>
-      <p:sp>
-        <p:nvSpPr>
-          <p:cNvPr id="44" name="Oval 52"/>
-          <p:cNvSpPr>
-            <a:spLocks noChangeArrowheads="1"/>
-          </p:cNvSpPr>
-          <p:nvPr/>
-        </p:nvSpPr>
-        <p:spPr bwMode="auto">
-          <a:xfrm>
-            <a:off x="6545910" y="4294619"/>
-            <a:ext cx="417112" cy="278904"/>
-          </a:xfrm>
-          <a:prstGeom prst="ellipse">
-            <a:avLst/>
-          </a:prstGeom>
-          <a:ln>
-            <a:headEnd/>
-            <a:tailEnd/>
-          </a:ln>
-        </p:spPr>
-        <p:style>
-          <a:lnRef idx="1">
-            <a:schemeClr val="accent5"/>
-          </a:lnRef>
-          <a:fillRef idx="2">
-            <a:schemeClr val="accent5"/>
-          </a:fillRef>
-          <a:effectRef idx="1">
-            <a:schemeClr val="accent5"/>
-          </a:effectRef>
-          <a:fontRef idx="minor">
-            <a:schemeClr val="dk1"/>
-          </a:fontRef>
-        </p:style>
-        <p:txBody>
-          <a:bodyPr vert="horz" wrap="none" lIns="91376" tIns="45689" rIns="91376" bIns="45689" numCol="1" anchor="ctr" anchorCtr="0" compatLnSpc="1">
-            <a:prstTxWarp prst="textNoShape">
-              <a:avLst/>
-            </a:prstTxWarp>
-          </a:bodyPr>
-          <a:lstStyle/>
-          <a:p>
-            <a:pPr algn="ctr" defTabSz="1218321">
-              <a:spcBef>
-                <a:spcPct val="0"/>
-              </a:spcBef>
-              <a:defRPr/>
-            </a:pPr>
-            <a:r>
-              <a:rPr lang="en-US" sz="1399" kern="0" dirty="0">
-                <a:solidFill>
-                  <a:srgbClr val="3981B6"/>
-                </a:solidFill>
-                <a:latin typeface="Arial" charset="0"/>
-              </a:rPr>
-              <a:t>S</a:t>
-            </a:r>
-          </a:p>
-        </p:txBody>
-      </p:sp>
-      <p:sp>
-        <p:nvSpPr>
-          <p:cNvPr id="45" name="Line 62"/>
-          <p:cNvSpPr>
-            <a:spLocks noChangeShapeType="1"/>
-          </p:cNvSpPr>
-          <p:nvPr/>
-        </p:nvSpPr>
-        <p:spPr bwMode="auto">
-          <a:xfrm flipV="1">
-            <a:off x="6802121" y="3984102"/>
-            <a:ext cx="1" cy="369064"/>
-          </a:xfrm>
-          <a:prstGeom prst="line">
-            <a:avLst/>
-          </a:prstGeom>
-          <a:noFill/>
-          <a:ln w="9525" cap="flat" cmpd="sng" algn="ctr">
-            <a:solidFill>
-              <a:schemeClr val="tx1"/>
-            </a:solidFill>
-            <a:prstDash val="solid"/>
-            <a:headEnd/>
-            <a:tailEnd type="stealth" w="lg" len="lg"/>
-          </a:ln>
-          <a:effectLst/>
-        </p:spPr>
-        <p:txBody>
-          <a:bodyPr vert="horz" wrap="square" lIns="91376" tIns="45689" rIns="91376" bIns="45689" numCol="1" anchor="t" anchorCtr="0" compatLnSpc="1">
-            <a:prstTxWarp prst="textNoShape">
-              <a:avLst/>
-            </a:prstTxWarp>
-          </a:bodyPr>
-          <a:lstStyle/>
-          <a:p>
-            <a:pPr defTabSz="1218321">
-              <a:defRPr/>
-            </a:pPr>
-            <a:endParaRPr lang="en-US" sz="1399" kern="0" dirty="0">
-              <a:solidFill>
-                <a:srgbClr val="3981B6"/>
-              </a:solidFill>
-            </a:endParaRPr>
-          </a:p>
-        </p:txBody>
-      </p:sp>
-      <p:sp>
-        <p:nvSpPr>
-          <p:cNvPr id="46" name="Line 61"/>
-          <p:cNvSpPr>
-            <a:spLocks noChangeShapeType="1"/>
-          </p:cNvSpPr>
-          <p:nvPr/>
-        </p:nvSpPr>
-        <p:spPr bwMode="auto">
-          <a:xfrm>
-            <a:off x="6641334" y="4020823"/>
-            <a:ext cx="38226" cy="343699"/>
-          </a:xfrm>
-          <a:prstGeom prst="line">
-            <a:avLst/>
-          </a:prstGeom>
-          <a:noFill/>
-          <a:ln w="9525" cap="flat" cmpd="sng" algn="ctr">
-            <a:solidFill>
-              <a:schemeClr val="tx1"/>
-            </a:solidFill>
-            <a:prstDash val="solid"/>
-            <a:headEnd/>
-            <a:tailEnd type="stealth" w="lg" len="lg"/>
-          </a:ln>
-          <a:effectLst/>
-        </p:spPr>
-        <p:txBody>
-          <a:bodyPr vert="horz" wrap="square" lIns="91376" tIns="45689" rIns="91376" bIns="45689" numCol="1" anchor="t" anchorCtr="0" compatLnSpc="1">
-            <a:prstTxWarp prst="textNoShape">
-              <a:avLst/>
-            </a:prstTxWarp>
-          </a:bodyPr>
-          <a:lstStyle/>
-          <a:p>
-            <a:pPr defTabSz="1218321">
-              <a:defRPr/>
-            </a:pPr>
-            <a:endParaRPr lang="en-US" sz="1399" kern="0" dirty="0">
-              <a:solidFill>
-                <a:srgbClr val="3981B6"/>
-              </a:solidFill>
-            </a:endParaRPr>
-          </a:p>
-        </p:txBody>
-      </p:sp>
-      <p:sp>
-        <p:nvSpPr>
-          <p:cNvPr id="47" name="Line 61"/>
-          <p:cNvSpPr>
-            <a:spLocks noChangeShapeType="1"/>
-          </p:cNvSpPr>
-          <p:nvPr/>
-        </p:nvSpPr>
-        <p:spPr bwMode="auto">
-          <a:xfrm>
-            <a:off x="7151007" y="3957037"/>
-            <a:ext cx="24546" cy="407486"/>
-          </a:xfrm>
-          <a:prstGeom prst="line">
-            <a:avLst/>
-          </a:prstGeom>
-          <a:noFill/>
-          <a:ln w="9525" cap="flat" cmpd="sng" algn="ctr">
-            <a:solidFill>
-              <a:schemeClr val="tx1"/>
-            </a:solidFill>
-            <a:prstDash val="dash"/>
-            <a:headEnd/>
-            <a:tailEnd type="stealth" w="lg" len="lg"/>
-          </a:ln>
-          <a:effectLst/>
-        </p:spPr>
-        <p:txBody>
-          <a:bodyPr vert="horz" wrap="square" lIns="91376" tIns="45689" rIns="91376" bIns="45689" numCol="1" anchor="t" anchorCtr="0" compatLnSpc="1">
-            <a:prstTxWarp prst="textNoShape">
-              <a:avLst/>
-            </a:prstTxWarp>
-          </a:bodyPr>
-          <a:lstStyle/>
-          <a:p>
-            <a:pPr defTabSz="1218321">
-              <a:defRPr/>
-            </a:pPr>
-            <a:endParaRPr lang="en-US" sz="1399" kern="0" dirty="0">
-              <a:solidFill>
-                <a:srgbClr val="3981B6"/>
-              </a:solidFill>
-            </a:endParaRPr>
-          </a:p>
-        </p:txBody>
-      </p:sp>
-      <p:sp>
-        <p:nvSpPr>
-          <p:cNvPr id="48" name="Line 62"/>
-          <p:cNvSpPr>
-            <a:spLocks noChangeShapeType="1"/>
-          </p:cNvSpPr>
-          <p:nvPr/>
-        </p:nvSpPr>
-        <p:spPr bwMode="auto">
-          <a:xfrm flipV="1">
-            <a:off x="7289125" y="3982271"/>
-            <a:ext cx="0" cy="326671"/>
-          </a:xfrm>
-          <a:prstGeom prst="line">
-            <a:avLst/>
-          </a:prstGeom>
-          <a:noFill/>
-          <a:ln w="9525" cap="flat" cmpd="sng" algn="ctr">
-            <a:solidFill>
-              <a:schemeClr val="tx1"/>
-            </a:solidFill>
-            <a:prstDash val="dash"/>
-            <a:headEnd/>
-            <a:tailEnd type="stealth" w="lg" len="lg"/>
-          </a:ln>
-          <a:effectLst/>
-        </p:spPr>
-        <p:txBody>
-          <a:bodyPr vert="horz" wrap="square" lIns="91376" tIns="45689" rIns="91376" bIns="45689" numCol="1" anchor="t" anchorCtr="0" compatLnSpc="1">
-            <a:prstTxWarp prst="textNoShape">
-              <a:avLst/>
-            </a:prstTxWarp>
-          </a:bodyPr>
-          <a:lstStyle/>
-          <a:p>
-            <a:pPr defTabSz="1218321">
-              <a:defRPr/>
-            </a:pPr>
-            <a:endParaRPr lang="en-US" sz="1399" kern="0" dirty="0">
-              <a:solidFill>
-                <a:srgbClr val="3981B6"/>
-              </a:solidFill>
-            </a:endParaRPr>
-          </a:p>
-        </p:txBody>
-      </p:sp>
-      <p:sp>
-        <p:nvSpPr>
-          <p:cNvPr id="49" name="Flowchart: Document 48"/>
-          <p:cNvSpPr/>
-          <p:nvPr/>
-        </p:nvSpPr>
-        <p:spPr>
-          <a:xfrm>
-            <a:off x="7076602" y="3701754"/>
-            <a:ext cx="637686" cy="265025"/>
-          </a:xfrm>
-          <a:prstGeom prst="flowChartDocument">
-            <a:avLst/>
-          </a:prstGeom>
-          <a:solidFill>
-            <a:schemeClr val="accent1">
-              <a:lumMod val="20000"/>
-              <a:lumOff val="80000"/>
-            </a:schemeClr>
-          </a:solidFill>
-          <a:ln>
-            <a:solidFill>
-              <a:schemeClr val="accent1">
-                <a:lumMod val="20000"/>
-                <a:lumOff val="80000"/>
-              </a:schemeClr>
-            </a:solidFill>
-          </a:ln>
-        </p:spPr>
-        <p:style>
-          <a:lnRef idx="1">
-            <a:schemeClr val="accent4"/>
-          </a:lnRef>
-          <a:fillRef idx="2">
-            <a:schemeClr val="accent4"/>
-          </a:fillRef>
-          <a:effectRef idx="1">
-            <a:schemeClr val="accent4"/>
-          </a:effectRef>
-          <a:fontRef idx="minor">
-            <a:schemeClr val="dk1"/>
-          </a:fontRef>
-        </p:style>
-        <p:txBody>
-          <a:bodyPr rtlCol="0" anchor="ctr"/>
-          <a:lstStyle/>
-          <a:p>
-            <a:pPr algn="ctr"/>
-            <a:r>
-              <a:rPr lang="en-US" sz="1199" dirty="0"/>
-              <a:t>Client</a:t>
-            </a:r>
-            <a:endParaRPr lang="en-US" sz="1399" dirty="0"/>
-          </a:p>
-        </p:txBody>
-      </p:sp>
-      <p:sp>
-        <p:nvSpPr>
-          <p:cNvPr id="50" name="Rectangle 49"/>
-          <p:cNvSpPr/>
-          <p:nvPr/>
-        </p:nvSpPr>
-        <p:spPr bwMode="auto">
-          <a:xfrm>
-            <a:off x="3300174" y="4787942"/>
-            <a:ext cx="2421109" cy="595191"/>
-          </a:xfrm>
-          <a:prstGeom prst="rect">
-            <a:avLst/>
-          </a:prstGeom>
-          <a:solidFill>
-            <a:schemeClr val="bg1">
-              <a:lumMod val="95000"/>
-            </a:schemeClr>
-          </a:solidFill>
-          <a:ln>
-            <a:noFill/>
-            <a:headEnd type="none" w="med" len="med"/>
-            <a:tailEnd type="none" w="med" len="med"/>
-          </a:ln>
-        </p:spPr>
-        <p:style>
-          <a:lnRef idx="1">
-            <a:schemeClr val="accent2"/>
-          </a:lnRef>
-          <a:fillRef idx="2">
-            <a:schemeClr val="accent2"/>
-          </a:fillRef>
-          <a:effectRef idx="1">
-            <a:schemeClr val="accent2"/>
-          </a:effectRef>
-          <a:fontRef idx="minor">
-            <a:schemeClr val="dk1"/>
-          </a:fontRef>
-        </p:style>
-        <p:txBody>
-          <a:bodyPr rot="0" spcFirstLastPara="0" vertOverflow="overflow" horzOverflow="overflow" vert="horz" wrap="square" lIns="45714" tIns="45714" rIns="45714" bIns="45714" numCol="1" spcCol="0" rtlCol="0" fromWordArt="0" anchor="t" anchorCtr="0" forceAA="0" compatLnSpc="1">
-            <a:prstTxWarp prst="textNoShape">
-              <a:avLst/>
-            </a:prstTxWarp>
-            <a:noAutofit/>
-          </a:bodyPr>
-          <a:lstStyle/>
-          <a:p>
-            <a:pPr marL="285731" indent="-285731" defTabSz="914039" fontAlgn="base">
-              <a:spcBef>
-                <a:spcPct val="0"/>
-              </a:spcBef>
-              <a:spcAft>
-                <a:spcPct val="0"/>
-              </a:spcAft>
-              <a:buFont typeface="Arial" panose="020B0604020202020204" pitchFamily="34" charset="0"/>
-              <a:buChar char="•"/>
-            </a:pPr>
-            <a:r>
-              <a:rPr lang="en-US" sz="1199" dirty="0">
-                <a:solidFill>
-                  <a:schemeClr val="tx1"/>
-                </a:solidFill>
-                <a:latin typeface="+mj-lt"/>
-                <a:ea typeface="Segoe UI" pitchFamily="34" charset="0"/>
-                <a:cs typeface="Segoe UI" pitchFamily="34" charset="0"/>
-              </a:rPr>
-              <a:t>Consistent Prefix reads. </a:t>
-            </a:r>
-          </a:p>
-          <a:p>
-            <a:pPr marL="285731" indent="-285731" defTabSz="914039" fontAlgn="base">
-              <a:spcBef>
-                <a:spcPct val="0"/>
-              </a:spcBef>
-              <a:spcAft>
-                <a:spcPct val="0"/>
-              </a:spcAft>
-              <a:buFont typeface="Arial" panose="020B0604020202020204" pitchFamily="34" charset="0"/>
-              <a:buChar char="•"/>
-            </a:pPr>
-            <a:r>
-              <a:rPr lang="en-US" sz="1199" dirty="0">
-                <a:solidFill>
-                  <a:schemeClr val="tx1"/>
-                </a:solidFill>
-                <a:latin typeface="+mj-lt"/>
-                <a:ea typeface="Segoe UI" pitchFamily="34" charset="0"/>
-                <a:cs typeface="Segoe UI" pitchFamily="34" charset="0"/>
-              </a:rPr>
-              <a:t>Reads lag behind writes by K prefixes or T interval</a:t>
-            </a:r>
-          </a:p>
-        </p:txBody>
-      </p:sp>
-      <p:sp>
-        <p:nvSpPr>
-          <p:cNvPr id="51" name="Rectangle 50"/>
-          <p:cNvSpPr/>
-          <p:nvPr/>
-        </p:nvSpPr>
-        <p:spPr bwMode="auto">
-          <a:xfrm>
-            <a:off x="6051955" y="4735344"/>
-            <a:ext cx="2474339" cy="647788"/>
-          </a:xfrm>
-          <a:prstGeom prst="rect">
-            <a:avLst/>
-          </a:prstGeom>
-          <a:solidFill>
-            <a:schemeClr val="bg1">
-              <a:lumMod val="95000"/>
-            </a:schemeClr>
-          </a:solidFill>
-          <a:ln>
-            <a:noFill/>
-            <a:headEnd type="none" w="med" len="med"/>
-            <a:tailEnd type="none" w="med" len="med"/>
-          </a:ln>
-        </p:spPr>
-        <p:style>
-          <a:lnRef idx="1">
-            <a:schemeClr val="accent2"/>
-          </a:lnRef>
-          <a:fillRef idx="2">
-            <a:schemeClr val="accent2"/>
-          </a:fillRef>
-          <a:effectRef idx="1">
-            <a:schemeClr val="accent2"/>
-          </a:effectRef>
-          <a:fontRef idx="minor">
-            <a:schemeClr val="dk1"/>
-          </a:fontRef>
-        </p:style>
-        <p:txBody>
-          <a:bodyPr rot="0" spcFirstLastPara="0" vertOverflow="overflow" horzOverflow="overflow" vert="horz" wrap="square" lIns="45714" tIns="45714" rIns="45714" bIns="45714" numCol="1" spcCol="0" rtlCol="0" fromWordArt="0" anchor="t" anchorCtr="0" forceAA="0" compatLnSpc="1">
-            <a:prstTxWarp prst="textNoShape">
-              <a:avLst/>
-            </a:prstTxWarp>
-            <a:noAutofit/>
-          </a:bodyPr>
-          <a:lstStyle/>
-          <a:p>
-            <a:pPr marL="285731" indent="-285731" defTabSz="914039" fontAlgn="base">
-              <a:spcBef>
-                <a:spcPct val="0"/>
-              </a:spcBef>
-              <a:spcAft>
-                <a:spcPct val="0"/>
-              </a:spcAft>
-              <a:buFont typeface="Arial" panose="020B0604020202020204" pitchFamily="34" charset="0"/>
-              <a:buChar char="•"/>
-            </a:pPr>
-            <a:r>
-              <a:rPr lang="en-US" sz="1199" dirty="0">
-                <a:solidFill>
-                  <a:schemeClr val="tx1"/>
-                </a:solidFill>
-                <a:latin typeface="+mj-lt"/>
-                <a:ea typeface="Segoe UI" pitchFamily="34" charset="0"/>
-                <a:cs typeface="Segoe UI" pitchFamily="34" charset="0"/>
-              </a:rPr>
-              <a:t>Monotonic reads, writes and Read your writes guarantee</a:t>
-            </a:r>
-          </a:p>
-          <a:p>
-            <a:pPr marL="285731" indent="-285731" defTabSz="914039" fontAlgn="base">
-              <a:spcBef>
-                <a:spcPct val="0"/>
-              </a:spcBef>
-              <a:spcAft>
-                <a:spcPct val="0"/>
-              </a:spcAft>
-              <a:buFont typeface="Arial" panose="020B0604020202020204" pitchFamily="34" charset="0"/>
-              <a:buChar char="•"/>
-            </a:pPr>
-            <a:endParaRPr lang="en-US" sz="1199" dirty="0">
-              <a:solidFill>
-                <a:schemeClr val="tx1"/>
-              </a:solidFill>
-              <a:latin typeface="+mj-lt"/>
-              <a:ea typeface="Segoe UI" pitchFamily="34" charset="0"/>
-              <a:cs typeface="Segoe UI" pitchFamily="34" charset="0"/>
-            </a:endParaRPr>
-          </a:p>
-          <a:p>
-            <a:pPr marL="285731" indent="-285731" defTabSz="914039" fontAlgn="base">
-              <a:spcBef>
-                <a:spcPct val="0"/>
-              </a:spcBef>
-              <a:spcAft>
-                <a:spcPct val="0"/>
-              </a:spcAft>
-              <a:buFont typeface="Arial" panose="020B0604020202020204" pitchFamily="34" charset="0"/>
-              <a:buChar char="•"/>
-            </a:pPr>
-            <a:endParaRPr lang="en-US" sz="1199" dirty="0">
-              <a:solidFill>
-                <a:schemeClr val="tx1"/>
-              </a:solidFill>
-              <a:latin typeface="+mj-lt"/>
-              <a:ea typeface="Segoe UI" pitchFamily="34" charset="0"/>
-              <a:cs typeface="Segoe UI" pitchFamily="34" charset="0"/>
-            </a:endParaRPr>
+              <a:rPr lang="en-US" dirty="0"/>
+              <a:t>Demo</a:t>
+            </a:r>
           </a:p>
         </p:txBody>
       </p:sp>
     </p:spTree>
     <p:extLst>
       <p:ext uri="{BB962C8B-B14F-4D97-AF65-F5344CB8AC3E}">
-        <p14:creationId xmlns:p14="http://schemas.microsoft.com/office/powerpoint/2010/main" val="12779603"/>
+        <p14:creationId xmlns:p14="http://schemas.microsoft.com/office/powerpoint/2010/main" val="203203085"/>
       </p:ext>
     </p:extLst>
   </p:cSld>
   <p:clrMapOvr>
     <a:masterClrMapping/>
   </p:clrMapOvr>
-  <p:transition>
-    <p:fade/>
-  </p:transition>
+  <mc:AlternateContent xmlns:mc="http://schemas.openxmlformats.org/markup-compatibility/2006" xmlns:p14="http://schemas.microsoft.com/office/powerpoint/2010/main">
+    <mc:Choice Requires="p14">
+      <p:transition spd="med" p14:dur="700">
+        <p:fade/>
+      </p:transition>
+    </mc:Choice>
+    <mc:Fallback xmlns="">
+      <p:transition spd="med">
+        <p:fade/>
+      </p:transition>
+    </mc:Fallback>
+  </mc:AlternateContent>
 </p:sld>
 </file>
 
@@ -22381,7 +19945,7 @@
       </p:grpSpPr>
       <p:sp>
         <p:nvSpPr>
-          <p:cNvPr id="3" name="Title 2"/>
+          <p:cNvPr id="4" name="Title 3"/>
           <p:cNvSpPr>
             <a:spLocks noGrp="1"/>
           </p:cNvSpPr>
@@ -22396,7 +19960,79 @@
           <a:p>
             <a:r>
               <a:rPr lang="en-US" dirty="0"/>
-              <a:t>Demo</a:t>
+              <a:t>DocumentDB Documents – Just POCOs</a:t>
+            </a:r>
+          </a:p>
+        </p:txBody>
+      </p:sp>
+      <p:sp>
+        <p:nvSpPr>
+          <p:cNvPr id="5" name="Text Placeholder 4"/>
+          <p:cNvSpPr>
+            <a:spLocks noGrp="1"/>
+          </p:cNvSpPr>
+          <p:nvPr>
+            <p:ph type="body" sz="quarter" idx="10"/>
+          </p:nvPr>
+        </p:nvSpPr>
+        <p:spPr>
+          <a:xfrm>
+            <a:off x="274638" y="1221157"/>
+            <a:ext cx="11887199" cy="5110630"/>
+          </a:xfrm>
+        </p:spPr>
+        <p:txBody>
+          <a:bodyPr/>
+          <a:lstStyle/>
+          <a:p>
+            <a:r>
+              <a:rPr lang="en-US" dirty="0"/>
+              <a:t> public class ImageMetadata</a:t>
+            </a:r>
+          </a:p>
+          <a:p>
+            <a:r>
+              <a:rPr lang="en-US" dirty="0"/>
+              <a:t>    {</a:t>
+            </a:r>
+          </a:p>
+          <a:p>
+            <a:r>
+              <a:rPr lang="en-US" dirty="0"/>
+              <a:t>        public ImageMetadata()</a:t>
+            </a:r>
+          </a:p>
+          <a:p>
+            <a:r>
+              <a:rPr lang="en-US" dirty="0"/>
+              <a:t>        {</a:t>
+            </a:r>
+          </a:p>
+          <a:p>
+            <a:r>
+              <a:rPr lang="en-US" dirty="0"/>
+              <a:t>            </a:t>
+            </a:r>
+          </a:p>
+          <a:p>
+            <a:r>
+              <a:rPr lang="en-US" dirty="0"/>
+              <a:t>        }</a:t>
+            </a:r>
+          </a:p>
+          <a:p>
+            <a:endParaRPr lang="en-US" dirty="0"/>
+          </a:p>
+          <a:p>
+            <a:r>
+              <a:rPr lang="en-US" dirty="0"/>
+              <a:t>        [JsonProperty(PropertyName = "id")]</a:t>
+            </a:r>
+          </a:p>
+          <a:p>
+            <a:r>
+              <a:rPr lang="en-US" dirty="0"/>
+              <a:t>        public string Id { get; set; }</a:t>
             </a:r>
           </a:p>
         </p:txBody>
@@ -22404,7 +20040,7 @@
     </p:spTree>
     <p:extLst>
       <p:ext uri="{BB962C8B-B14F-4D97-AF65-F5344CB8AC3E}">
-        <p14:creationId xmlns:p14="http://schemas.microsoft.com/office/powerpoint/2010/main" val="203203085"/>
+        <p14:creationId xmlns:p14="http://schemas.microsoft.com/office/powerpoint/2010/main" val="1041029672"/>
       </p:ext>
     </p:extLst>
   </p:cSld>
@@ -22460,142 +20096,6 @@
           <a:p>
             <a:r>
               <a:rPr lang="en-US" dirty="0"/>
-              <a:t>DocumentDB Documents – Just POCOs</a:t>
-            </a:r>
-          </a:p>
-        </p:txBody>
-      </p:sp>
-      <p:sp>
-        <p:nvSpPr>
-          <p:cNvPr id="5" name="Text Placeholder 4"/>
-          <p:cNvSpPr>
-            <a:spLocks noGrp="1"/>
-          </p:cNvSpPr>
-          <p:nvPr>
-            <p:ph type="body" sz="quarter" idx="10"/>
-          </p:nvPr>
-        </p:nvSpPr>
-        <p:spPr>
-          <a:xfrm>
-            <a:off x="274638" y="1221157"/>
-            <a:ext cx="11887199" cy="5110630"/>
-          </a:xfrm>
-        </p:spPr>
-        <p:txBody>
-          <a:bodyPr/>
-          <a:lstStyle/>
-          <a:p>
-            <a:r>
-              <a:rPr lang="en-US" dirty="0"/>
-              <a:t> public class ImageMetadata</a:t>
-            </a:r>
-          </a:p>
-          <a:p>
-            <a:r>
-              <a:rPr lang="en-US" dirty="0"/>
-              <a:t>    {</a:t>
-            </a:r>
-          </a:p>
-          <a:p>
-            <a:r>
-              <a:rPr lang="en-US" dirty="0"/>
-              <a:t>        public ImageMetadata()</a:t>
-            </a:r>
-          </a:p>
-          <a:p>
-            <a:r>
-              <a:rPr lang="en-US" dirty="0"/>
-              <a:t>        {</a:t>
-            </a:r>
-          </a:p>
-          <a:p>
-            <a:r>
-              <a:rPr lang="en-US" dirty="0"/>
-              <a:t>            </a:t>
-            </a:r>
-          </a:p>
-          <a:p>
-            <a:r>
-              <a:rPr lang="en-US" dirty="0"/>
-              <a:t>        }</a:t>
-            </a:r>
-          </a:p>
-          <a:p>
-            <a:endParaRPr lang="en-US" dirty="0"/>
-          </a:p>
-          <a:p>
-            <a:r>
-              <a:rPr lang="en-US" dirty="0"/>
-              <a:t>        [JsonProperty(PropertyName = "id")]</a:t>
-            </a:r>
-          </a:p>
-          <a:p>
-            <a:r>
-              <a:rPr lang="en-US" dirty="0"/>
-              <a:t>        public string Id { get; set; }</a:t>
-            </a:r>
-          </a:p>
-        </p:txBody>
-      </p:sp>
-    </p:spTree>
-    <p:extLst>
-      <p:ext uri="{BB962C8B-B14F-4D97-AF65-F5344CB8AC3E}">
-        <p14:creationId xmlns:p14="http://schemas.microsoft.com/office/powerpoint/2010/main" val="1041029672"/>
-      </p:ext>
-    </p:extLst>
-  </p:cSld>
-  <p:clrMapOvr>
-    <a:masterClrMapping/>
-  </p:clrMapOvr>
-  <mc:AlternateContent xmlns:mc="http://schemas.openxmlformats.org/markup-compatibility/2006" xmlns:p14="http://schemas.microsoft.com/office/powerpoint/2010/main">
-    <mc:Choice Requires="p14">
-      <p:transition spd="med" p14:dur="700">
-        <p:fade/>
-      </p:transition>
-    </mc:Choice>
-    <mc:Fallback xmlns="">
-      <p:transition spd="med">
-        <p:fade/>
-      </p:transition>
-    </mc:Fallback>
-  </mc:AlternateContent>
-</p:sld>
-</file>
-
-<file path=ppt/slides/slide15.xml><?xml version="1.0" encoding="utf-8"?>
-<p:sld xmlns:a="http://schemas.openxmlformats.org/drawingml/2006/main" xmlns:r="http://schemas.openxmlformats.org/officeDocument/2006/relationships" xmlns:p="http://schemas.openxmlformats.org/presentationml/2006/main">
-  <p:cSld>
-    <p:spTree>
-      <p:nvGrpSpPr>
-        <p:cNvPr id="1" name=""/>
-        <p:cNvGrpSpPr/>
-        <p:nvPr/>
-      </p:nvGrpSpPr>
-      <p:grpSpPr>
-        <a:xfrm>
-          <a:off x="0" y="0"/>
-          <a:ext cx="0" cy="0"/>
-          <a:chOff x="0" y="0"/>
-          <a:chExt cx="0" cy="0"/>
-        </a:xfrm>
-      </p:grpSpPr>
-      <p:sp>
-        <p:nvSpPr>
-          <p:cNvPr id="4" name="Title 3"/>
-          <p:cNvSpPr>
-            <a:spLocks noGrp="1"/>
-          </p:cNvSpPr>
-          <p:nvPr>
-            <p:ph type="title"/>
-          </p:nvPr>
-        </p:nvSpPr>
-        <p:spPr/>
-        <p:txBody>
-          <a:bodyPr/>
-          <a:lstStyle/>
-          <a:p>
-            <a:r>
-              <a:rPr lang="en-US" dirty="0"/>
               <a:t>Querying Documents</a:t>
             </a:r>
           </a:p>
@@ -22693,7 +20193,7 @@
 </p:sld>
 </file>
 
-<file path=ppt/slides/slide16.xml><?xml version="1.0" encoding="utf-8"?>
+<file path=ppt/slides/slide15.xml><?xml version="1.0" encoding="utf-8"?>
 <p:sld xmlns:a="http://schemas.openxmlformats.org/drawingml/2006/main" xmlns:r="http://schemas.openxmlformats.org/officeDocument/2006/relationships" xmlns:p="http://schemas.openxmlformats.org/presentationml/2006/main">
   <p:cSld>
     <p:spTree>
@@ -22954,7 +20454,7 @@
         <p:spPr>
           <a:xfrm>
             <a:off x="5826098" y="2091228"/>
-            <a:ext cx="5173403" cy="2399597"/>
+            <a:ext cx="5173403" cy="2101601"/>
           </a:xfrm>
           <a:prstGeom prst="rect">
             <a:avLst/>
@@ -23265,45 +20765,6 @@
               <a:ea typeface="+mn-ea"/>
               <a:cs typeface="Segoe UI Light" panose="020B0502040204020203" pitchFamily="34" charset="0"/>
             </a:endParaRPr>
-          </a:p>
-          <a:p>
-            <a:pPr marL="0" marR="0" lvl="0" indent="0" algn="l" defTabSz="932597" rtl="0" eaLnBrk="1" fontAlgn="auto" latinLnBrk="0" hangingPunct="1">
-              <a:lnSpc>
-                <a:spcPct val="100000"/>
-              </a:lnSpc>
-              <a:spcBef>
-                <a:spcPts val="0"/>
-              </a:spcBef>
-              <a:spcAft>
-                <a:spcPts val="0"/>
-              </a:spcAft>
-              <a:buClrTx/>
-              <a:buSzTx/>
-              <a:buFontTx/>
-              <a:buNone/>
-              <a:tabLst/>
-              <a:defRPr/>
-            </a:pPr>
-            <a:r>
-              <a:rPr kumimoji="0" lang="en-US" sz="1632" b="0" i="0" u="none" strike="noStrike" kern="1200" cap="none" spc="0" normalizeH="0" baseline="0" noProof="0" dirty="0">
-                <a:ln>
-                  <a:noFill/>
-                </a:ln>
-                <a:solidFill>
-                  <a:prstClr val="black">
-                    <a:lumMod val="75000"/>
-                    <a:lumOff val="25000"/>
-                  </a:prstClr>
-                </a:solidFill>
-                <a:effectLst/>
-                <a:uLnTx/>
-                <a:uFillTx/>
-                <a:latin typeface="Segoe UI Light" panose="020B0502040204020203" pitchFamily="34" charset="0"/>
-                <a:ea typeface="+mn-ea"/>
-                <a:cs typeface="Segoe UI Light" panose="020B0502040204020203" pitchFamily="34" charset="0"/>
-              </a:rPr>
-              <a:t>Automatic expiration via TTL </a:t>
-            </a:r>
           </a:p>
         </p:txBody>
       </p:sp>
@@ -26462,882 +23923,6 @@
           <a:chExt cx="0" cy="0"/>
         </a:xfrm>
       </p:grpSpPr>
-      <p:cxnSp>
-        <p:nvCxnSpPr>
-          <p:cNvPr id="2" name="Straight Connector 1"/>
-          <p:cNvCxnSpPr/>
-          <p:nvPr/>
-        </p:nvCxnSpPr>
-        <p:spPr>
-          <a:xfrm>
-            <a:off x="5676755" y="1619102"/>
-            <a:ext cx="0" cy="3562894"/>
-          </a:xfrm>
-          <a:prstGeom prst="line">
-            <a:avLst/>
-          </a:prstGeom>
-          <a:ln w="12700">
-            <a:solidFill>
-              <a:srgbClr val="7030A0"/>
-            </a:solidFill>
-          </a:ln>
-        </p:spPr>
-        <p:style>
-          <a:lnRef idx="1">
-            <a:schemeClr val="accent1"/>
-          </a:lnRef>
-          <a:fillRef idx="0">
-            <a:schemeClr val="accent1"/>
-          </a:fillRef>
-          <a:effectRef idx="0">
-            <a:schemeClr val="accent1"/>
-          </a:effectRef>
-          <a:fontRef idx="minor">
-            <a:schemeClr val="tx1"/>
-          </a:fontRef>
-        </p:style>
-      </p:cxnSp>
-      <p:sp>
-        <p:nvSpPr>
-          <p:cNvPr id="3" name="TextBox 2"/>
-          <p:cNvSpPr txBox="1"/>
-          <p:nvPr/>
-        </p:nvSpPr>
-        <p:spPr>
-          <a:xfrm>
-            <a:off x="5826098" y="1619103"/>
-            <a:ext cx="4365666" cy="382308"/>
-          </a:xfrm>
-          <a:prstGeom prst="rect">
-            <a:avLst/>
-          </a:prstGeom>
-          <a:noFill/>
-        </p:spPr>
-        <p:txBody>
-          <a:bodyPr wrap="square" rtlCol="0">
-            <a:spAutoFit/>
-          </a:bodyPr>
-          <a:lstStyle/>
-          <a:p>
-            <a:pPr marL="0" marR="0" lvl="0" indent="0" algn="l" defTabSz="932597" rtl="0" eaLnBrk="1" fontAlgn="auto" latinLnBrk="0" hangingPunct="1">
-              <a:lnSpc>
-                <a:spcPct val="100000"/>
-              </a:lnSpc>
-              <a:spcBef>
-                <a:spcPts val="0"/>
-              </a:spcBef>
-              <a:spcAft>
-                <a:spcPts val="0"/>
-              </a:spcAft>
-              <a:buClrTx/>
-              <a:buSzTx/>
-              <a:buFontTx/>
-              <a:buNone/>
-              <a:tabLst/>
-              <a:defRPr/>
-            </a:pPr>
-            <a:r>
-              <a:rPr kumimoji="0" lang="en-US" sz="1836" b="0" i="0" u="none" strike="noStrike" kern="1200" cap="none" spc="0" normalizeH="0" baseline="0" noProof="0" dirty="0">
-                <a:ln>
-                  <a:noFill/>
-                </a:ln>
-                <a:solidFill>
-                  <a:srgbClr val="7030A0"/>
-                </a:solidFill>
-                <a:effectLst/>
-                <a:uLnTx/>
-                <a:uFillTx/>
-                <a:latin typeface="Segoe UI Light" panose="020B0502040204020203" pitchFamily="34" charset="0"/>
-                <a:ea typeface="+mn-ea"/>
-                <a:cs typeface="Segoe UI Light" panose="020B0502040204020203" pitchFamily="34" charset="0"/>
-              </a:rPr>
-              <a:t>Rich SQL and JavaScript queries </a:t>
-            </a:r>
-          </a:p>
-        </p:txBody>
-      </p:sp>
-      <p:sp>
-        <p:nvSpPr>
-          <p:cNvPr id="4" name="TextBox 3"/>
-          <p:cNvSpPr txBox="1"/>
-          <p:nvPr/>
-        </p:nvSpPr>
-        <p:spPr>
-          <a:xfrm>
-            <a:off x="5826098" y="2091229"/>
-            <a:ext cx="5173403" cy="2143438"/>
-          </a:xfrm>
-          <a:prstGeom prst="rect">
-            <a:avLst/>
-          </a:prstGeom>
-          <a:noFill/>
-        </p:spPr>
-        <p:txBody>
-          <a:bodyPr wrap="square" rtlCol="0">
-            <a:spAutoFit/>
-          </a:bodyPr>
-          <a:lstStyle/>
-          <a:p>
-            <a:pPr marL="0" marR="0" lvl="0" indent="0" algn="l" defTabSz="932597" rtl="0" eaLnBrk="1" fontAlgn="auto" latinLnBrk="0" hangingPunct="1">
-              <a:lnSpc>
-                <a:spcPct val="100000"/>
-              </a:lnSpc>
-              <a:spcBef>
-                <a:spcPts val="0"/>
-              </a:spcBef>
-              <a:spcAft>
-                <a:spcPts val="0"/>
-              </a:spcAft>
-              <a:buClrTx/>
-              <a:buSzTx/>
-              <a:buFontTx/>
-              <a:buNone/>
-              <a:tabLst/>
-              <a:defRPr/>
-            </a:pPr>
-            <a:r>
-              <a:rPr kumimoji="0" lang="en-US" sz="1632" b="0" i="0" u="none" strike="noStrike" kern="1200" cap="none" spc="0" normalizeH="0" baseline="0" noProof="0" dirty="0">
-                <a:ln>
-                  <a:noFill/>
-                </a:ln>
-                <a:solidFill>
-                  <a:prstClr val="black">
-                    <a:lumMod val="75000"/>
-                    <a:lumOff val="25000"/>
-                  </a:prstClr>
-                </a:solidFill>
-                <a:effectLst/>
-                <a:uLnTx/>
-                <a:uFillTx/>
-                <a:latin typeface="Segoe UI Light" panose="020B0502040204020203" pitchFamily="34" charset="0"/>
-                <a:ea typeface="+mn-ea"/>
-                <a:cs typeface="Segoe UI Light" panose="020B0502040204020203" pitchFamily="34" charset="0"/>
-              </a:rPr>
-              <a:t>No impedance mismatch </a:t>
-            </a:r>
-          </a:p>
-          <a:p>
-            <a:pPr marL="0" marR="0" lvl="0" indent="0" algn="l" defTabSz="932597" rtl="0" eaLnBrk="1" fontAlgn="auto" latinLnBrk="0" hangingPunct="1">
-              <a:lnSpc>
-                <a:spcPct val="100000"/>
-              </a:lnSpc>
-              <a:spcBef>
-                <a:spcPts val="0"/>
-              </a:spcBef>
-              <a:spcAft>
-                <a:spcPts val="0"/>
-              </a:spcAft>
-              <a:buClrTx/>
-              <a:buSzTx/>
-              <a:buFontTx/>
-              <a:buNone/>
-              <a:tabLst/>
-              <a:defRPr/>
-            </a:pPr>
-            <a:endParaRPr kumimoji="0" lang="en-US" sz="1632" b="0" i="0" u="none" strike="noStrike" kern="1200" cap="none" spc="0" normalizeH="0" baseline="0" noProof="0" dirty="0">
-              <a:ln>
-                <a:noFill/>
-              </a:ln>
-              <a:solidFill>
-                <a:prstClr val="black">
-                  <a:lumMod val="75000"/>
-                  <a:lumOff val="25000"/>
-                </a:prstClr>
-              </a:solidFill>
-              <a:effectLst/>
-              <a:uLnTx/>
-              <a:uFillTx/>
-              <a:latin typeface="Segoe UI Light" panose="020B0502040204020203" pitchFamily="34" charset="0"/>
-              <a:ea typeface="+mn-ea"/>
-              <a:cs typeface="Segoe UI Light" panose="020B0502040204020203" pitchFamily="34" charset="0"/>
-            </a:endParaRPr>
-          </a:p>
-          <a:p>
-            <a:pPr marL="0" marR="0" lvl="0" indent="0" algn="l" defTabSz="932597" rtl="0" eaLnBrk="1" fontAlgn="auto" latinLnBrk="0" hangingPunct="1">
-              <a:lnSpc>
-                <a:spcPct val="100000"/>
-              </a:lnSpc>
-              <a:spcBef>
-                <a:spcPts val="0"/>
-              </a:spcBef>
-              <a:spcAft>
-                <a:spcPts val="0"/>
-              </a:spcAft>
-              <a:buClrTx/>
-              <a:buSzTx/>
-              <a:buFontTx/>
-              <a:buNone/>
-              <a:tabLst/>
-              <a:defRPr/>
-            </a:pPr>
-            <a:r>
-              <a:rPr kumimoji="0" lang="en-US" sz="1632" b="0" i="0" u="none" strike="noStrike" kern="1200" cap="none" spc="0" normalizeH="0" baseline="0" noProof="0" dirty="0">
-                <a:ln>
-                  <a:noFill/>
-                </a:ln>
-                <a:solidFill>
-                  <a:prstClr val="black">
-                    <a:lumMod val="75000"/>
-                    <a:lumOff val="25000"/>
-                  </a:prstClr>
-                </a:solidFill>
-                <a:effectLst/>
-                <a:uLnTx/>
-                <a:uFillTx/>
-                <a:latin typeface="Segoe UI Light" panose="020B0502040204020203" pitchFamily="34" charset="0"/>
-                <a:ea typeface="+mn-ea"/>
-                <a:cs typeface="Segoe UI Light" panose="020B0502040204020203" pitchFamily="34" charset="0"/>
-              </a:rPr>
-              <a:t>Query with SQL and JavaScript </a:t>
-            </a:r>
-          </a:p>
-          <a:p>
-            <a:pPr marL="0" marR="0" lvl="0" indent="0" algn="l" defTabSz="932597" rtl="0" eaLnBrk="1" fontAlgn="auto" latinLnBrk="0" hangingPunct="1">
-              <a:lnSpc>
-                <a:spcPct val="100000"/>
-              </a:lnSpc>
-              <a:spcBef>
-                <a:spcPts val="0"/>
-              </a:spcBef>
-              <a:spcAft>
-                <a:spcPts val="0"/>
-              </a:spcAft>
-              <a:buClrTx/>
-              <a:buSzTx/>
-              <a:buFontTx/>
-              <a:buNone/>
-              <a:tabLst/>
-              <a:defRPr/>
-            </a:pPr>
-            <a:endParaRPr kumimoji="0" lang="en-US" sz="1632" b="0" i="0" u="none" strike="noStrike" kern="1200" cap="none" spc="0" normalizeH="0" baseline="0" noProof="0" dirty="0">
-              <a:ln>
-                <a:noFill/>
-              </a:ln>
-              <a:solidFill>
-                <a:prstClr val="black">
-                  <a:lumMod val="75000"/>
-                  <a:lumOff val="25000"/>
-                </a:prstClr>
-              </a:solidFill>
-              <a:effectLst/>
-              <a:uLnTx/>
-              <a:uFillTx/>
-              <a:latin typeface="Segoe UI Light" panose="020B0502040204020203" pitchFamily="34" charset="0"/>
-              <a:ea typeface="+mn-ea"/>
-              <a:cs typeface="Segoe UI Light" panose="020B0502040204020203" pitchFamily="34" charset="0"/>
-            </a:endParaRPr>
-          </a:p>
-          <a:p>
-            <a:pPr marL="0" marR="0" lvl="0" indent="0" algn="l" defTabSz="932597" rtl="0" eaLnBrk="1" fontAlgn="auto" latinLnBrk="0" hangingPunct="1">
-              <a:lnSpc>
-                <a:spcPct val="100000"/>
-              </a:lnSpc>
-              <a:spcBef>
-                <a:spcPts val="0"/>
-              </a:spcBef>
-              <a:spcAft>
-                <a:spcPts val="0"/>
-              </a:spcAft>
-              <a:buClrTx/>
-              <a:buSzTx/>
-              <a:buFontTx/>
-              <a:buNone/>
-              <a:tabLst/>
-              <a:defRPr/>
-            </a:pPr>
-            <a:r>
-              <a:rPr kumimoji="0" lang="en-US" sz="1632" b="0" i="0" u="none" strike="noStrike" kern="1200" cap="none" spc="0" normalizeH="0" baseline="0" noProof="0" dirty="0">
-                <a:ln>
-                  <a:noFill/>
-                </a:ln>
-                <a:solidFill>
-                  <a:prstClr val="black">
-                    <a:lumMod val="75000"/>
-                    <a:lumOff val="25000"/>
-                  </a:prstClr>
-                </a:solidFill>
-                <a:effectLst/>
-                <a:uLnTx/>
-                <a:uFillTx/>
-                <a:latin typeface="Segoe UI Light" panose="020B0502040204020203" pitchFamily="34" charset="0"/>
-                <a:ea typeface="+mn-ea"/>
-                <a:cs typeface="Segoe UI Light" panose="020B0502040204020203" pitchFamily="34" charset="0"/>
-              </a:rPr>
-              <a:t>Write business logic entirely in JavaScript with stored procedures and triggers </a:t>
-            </a:r>
-          </a:p>
-          <a:p>
-            <a:pPr marL="0" marR="0" lvl="0" indent="0" algn="l" defTabSz="932597" rtl="0" eaLnBrk="1" fontAlgn="auto" latinLnBrk="0" hangingPunct="1">
-              <a:lnSpc>
-                <a:spcPct val="100000"/>
-              </a:lnSpc>
-              <a:spcBef>
-                <a:spcPts val="0"/>
-              </a:spcBef>
-              <a:spcAft>
-                <a:spcPts val="0"/>
-              </a:spcAft>
-              <a:buClrTx/>
-              <a:buSzTx/>
-              <a:buFontTx/>
-              <a:buNone/>
-              <a:tabLst/>
-              <a:defRPr/>
-            </a:pPr>
-            <a:endParaRPr kumimoji="0" lang="en-US" sz="1632" b="0" i="0" u="none" strike="noStrike" kern="1200" cap="none" spc="0" normalizeH="0" baseline="0" noProof="0" dirty="0">
-              <a:ln>
-                <a:noFill/>
-              </a:ln>
-              <a:solidFill>
-                <a:prstClr val="black">
-                  <a:lumMod val="75000"/>
-                  <a:lumOff val="25000"/>
-                </a:prstClr>
-              </a:solidFill>
-              <a:effectLst/>
-              <a:uLnTx/>
-              <a:uFillTx/>
-              <a:latin typeface="Segoe UI Light" panose="020B0502040204020203" pitchFamily="34" charset="0"/>
-              <a:ea typeface="+mn-ea"/>
-              <a:cs typeface="Segoe UI Light" panose="020B0502040204020203" pitchFamily="34" charset="0"/>
-            </a:endParaRPr>
-          </a:p>
-          <a:p>
-            <a:pPr marL="0" marR="0" lvl="0" indent="0" algn="l" defTabSz="932597" rtl="0" eaLnBrk="1" fontAlgn="auto" latinLnBrk="0" hangingPunct="1">
-              <a:lnSpc>
-                <a:spcPct val="100000"/>
-              </a:lnSpc>
-              <a:spcBef>
-                <a:spcPts val="0"/>
-              </a:spcBef>
-              <a:spcAft>
-                <a:spcPts val="0"/>
-              </a:spcAft>
-              <a:buClrTx/>
-              <a:buSzTx/>
-              <a:buFontTx/>
-              <a:buNone/>
-              <a:tabLst/>
-              <a:defRPr/>
-            </a:pPr>
-            <a:r>
-              <a:rPr kumimoji="0" lang="en-US" sz="1632" b="0" i="0" u="none" strike="noStrike" kern="1200" cap="none" spc="0" normalizeH="0" baseline="0" noProof="0" dirty="0">
-                <a:ln>
-                  <a:noFill/>
-                </a:ln>
-                <a:solidFill>
-                  <a:prstClr val="black">
-                    <a:lumMod val="75000"/>
-                    <a:lumOff val="25000"/>
-                  </a:prstClr>
-                </a:solidFill>
-                <a:effectLst/>
-                <a:uLnTx/>
-                <a:uFillTx/>
-                <a:latin typeface="Segoe UI Light" panose="020B0502040204020203" pitchFamily="34" charset="0"/>
-                <a:ea typeface="+mn-ea"/>
-                <a:cs typeface="Segoe UI Light" panose="020B0502040204020203" pitchFamily="34" charset="0"/>
-              </a:rPr>
-              <a:t>Multi-item ACID transactions with snapshot isolation</a:t>
-            </a:r>
-          </a:p>
-        </p:txBody>
-      </p:sp>
-      <p:pic>
-        <p:nvPicPr>
-          <p:cNvPr id="5" name="Picture 4"/>
-          <p:cNvPicPr>
-            <a:picLocks noChangeAspect="1"/>
-          </p:cNvPicPr>
-          <p:nvPr/>
-        </p:nvPicPr>
-        <p:blipFill>
-          <a:blip r:embed="rId2"/>
-          <a:stretch>
-            <a:fillRect/>
-          </a:stretch>
-        </p:blipFill>
-        <p:spPr>
-          <a:xfrm>
-            <a:off x="1502247" y="2457889"/>
-            <a:ext cx="3036189" cy="1397769"/>
-          </a:xfrm>
-          <a:prstGeom prst="rect">
-            <a:avLst/>
-          </a:prstGeom>
-        </p:spPr>
-      </p:pic>
-    </p:spTree>
-    <p:extLst>
-      <p:ext uri="{BB962C8B-B14F-4D97-AF65-F5344CB8AC3E}">
-        <p14:creationId xmlns:p14="http://schemas.microsoft.com/office/powerpoint/2010/main" val="1549823532"/>
-      </p:ext>
-    </p:extLst>
-  </p:cSld>
-  <p:clrMapOvr>
-    <a:masterClrMapping/>
-  </p:clrMapOvr>
-  <p:transition>
-    <p:fade/>
-  </p:transition>
-</p:sld>
-</file>
-
-<file path=ppt/slides/slide6.xml><?xml version="1.0" encoding="utf-8"?>
-<p:sld xmlns:a="http://schemas.openxmlformats.org/drawingml/2006/main" xmlns:r="http://schemas.openxmlformats.org/officeDocument/2006/relationships" xmlns:p="http://schemas.openxmlformats.org/presentationml/2006/main">
-  <p:cSld>
-    <p:spTree>
-      <p:nvGrpSpPr>
-        <p:cNvPr id="1" name=""/>
-        <p:cNvGrpSpPr/>
-        <p:nvPr/>
-      </p:nvGrpSpPr>
-      <p:grpSpPr>
-        <a:xfrm>
-          <a:off x="0" y="0"/>
-          <a:ext cx="0" cy="0"/>
-          <a:chOff x="0" y="0"/>
-          <a:chExt cx="0" cy="0"/>
-        </a:xfrm>
-      </p:grpSpPr>
-      <p:cxnSp>
-        <p:nvCxnSpPr>
-          <p:cNvPr id="26" name="Straight Connector 25"/>
-          <p:cNvCxnSpPr/>
-          <p:nvPr/>
-        </p:nvCxnSpPr>
-        <p:spPr>
-          <a:xfrm>
-            <a:off x="5676755" y="1619102"/>
-            <a:ext cx="0" cy="3562894"/>
-          </a:xfrm>
-          <a:prstGeom prst="line">
-            <a:avLst/>
-          </a:prstGeom>
-          <a:ln w="12700">
-            <a:solidFill>
-              <a:srgbClr val="7030A0"/>
-            </a:solidFill>
-          </a:ln>
-        </p:spPr>
-        <p:style>
-          <a:lnRef idx="1">
-            <a:schemeClr val="accent1"/>
-          </a:lnRef>
-          <a:fillRef idx="0">
-            <a:schemeClr val="accent1"/>
-          </a:fillRef>
-          <a:effectRef idx="0">
-            <a:schemeClr val="accent1"/>
-          </a:effectRef>
-          <a:fontRef idx="minor">
-            <a:schemeClr val="tx1"/>
-          </a:fontRef>
-        </p:style>
-      </p:cxnSp>
-      <p:sp>
-        <p:nvSpPr>
-          <p:cNvPr id="27" name="TextBox 26"/>
-          <p:cNvSpPr txBox="1"/>
-          <p:nvPr/>
-        </p:nvSpPr>
-        <p:spPr>
-          <a:xfrm>
-            <a:off x="5826098" y="1619103"/>
-            <a:ext cx="4365666" cy="382308"/>
-          </a:xfrm>
-          <a:prstGeom prst="rect">
-            <a:avLst/>
-          </a:prstGeom>
-          <a:noFill/>
-        </p:spPr>
-        <p:txBody>
-          <a:bodyPr wrap="square" rtlCol="0">
-            <a:spAutoFit/>
-          </a:bodyPr>
-          <a:lstStyle/>
-          <a:p>
-            <a:pPr marL="0" marR="0" lvl="0" indent="0" algn="l" defTabSz="932597" rtl="0" eaLnBrk="1" fontAlgn="auto" latinLnBrk="0" hangingPunct="1">
-              <a:lnSpc>
-                <a:spcPct val="100000"/>
-              </a:lnSpc>
-              <a:spcBef>
-                <a:spcPts val="0"/>
-              </a:spcBef>
-              <a:spcAft>
-                <a:spcPts val="0"/>
-              </a:spcAft>
-              <a:buClrTx/>
-              <a:buSzTx/>
-              <a:buFontTx/>
-              <a:buNone/>
-              <a:tabLst/>
-              <a:defRPr/>
-            </a:pPr>
-            <a:r>
-              <a:rPr kumimoji="0" lang="en-US" sz="1836" b="0" i="0" u="none" strike="noStrike" kern="1200" cap="none" spc="0" normalizeH="0" baseline="0" noProof="0" dirty="0">
-                <a:ln>
-                  <a:noFill/>
-                </a:ln>
-                <a:solidFill>
-                  <a:srgbClr val="7030A0"/>
-                </a:solidFill>
-                <a:effectLst/>
-                <a:uLnTx/>
-                <a:uFillTx/>
-                <a:latin typeface="Segoe UI Light" panose="020B0502040204020203" pitchFamily="34" charset="0"/>
-                <a:ea typeface="+mn-ea"/>
-                <a:cs typeface="Segoe UI Light" panose="020B0502040204020203" pitchFamily="34" charset="0"/>
-              </a:rPr>
-              <a:t>Enterprise-grade SLAs </a:t>
-            </a:r>
-          </a:p>
-        </p:txBody>
-      </p:sp>
-      <p:sp>
-        <p:nvSpPr>
-          <p:cNvPr id="28" name="TextBox 27"/>
-          <p:cNvSpPr txBox="1"/>
-          <p:nvPr/>
-        </p:nvSpPr>
-        <p:spPr>
-          <a:xfrm>
-            <a:off x="5826098" y="2091228"/>
-            <a:ext cx="5173403" cy="2655755"/>
-          </a:xfrm>
-          <a:prstGeom prst="rect">
-            <a:avLst/>
-          </a:prstGeom>
-          <a:noFill/>
-        </p:spPr>
-        <p:txBody>
-          <a:bodyPr wrap="square" rtlCol="0">
-            <a:spAutoFit/>
-          </a:bodyPr>
-          <a:lstStyle/>
-          <a:p>
-            <a:pPr marL="0" marR="0" lvl="0" indent="0" algn="l" defTabSz="932597" rtl="0" eaLnBrk="1" fontAlgn="auto" latinLnBrk="0" hangingPunct="1">
-              <a:lnSpc>
-                <a:spcPct val="100000"/>
-              </a:lnSpc>
-              <a:spcBef>
-                <a:spcPts val="0"/>
-              </a:spcBef>
-              <a:spcAft>
-                <a:spcPts val="0"/>
-              </a:spcAft>
-              <a:buClrTx/>
-              <a:buSzTx/>
-              <a:buFontTx/>
-              <a:buNone/>
-              <a:tabLst/>
-              <a:defRPr/>
-            </a:pPr>
-            <a:r>
-              <a:rPr kumimoji="0" lang="en-US" sz="1632" b="0" i="0" u="none" strike="noStrike" kern="1200" cap="none" spc="0" normalizeH="0" baseline="0" noProof="0" dirty="0">
-                <a:ln>
-                  <a:noFill/>
-                </a:ln>
-                <a:solidFill>
-                  <a:prstClr val="black">
-                    <a:lumMod val="75000"/>
-                    <a:lumOff val="25000"/>
-                  </a:prstClr>
-                </a:solidFill>
-                <a:effectLst/>
-                <a:uLnTx/>
-                <a:uFillTx/>
-                <a:latin typeface="Segoe UI Light" panose="020B0502040204020203" pitchFamily="34" charset="0"/>
-                <a:ea typeface="+mn-ea"/>
-                <a:cs typeface="Segoe UI Light" panose="020B0502040204020203" pitchFamily="34" charset="0"/>
-              </a:rPr>
-              <a:t>99.99% availability</a:t>
-            </a:r>
-          </a:p>
-          <a:p>
-            <a:pPr marL="0" marR="0" lvl="0" indent="0" algn="l" defTabSz="932597" rtl="0" eaLnBrk="1" fontAlgn="auto" latinLnBrk="0" hangingPunct="1">
-              <a:lnSpc>
-                <a:spcPct val="100000"/>
-              </a:lnSpc>
-              <a:spcBef>
-                <a:spcPts val="0"/>
-              </a:spcBef>
-              <a:spcAft>
-                <a:spcPts val="0"/>
-              </a:spcAft>
-              <a:buClrTx/>
-              <a:buSzTx/>
-              <a:buFontTx/>
-              <a:buNone/>
-              <a:tabLst/>
-              <a:defRPr/>
-            </a:pPr>
-            <a:endParaRPr kumimoji="0" lang="en-US" sz="1632" b="0" i="0" u="none" strike="noStrike" kern="1200" cap="none" spc="0" normalizeH="0" baseline="0" noProof="0" dirty="0">
-              <a:ln>
-                <a:noFill/>
-              </a:ln>
-              <a:solidFill>
-                <a:prstClr val="black">
-                  <a:lumMod val="75000"/>
-                  <a:lumOff val="25000"/>
-                </a:prstClr>
-              </a:solidFill>
-              <a:effectLst/>
-              <a:uLnTx/>
-              <a:uFillTx/>
-              <a:latin typeface="Segoe UI Light" panose="020B0502040204020203" pitchFamily="34" charset="0"/>
-              <a:ea typeface="+mn-ea"/>
-              <a:cs typeface="Segoe UI Light" panose="020B0502040204020203" pitchFamily="34" charset="0"/>
-            </a:endParaRPr>
-          </a:p>
-          <a:p>
-            <a:pPr marL="0" marR="0" lvl="0" indent="0" algn="l" defTabSz="932597" rtl="0" eaLnBrk="1" fontAlgn="auto" latinLnBrk="0" hangingPunct="1">
-              <a:lnSpc>
-                <a:spcPct val="100000"/>
-              </a:lnSpc>
-              <a:spcBef>
-                <a:spcPts val="0"/>
-              </a:spcBef>
-              <a:spcAft>
-                <a:spcPts val="0"/>
-              </a:spcAft>
-              <a:buClrTx/>
-              <a:buSzTx/>
-              <a:buFontTx/>
-              <a:buNone/>
-              <a:tabLst/>
-              <a:defRPr/>
-            </a:pPr>
-            <a:r>
-              <a:rPr kumimoji="0" lang="en-US" sz="1632" b="0" i="0" u="none" strike="noStrike" kern="1200" cap="none" spc="0" normalizeH="0" baseline="0" noProof="0" dirty="0">
-                <a:ln>
-                  <a:noFill/>
-                </a:ln>
-                <a:solidFill>
-                  <a:prstClr val="black">
-                    <a:lumMod val="75000"/>
-                    <a:lumOff val="25000"/>
-                  </a:prstClr>
-                </a:solidFill>
-                <a:effectLst/>
-                <a:uLnTx/>
-                <a:uFillTx/>
-                <a:latin typeface="Segoe UI Light" panose="020B0502040204020203" pitchFamily="34" charset="0"/>
-                <a:ea typeface="+mn-ea"/>
-                <a:cs typeface="Segoe UI Light" panose="020B0502040204020203" pitchFamily="34" charset="0"/>
-              </a:rPr>
-              <a:t>Made possible with highly-redundant storage architecture</a:t>
-            </a:r>
-          </a:p>
-          <a:p>
-            <a:pPr marL="0" marR="0" lvl="0" indent="0" algn="l" defTabSz="932597" rtl="0" eaLnBrk="1" fontAlgn="auto" latinLnBrk="0" hangingPunct="1">
-              <a:lnSpc>
-                <a:spcPct val="100000"/>
-              </a:lnSpc>
-              <a:spcBef>
-                <a:spcPts val="0"/>
-              </a:spcBef>
-              <a:spcAft>
-                <a:spcPts val="0"/>
-              </a:spcAft>
-              <a:buClrTx/>
-              <a:buSzTx/>
-              <a:buFontTx/>
-              <a:buNone/>
-              <a:tabLst/>
-              <a:defRPr/>
-            </a:pPr>
-            <a:endParaRPr kumimoji="0" lang="en-US" sz="1632" b="0" i="0" u="none" strike="noStrike" kern="1200" cap="none" spc="0" normalizeH="0" baseline="0" noProof="0" dirty="0">
-              <a:ln>
-                <a:noFill/>
-              </a:ln>
-              <a:solidFill>
-                <a:prstClr val="black">
-                  <a:lumMod val="75000"/>
-                  <a:lumOff val="25000"/>
-                </a:prstClr>
-              </a:solidFill>
-              <a:effectLst/>
-              <a:uLnTx/>
-              <a:uFillTx/>
-              <a:latin typeface="Segoe UI Light" panose="020B0502040204020203" pitchFamily="34" charset="0"/>
-              <a:ea typeface="+mn-ea"/>
-              <a:cs typeface="Segoe UI Light" panose="020B0502040204020203" pitchFamily="34" charset="0"/>
-            </a:endParaRPr>
-          </a:p>
-          <a:p>
-            <a:pPr marL="0" marR="0" lvl="0" indent="0" algn="l" defTabSz="932597" rtl="0" eaLnBrk="1" fontAlgn="auto" latinLnBrk="0" hangingPunct="1">
-              <a:lnSpc>
-                <a:spcPct val="100000"/>
-              </a:lnSpc>
-              <a:spcBef>
-                <a:spcPts val="0"/>
-              </a:spcBef>
-              <a:spcAft>
-                <a:spcPts val="0"/>
-              </a:spcAft>
-              <a:buClrTx/>
-              <a:buSzTx/>
-              <a:buFontTx/>
-              <a:buNone/>
-              <a:tabLst/>
-              <a:defRPr/>
-            </a:pPr>
-            <a:r>
-              <a:rPr kumimoji="0" lang="en-US" sz="1632" b="0" i="0" u="none" strike="noStrike" kern="1200" cap="none" spc="0" normalizeH="0" baseline="0" noProof="0" dirty="0">
-                <a:ln>
-                  <a:noFill/>
-                </a:ln>
-                <a:solidFill>
-                  <a:prstClr val="black">
-                    <a:lumMod val="75000"/>
-                    <a:lumOff val="25000"/>
-                  </a:prstClr>
-                </a:solidFill>
-                <a:effectLst/>
-                <a:uLnTx/>
-                <a:uFillTx/>
-                <a:latin typeface="Segoe UI Light" panose="020B0502040204020203" pitchFamily="34" charset="0"/>
-                <a:ea typeface="+mn-ea"/>
-                <a:cs typeface="Segoe UI Light" panose="020B0502040204020203" pitchFamily="34" charset="0"/>
-              </a:rPr>
-              <a:t>Low-latency, consistency, and throughput also covered by financially backed SLAs</a:t>
-            </a:r>
-          </a:p>
-          <a:p>
-            <a:pPr marL="0" marR="0" lvl="0" indent="0" algn="l" defTabSz="932597" rtl="0" eaLnBrk="1" fontAlgn="auto" latinLnBrk="0" hangingPunct="1">
-              <a:lnSpc>
-                <a:spcPct val="100000"/>
-              </a:lnSpc>
-              <a:spcBef>
-                <a:spcPts val="0"/>
-              </a:spcBef>
-              <a:spcAft>
-                <a:spcPts val="0"/>
-              </a:spcAft>
-              <a:buClrTx/>
-              <a:buSzTx/>
-              <a:buFontTx/>
-              <a:buNone/>
-              <a:tabLst/>
-              <a:defRPr/>
-            </a:pPr>
-            <a:endParaRPr kumimoji="0" lang="en-US" sz="1632" b="0" i="0" u="none" strike="noStrike" kern="1200" cap="none" spc="0" normalizeH="0" baseline="0" noProof="0" dirty="0">
-              <a:ln>
-                <a:noFill/>
-              </a:ln>
-              <a:solidFill>
-                <a:prstClr val="black">
-                  <a:lumMod val="75000"/>
-                  <a:lumOff val="25000"/>
-                </a:prstClr>
-              </a:solidFill>
-              <a:effectLst/>
-              <a:uLnTx/>
-              <a:uFillTx/>
-              <a:latin typeface="Segoe UI Light" panose="020B0502040204020203" pitchFamily="34" charset="0"/>
-              <a:ea typeface="+mn-ea"/>
-              <a:cs typeface="Segoe UI Light" panose="020B0502040204020203" pitchFamily="34" charset="0"/>
-            </a:endParaRPr>
-          </a:p>
-          <a:p>
-            <a:pPr marL="0" marR="0" lvl="0" indent="0" algn="l" defTabSz="932597" rtl="0" eaLnBrk="1" fontAlgn="auto" latinLnBrk="0" hangingPunct="1">
-              <a:lnSpc>
-                <a:spcPct val="100000"/>
-              </a:lnSpc>
-              <a:spcBef>
-                <a:spcPts val="0"/>
-              </a:spcBef>
-              <a:spcAft>
-                <a:spcPts val="0"/>
-              </a:spcAft>
-              <a:buClrTx/>
-              <a:buSzTx/>
-              <a:buFontTx/>
-              <a:buNone/>
-              <a:tabLst/>
-              <a:defRPr/>
-            </a:pPr>
-            <a:r>
-              <a:rPr kumimoji="0" lang="en-US" sz="1632" b="0" i="0" u="none" strike="noStrike" kern="1200" cap="none" spc="0" normalizeH="0" baseline="0" noProof="0" dirty="0">
-                <a:ln>
-                  <a:noFill/>
-                </a:ln>
-                <a:solidFill>
-                  <a:prstClr val="black">
-                    <a:lumMod val="75000"/>
-                    <a:lumOff val="25000"/>
-                  </a:prstClr>
-                </a:solidFill>
-                <a:effectLst/>
-                <a:uLnTx/>
-                <a:uFillTx/>
-                <a:latin typeface="Segoe UI Light" panose="020B0502040204020203" pitchFamily="34" charset="0"/>
-                <a:ea typeface="+mn-ea"/>
-                <a:cs typeface="Segoe UI Light" panose="020B0502040204020203" pitchFamily="34" charset="0"/>
-              </a:rPr>
-              <a:t>Durability – majority quorum committed, synchronous and indexed writes</a:t>
-            </a:r>
-          </a:p>
-        </p:txBody>
-      </p:sp>
-      <p:pic>
-        <p:nvPicPr>
-          <p:cNvPr id="29" name="Picture 28"/>
-          <p:cNvPicPr>
-            <a:picLocks noChangeAspect="1"/>
-          </p:cNvPicPr>
-          <p:nvPr/>
-        </p:nvPicPr>
-        <p:blipFill>
-          <a:blip r:embed="rId2"/>
-          <a:stretch>
-            <a:fillRect/>
-          </a:stretch>
-        </p:blipFill>
-        <p:spPr>
-          <a:xfrm>
-            <a:off x="1439448" y="2330748"/>
-            <a:ext cx="3750799" cy="1897232"/>
-          </a:xfrm>
-          <a:prstGeom prst="rect">
-            <a:avLst/>
-          </a:prstGeom>
-        </p:spPr>
-      </p:pic>
-    </p:spTree>
-    <p:extLst>
-      <p:ext uri="{BB962C8B-B14F-4D97-AF65-F5344CB8AC3E}">
-        <p14:creationId xmlns:p14="http://schemas.microsoft.com/office/powerpoint/2010/main" val="2728018351"/>
-      </p:ext>
-    </p:extLst>
-  </p:cSld>
-  <p:clrMapOvr>
-    <a:masterClrMapping/>
-  </p:clrMapOvr>
-  <p:transition>
-    <p:fade/>
-  </p:transition>
-</p:sld>
-</file>
-
-<file path=ppt/slides/slide7.xml><?xml version="1.0" encoding="utf-8"?>
-<p:sld xmlns:a="http://schemas.openxmlformats.org/drawingml/2006/main" xmlns:r="http://schemas.openxmlformats.org/officeDocument/2006/relationships" xmlns:p="http://schemas.openxmlformats.org/presentationml/2006/main">
-  <p:cSld>
-    <p:spTree>
-      <p:nvGrpSpPr>
-        <p:cNvPr id="1" name=""/>
-        <p:cNvGrpSpPr/>
-        <p:nvPr/>
-      </p:nvGrpSpPr>
-      <p:grpSpPr>
-        <a:xfrm>
-          <a:off x="0" y="0"/>
-          <a:ext cx="0" cy="0"/>
-          <a:chOff x="0" y="0"/>
-          <a:chExt cx="0" cy="0"/>
-        </a:xfrm>
-      </p:grpSpPr>
       <p:sp>
         <p:nvSpPr>
           <p:cNvPr id="2" name="TextBox 1"/>
@@ -27621,6 +24206,2943 @@
       <p:bldP spid="3" grpId="0"/>
     </p:bldLst>
   </p:timing>
+</p:sld>
+</file>
+
+<file path=ppt/slides/slide6.xml><?xml version="1.0" encoding="utf-8"?>
+<p:sld xmlns:a="http://schemas.openxmlformats.org/drawingml/2006/main" xmlns:r="http://schemas.openxmlformats.org/officeDocument/2006/relationships" xmlns:p="http://schemas.openxmlformats.org/presentationml/2006/main">
+  <p:cSld>
+    <p:spTree>
+      <p:nvGrpSpPr>
+        <p:cNvPr id="1" name=""/>
+        <p:cNvGrpSpPr/>
+        <p:nvPr/>
+      </p:nvGrpSpPr>
+      <p:grpSpPr>
+        <a:xfrm>
+          <a:off x="0" y="0"/>
+          <a:ext cx="0" cy="0"/>
+          <a:chOff x="0" y="0"/>
+          <a:chExt cx="0" cy="0"/>
+        </a:xfrm>
+      </p:grpSpPr>
+      <p:cxnSp>
+        <p:nvCxnSpPr>
+          <p:cNvPr id="2" name="Straight Connector 1"/>
+          <p:cNvCxnSpPr/>
+          <p:nvPr/>
+        </p:nvCxnSpPr>
+        <p:spPr>
+          <a:xfrm>
+            <a:off x="5676755" y="1619102"/>
+            <a:ext cx="0" cy="3562894"/>
+          </a:xfrm>
+          <a:prstGeom prst="line">
+            <a:avLst/>
+          </a:prstGeom>
+          <a:ln w="12700">
+            <a:solidFill>
+              <a:srgbClr val="7030A0"/>
+            </a:solidFill>
+          </a:ln>
+        </p:spPr>
+        <p:style>
+          <a:lnRef idx="1">
+            <a:schemeClr val="accent1"/>
+          </a:lnRef>
+          <a:fillRef idx="0">
+            <a:schemeClr val="accent1"/>
+          </a:fillRef>
+          <a:effectRef idx="0">
+            <a:schemeClr val="accent1"/>
+          </a:effectRef>
+          <a:fontRef idx="minor">
+            <a:schemeClr val="tx1"/>
+          </a:fontRef>
+        </p:style>
+      </p:cxnSp>
+      <p:sp>
+        <p:nvSpPr>
+          <p:cNvPr id="3" name="TextBox 2"/>
+          <p:cNvSpPr txBox="1"/>
+          <p:nvPr/>
+        </p:nvSpPr>
+        <p:spPr>
+          <a:xfrm>
+            <a:off x="5826098" y="1619103"/>
+            <a:ext cx="4365666" cy="382308"/>
+          </a:xfrm>
+          <a:prstGeom prst="rect">
+            <a:avLst/>
+          </a:prstGeom>
+          <a:noFill/>
+        </p:spPr>
+        <p:txBody>
+          <a:bodyPr wrap="square" rtlCol="0">
+            <a:spAutoFit/>
+          </a:bodyPr>
+          <a:lstStyle/>
+          <a:p>
+            <a:pPr marL="0" marR="0" lvl="0" indent="0" algn="l" defTabSz="932597" rtl="0" eaLnBrk="1" fontAlgn="auto" latinLnBrk="0" hangingPunct="1">
+              <a:lnSpc>
+                <a:spcPct val="100000"/>
+              </a:lnSpc>
+              <a:spcBef>
+                <a:spcPts val="0"/>
+              </a:spcBef>
+              <a:spcAft>
+                <a:spcPts val="0"/>
+              </a:spcAft>
+              <a:buClrTx/>
+              <a:buSzTx/>
+              <a:buFontTx/>
+              <a:buNone/>
+              <a:tabLst/>
+              <a:defRPr/>
+            </a:pPr>
+            <a:r>
+              <a:rPr kumimoji="0" lang="en-US" sz="1836" b="0" i="0" u="none" strike="noStrike" kern="1200" cap="none" spc="0" normalizeH="0" baseline="0" noProof="0" dirty="0">
+                <a:ln>
+                  <a:noFill/>
+                </a:ln>
+                <a:solidFill>
+                  <a:srgbClr val="7030A0"/>
+                </a:solidFill>
+                <a:effectLst/>
+                <a:uLnTx/>
+                <a:uFillTx/>
+                <a:latin typeface="Segoe UI Light" panose="020B0502040204020203" pitchFamily="34" charset="0"/>
+                <a:ea typeface="+mn-ea"/>
+                <a:cs typeface="Segoe UI Light" panose="020B0502040204020203" pitchFamily="34" charset="0"/>
+              </a:rPr>
+              <a:t>Rich SQL and JavaScript queries </a:t>
+            </a:r>
+          </a:p>
+        </p:txBody>
+      </p:sp>
+      <p:sp>
+        <p:nvSpPr>
+          <p:cNvPr id="4" name="TextBox 3"/>
+          <p:cNvSpPr txBox="1"/>
+          <p:nvPr/>
+        </p:nvSpPr>
+        <p:spPr>
+          <a:xfrm>
+            <a:off x="5826098" y="2091229"/>
+            <a:ext cx="5173403" cy="2143438"/>
+          </a:xfrm>
+          <a:prstGeom prst="rect">
+            <a:avLst/>
+          </a:prstGeom>
+          <a:noFill/>
+        </p:spPr>
+        <p:txBody>
+          <a:bodyPr wrap="square" rtlCol="0">
+            <a:spAutoFit/>
+          </a:bodyPr>
+          <a:lstStyle/>
+          <a:p>
+            <a:pPr marL="0" marR="0" lvl="0" indent="0" algn="l" defTabSz="932597" rtl="0" eaLnBrk="1" fontAlgn="auto" latinLnBrk="0" hangingPunct="1">
+              <a:lnSpc>
+                <a:spcPct val="100000"/>
+              </a:lnSpc>
+              <a:spcBef>
+                <a:spcPts val="0"/>
+              </a:spcBef>
+              <a:spcAft>
+                <a:spcPts val="0"/>
+              </a:spcAft>
+              <a:buClrTx/>
+              <a:buSzTx/>
+              <a:buFontTx/>
+              <a:buNone/>
+              <a:tabLst/>
+              <a:defRPr/>
+            </a:pPr>
+            <a:r>
+              <a:rPr kumimoji="0" lang="en-US" sz="1632" b="0" i="0" u="none" strike="noStrike" kern="1200" cap="none" spc="0" normalizeH="0" baseline="0" noProof="0" dirty="0">
+                <a:ln>
+                  <a:noFill/>
+                </a:ln>
+                <a:solidFill>
+                  <a:prstClr val="black">
+                    <a:lumMod val="75000"/>
+                    <a:lumOff val="25000"/>
+                  </a:prstClr>
+                </a:solidFill>
+                <a:effectLst/>
+                <a:uLnTx/>
+                <a:uFillTx/>
+                <a:latin typeface="Segoe UI Light" panose="020B0502040204020203" pitchFamily="34" charset="0"/>
+                <a:ea typeface="+mn-ea"/>
+                <a:cs typeface="Segoe UI Light" panose="020B0502040204020203" pitchFamily="34" charset="0"/>
+              </a:rPr>
+              <a:t>No impedance mismatch </a:t>
+            </a:r>
+          </a:p>
+          <a:p>
+            <a:pPr marL="0" marR="0" lvl="0" indent="0" algn="l" defTabSz="932597" rtl="0" eaLnBrk="1" fontAlgn="auto" latinLnBrk="0" hangingPunct="1">
+              <a:lnSpc>
+                <a:spcPct val="100000"/>
+              </a:lnSpc>
+              <a:spcBef>
+                <a:spcPts val="0"/>
+              </a:spcBef>
+              <a:spcAft>
+                <a:spcPts val="0"/>
+              </a:spcAft>
+              <a:buClrTx/>
+              <a:buSzTx/>
+              <a:buFontTx/>
+              <a:buNone/>
+              <a:tabLst/>
+              <a:defRPr/>
+            </a:pPr>
+            <a:endParaRPr kumimoji="0" lang="en-US" sz="1632" b="0" i="0" u="none" strike="noStrike" kern="1200" cap="none" spc="0" normalizeH="0" baseline="0" noProof="0" dirty="0">
+              <a:ln>
+                <a:noFill/>
+              </a:ln>
+              <a:solidFill>
+                <a:prstClr val="black">
+                  <a:lumMod val="75000"/>
+                  <a:lumOff val="25000"/>
+                </a:prstClr>
+              </a:solidFill>
+              <a:effectLst/>
+              <a:uLnTx/>
+              <a:uFillTx/>
+              <a:latin typeface="Segoe UI Light" panose="020B0502040204020203" pitchFamily="34" charset="0"/>
+              <a:ea typeface="+mn-ea"/>
+              <a:cs typeface="Segoe UI Light" panose="020B0502040204020203" pitchFamily="34" charset="0"/>
+            </a:endParaRPr>
+          </a:p>
+          <a:p>
+            <a:pPr marL="0" marR="0" lvl="0" indent="0" algn="l" defTabSz="932597" rtl="0" eaLnBrk="1" fontAlgn="auto" latinLnBrk="0" hangingPunct="1">
+              <a:lnSpc>
+                <a:spcPct val="100000"/>
+              </a:lnSpc>
+              <a:spcBef>
+                <a:spcPts val="0"/>
+              </a:spcBef>
+              <a:spcAft>
+                <a:spcPts val="0"/>
+              </a:spcAft>
+              <a:buClrTx/>
+              <a:buSzTx/>
+              <a:buFontTx/>
+              <a:buNone/>
+              <a:tabLst/>
+              <a:defRPr/>
+            </a:pPr>
+            <a:r>
+              <a:rPr kumimoji="0" lang="en-US" sz="1632" b="0" i="0" u="none" strike="noStrike" kern="1200" cap="none" spc="0" normalizeH="0" baseline="0" noProof="0" dirty="0">
+                <a:ln>
+                  <a:noFill/>
+                </a:ln>
+                <a:solidFill>
+                  <a:prstClr val="black">
+                    <a:lumMod val="75000"/>
+                    <a:lumOff val="25000"/>
+                  </a:prstClr>
+                </a:solidFill>
+                <a:effectLst/>
+                <a:uLnTx/>
+                <a:uFillTx/>
+                <a:latin typeface="Segoe UI Light" panose="020B0502040204020203" pitchFamily="34" charset="0"/>
+                <a:ea typeface="+mn-ea"/>
+                <a:cs typeface="Segoe UI Light" panose="020B0502040204020203" pitchFamily="34" charset="0"/>
+              </a:rPr>
+              <a:t>Query with SQL and JavaScript </a:t>
+            </a:r>
+          </a:p>
+          <a:p>
+            <a:pPr marL="0" marR="0" lvl="0" indent="0" algn="l" defTabSz="932597" rtl="0" eaLnBrk="1" fontAlgn="auto" latinLnBrk="0" hangingPunct="1">
+              <a:lnSpc>
+                <a:spcPct val="100000"/>
+              </a:lnSpc>
+              <a:spcBef>
+                <a:spcPts val="0"/>
+              </a:spcBef>
+              <a:spcAft>
+                <a:spcPts val="0"/>
+              </a:spcAft>
+              <a:buClrTx/>
+              <a:buSzTx/>
+              <a:buFontTx/>
+              <a:buNone/>
+              <a:tabLst/>
+              <a:defRPr/>
+            </a:pPr>
+            <a:endParaRPr kumimoji="0" lang="en-US" sz="1632" b="0" i="0" u="none" strike="noStrike" kern="1200" cap="none" spc="0" normalizeH="0" baseline="0" noProof="0" dirty="0">
+              <a:ln>
+                <a:noFill/>
+              </a:ln>
+              <a:solidFill>
+                <a:prstClr val="black">
+                  <a:lumMod val="75000"/>
+                  <a:lumOff val="25000"/>
+                </a:prstClr>
+              </a:solidFill>
+              <a:effectLst/>
+              <a:uLnTx/>
+              <a:uFillTx/>
+              <a:latin typeface="Segoe UI Light" panose="020B0502040204020203" pitchFamily="34" charset="0"/>
+              <a:ea typeface="+mn-ea"/>
+              <a:cs typeface="Segoe UI Light" panose="020B0502040204020203" pitchFamily="34" charset="0"/>
+            </a:endParaRPr>
+          </a:p>
+          <a:p>
+            <a:pPr marL="0" marR="0" lvl="0" indent="0" algn="l" defTabSz="932597" rtl="0" eaLnBrk="1" fontAlgn="auto" latinLnBrk="0" hangingPunct="1">
+              <a:lnSpc>
+                <a:spcPct val="100000"/>
+              </a:lnSpc>
+              <a:spcBef>
+                <a:spcPts val="0"/>
+              </a:spcBef>
+              <a:spcAft>
+                <a:spcPts val="0"/>
+              </a:spcAft>
+              <a:buClrTx/>
+              <a:buSzTx/>
+              <a:buFontTx/>
+              <a:buNone/>
+              <a:tabLst/>
+              <a:defRPr/>
+            </a:pPr>
+            <a:r>
+              <a:rPr kumimoji="0" lang="en-US" sz="1632" b="0" i="0" u="none" strike="noStrike" kern="1200" cap="none" spc="0" normalizeH="0" baseline="0" noProof="0" dirty="0">
+                <a:ln>
+                  <a:noFill/>
+                </a:ln>
+                <a:solidFill>
+                  <a:prstClr val="black">
+                    <a:lumMod val="75000"/>
+                    <a:lumOff val="25000"/>
+                  </a:prstClr>
+                </a:solidFill>
+                <a:effectLst/>
+                <a:uLnTx/>
+                <a:uFillTx/>
+                <a:latin typeface="Segoe UI Light" panose="020B0502040204020203" pitchFamily="34" charset="0"/>
+                <a:ea typeface="+mn-ea"/>
+                <a:cs typeface="Segoe UI Light" panose="020B0502040204020203" pitchFamily="34" charset="0"/>
+              </a:rPr>
+              <a:t>Write business logic entirely in JavaScript with stored procedures and triggers </a:t>
+            </a:r>
+          </a:p>
+          <a:p>
+            <a:pPr marL="0" marR="0" lvl="0" indent="0" algn="l" defTabSz="932597" rtl="0" eaLnBrk="1" fontAlgn="auto" latinLnBrk="0" hangingPunct="1">
+              <a:lnSpc>
+                <a:spcPct val="100000"/>
+              </a:lnSpc>
+              <a:spcBef>
+                <a:spcPts val="0"/>
+              </a:spcBef>
+              <a:spcAft>
+                <a:spcPts val="0"/>
+              </a:spcAft>
+              <a:buClrTx/>
+              <a:buSzTx/>
+              <a:buFontTx/>
+              <a:buNone/>
+              <a:tabLst/>
+              <a:defRPr/>
+            </a:pPr>
+            <a:endParaRPr kumimoji="0" lang="en-US" sz="1632" b="0" i="0" u="none" strike="noStrike" kern="1200" cap="none" spc="0" normalizeH="0" baseline="0" noProof="0" dirty="0">
+              <a:ln>
+                <a:noFill/>
+              </a:ln>
+              <a:solidFill>
+                <a:prstClr val="black">
+                  <a:lumMod val="75000"/>
+                  <a:lumOff val="25000"/>
+                </a:prstClr>
+              </a:solidFill>
+              <a:effectLst/>
+              <a:uLnTx/>
+              <a:uFillTx/>
+              <a:latin typeface="Segoe UI Light" panose="020B0502040204020203" pitchFamily="34" charset="0"/>
+              <a:ea typeface="+mn-ea"/>
+              <a:cs typeface="Segoe UI Light" panose="020B0502040204020203" pitchFamily="34" charset="0"/>
+            </a:endParaRPr>
+          </a:p>
+          <a:p>
+            <a:pPr marL="0" marR="0" lvl="0" indent="0" algn="l" defTabSz="932597" rtl="0" eaLnBrk="1" fontAlgn="auto" latinLnBrk="0" hangingPunct="1">
+              <a:lnSpc>
+                <a:spcPct val="100000"/>
+              </a:lnSpc>
+              <a:spcBef>
+                <a:spcPts val="0"/>
+              </a:spcBef>
+              <a:spcAft>
+                <a:spcPts val="0"/>
+              </a:spcAft>
+              <a:buClrTx/>
+              <a:buSzTx/>
+              <a:buFontTx/>
+              <a:buNone/>
+              <a:tabLst/>
+              <a:defRPr/>
+            </a:pPr>
+            <a:endParaRPr kumimoji="0" lang="en-US" sz="1632" b="0" i="0" u="none" strike="noStrike" kern="1200" cap="none" spc="0" normalizeH="0" baseline="0" noProof="0" dirty="0">
+              <a:ln>
+                <a:noFill/>
+              </a:ln>
+              <a:solidFill>
+                <a:prstClr val="black">
+                  <a:lumMod val="75000"/>
+                  <a:lumOff val="25000"/>
+                </a:prstClr>
+              </a:solidFill>
+              <a:effectLst/>
+              <a:uLnTx/>
+              <a:uFillTx/>
+              <a:latin typeface="Segoe UI Light" panose="020B0502040204020203" pitchFamily="34" charset="0"/>
+              <a:ea typeface="+mn-ea"/>
+              <a:cs typeface="Segoe UI Light" panose="020B0502040204020203" pitchFamily="34" charset="0"/>
+            </a:endParaRPr>
+          </a:p>
+        </p:txBody>
+      </p:sp>
+      <p:pic>
+        <p:nvPicPr>
+          <p:cNvPr id="5" name="Picture 4"/>
+          <p:cNvPicPr>
+            <a:picLocks noChangeAspect="1"/>
+          </p:cNvPicPr>
+          <p:nvPr/>
+        </p:nvPicPr>
+        <p:blipFill>
+          <a:blip r:embed="rId2"/>
+          <a:stretch>
+            <a:fillRect/>
+          </a:stretch>
+        </p:blipFill>
+        <p:spPr>
+          <a:xfrm>
+            <a:off x="1502247" y="2457889"/>
+            <a:ext cx="3036189" cy="1397769"/>
+          </a:xfrm>
+          <a:prstGeom prst="rect">
+            <a:avLst/>
+          </a:prstGeom>
+        </p:spPr>
+      </p:pic>
+    </p:spTree>
+    <p:extLst>
+      <p:ext uri="{BB962C8B-B14F-4D97-AF65-F5344CB8AC3E}">
+        <p14:creationId xmlns:p14="http://schemas.microsoft.com/office/powerpoint/2010/main" val="1549823532"/>
+      </p:ext>
+    </p:extLst>
+  </p:cSld>
+  <p:clrMapOvr>
+    <a:masterClrMapping/>
+  </p:clrMapOvr>
+  <p:transition>
+    <p:fade/>
+  </p:transition>
+</p:sld>
+</file>
+
+<file path=ppt/slides/slide7.xml><?xml version="1.0" encoding="utf-8"?>
+<p:sld xmlns:a="http://schemas.openxmlformats.org/drawingml/2006/main" xmlns:r="http://schemas.openxmlformats.org/officeDocument/2006/relationships" xmlns:p="http://schemas.openxmlformats.org/presentationml/2006/main">
+  <p:cSld>
+    <p:spTree>
+      <p:nvGrpSpPr>
+        <p:cNvPr id="1" name=""/>
+        <p:cNvGrpSpPr/>
+        <p:nvPr/>
+      </p:nvGrpSpPr>
+      <p:grpSpPr>
+        <a:xfrm>
+          <a:off x="0" y="0"/>
+          <a:ext cx="0" cy="0"/>
+          <a:chOff x="0" y="0"/>
+          <a:chExt cx="0" cy="0"/>
+        </a:xfrm>
+      </p:grpSpPr>
+      <p:sp>
+        <p:nvSpPr>
+          <p:cNvPr id="2" name="Title 1"/>
+          <p:cNvSpPr>
+            <a:spLocks noGrp="1"/>
+          </p:cNvSpPr>
+          <p:nvPr>
+            <p:ph type="title"/>
+          </p:nvPr>
+        </p:nvSpPr>
+        <p:spPr/>
+        <p:txBody>
+          <a:bodyPr/>
+          <a:lstStyle/>
+          <a:p>
+            <a:r>
+              <a:rPr lang="en-US" dirty="0">
+                <a:solidFill>
+                  <a:schemeClr val="tx1"/>
+                </a:solidFill>
+                <a:hlinkClick r:id="rId3"/>
+              </a:rPr>
+              <a:t>Consistency Levels</a:t>
+            </a:r>
+            <a:endParaRPr lang="en-US" dirty="0">
+              <a:solidFill>
+                <a:schemeClr val="tx1"/>
+              </a:solidFill>
+            </a:endParaRPr>
+          </a:p>
+        </p:txBody>
+      </p:sp>
+      <p:sp>
+        <p:nvSpPr>
+          <p:cNvPr id="3" name="Text Placeholder 2"/>
+          <p:cNvSpPr>
+            <a:spLocks noGrp="1"/>
+          </p:cNvSpPr>
+          <p:nvPr>
+            <p:ph type="body" sz="quarter" idx="10"/>
+          </p:nvPr>
+        </p:nvSpPr>
+        <p:spPr>
+          <a:xfrm>
+            <a:off x="366590" y="1371901"/>
+            <a:ext cx="11702660" cy="1834348"/>
+          </a:xfrm>
+        </p:spPr>
+        <p:txBody>
+          <a:bodyPr/>
+          <a:lstStyle/>
+          <a:p>
+            <a:pPr marL="457170" indent="-457170">
+              <a:buFont typeface="Arial" panose="020B0604020202020204" pitchFamily="34" charset="0"/>
+              <a:buChar char="•"/>
+            </a:pPr>
+            <a:r>
+              <a:rPr lang="en-US" sz="3600" dirty="0">
+                <a:solidFill>
+                  <a:schemeClr val="tx1"/>
+                </a:solidFill>
+              </a:rPr>
+              <a:t>Strong, Eventual, Bounded Staleness, and Session</a:t>
+            </a:r>
+          </a:p>
+          <a:p>
+            <a:endParaRPr lang="en-US" sz="3600" dirty="0">
+              <a:solidFill>
+                <a:schemeClr val="tx1"/>
+              </a:solidFill>
+            </a:endParaRPr>
+          </a:p>
+          <a:p>
+            <a:endParaRPr lang="en-US" sz="3600" dirty="0">
+              <a:solidFill>
+                <a:schemeClr val="tx1"/>
+              </a:solidFill>
+            </a:endParaRPr>
+          </a:p>
+        </p:txBody>
+      </p:sp>
+      <p:sp>
+        <p:nvSpPr>
+          <p:cNvPr id="7" name="Rectangle 6"/>
+          <p:cNvSpPr/>
+          <p:nvPr/>
+        </p:nvSpPr>
+        <p:spPr bwMode="auto">
+          <a:xfrm>
+            <a:off x="9699" y="2800938"/>
+            <a:ext cx="12210442" cy="3989239"/>
+          </a:xfrm>
+          <a:prstGeom prst="rect">
+            <a:avLst/>
+          </a:prstGeom>
+          <a:noFill/>
+          <a:ln>
+            <a:noFill/>
+            <a:headEnd type="none" w="med" len="med"/>
+            <a:tailEnd type="none" w="med" len="med"/>
+          </a:ln>
+        </p:spPr>
+        <p:style>
+          <a:lnRef idx="1">
+            <a:schemeClr val="accent2"/>
+          </a:lnRef>
+          <a:fillRef idx="2">
+            <a:schemeClr val="accent2"/>
+          </a:fillRef>
+          <a:effectRef idx="1">
+            <a:schemeClr val="accent2"/>
+          </a:effectRef>
+          <a:fontRef idx="minor">
+            <a:schemeClr val="dk1"/>
+          </a:fontRef>
+        </p:style>
+        <p:txBody>
+          <a:bodyPr rot="0" spcFirstLastPara="0" vertOverflow="overflow" horzOverflow="overflow" vert="horz" wrap="square" lIns="45714" tIns="45714" rIns="45714" bIns="45714" numCol="1" spcCol="0" rtlCol="0" fromWordArt="0" anchor="t" anchorCtr="0" forceAA="0" compatLnSpc="1">
+            <a:prstTxWarp prst="textNoShape">
+              <a:avLst/>
+            </a:prstTxWarp>
+            <a:noAutofit/>
+          </a:bodyPr>
+          <a:lstStyle/>
+          <a:p>
+            <a:pPr defTabSz="914039" fontAlgn="base">
+              <a:spcBef>
+                <a:spcPct val="0"/>
+              </a:spcBef>
+              <a:spcAft>
+                <a:spcPct val="0"/>
+              </a:spcAft>
+            </a:pPr>
+            <a:endParaRPr lang="en-US" sz="1199" dirty="0">
+              <a:solidFill>
+                <a:schemeClr val="tx1"/>
+              </a:solidFill>
+              <a:latin typeface="+mj-lt"/>
+              <a:ea typeface="Segoe UI" pitchFamily="34" charset="0"/>
+              <a:cs typeface="Segoe UI" pitchFamily="34" charset="0"/>
+            </a:endParaRPr>
+          </a:p>
+        </p:txBody>
+      </p:sp>
+      <p:sp>
+        <p:nvSpPr>
+          <p:cNvPr id="8" name="Rounded Rectangle 7"/>
+          <p:cNvSpPr/>
+          <p:nvPr/>
+        </p:nvSpPr>
+        <p:spPr>
+          <a:xfrm rot="5400000">
+            <a:off x="5945058" y="-2107749"/>
+            <a:ext cx="142920" cy="10351357"/>
+          </a:xfrm>
+          <a:prstGeom prst="roundRect">
+            <a:avLst/>
+          </a:prstGeom>
+          <a:solidFill>
+            <a:srgbClr val="92D050"/>
+          </a:solidFill>
+        </p:spPr>
+        <p:style>
+          <a:lnRef idx="2">
+            <a:schemeClr val="dk1"/>
+          </a:lnRef>
+          <a:fillRef idx="1">
+            <a:schemeClr val="lt1"/>
+          </a:fillRef>
+          <a:effectRef idx="0">
+            <a:schemeClr val="dk1"/>
+          </a:effectRef>
+          <a:fontRef idx="minor">
+            <a:schemeClr val="dk1"/>
+          </a:fontRef>
+        </p:style>
+        <p:txBody>
+          <a:bodyPr rtlCol="0" anchor="ctr"/>
+          <a:lstStyle/>
+          <a:p>
+            <a:pPr algn="ctr"/>
+            <a:endParaRPr lang="en-US" sz="1801"/>
+          </a:p>
+        </p:txBody>
+      </p:sp>
+      <p:cxnSp>
+        <p:nvCxnSpPr>
+          <p:cNvPr id="9" name="Straight Connector 8"/>
+          <p:cNvCxnSpPr/>
+          <p:nvPr/>
+        </p:nvCxnSpPr>
+        <p:spPr>
+          <a:xfrm rot="5400000">
+            <a:off x="4270571" y="3058962"/>
+            <a:ext cx="316194" cy="0"/>
+          </a:xfrm>
+          <a:prstGeom prst="line">
+            <a:avLst/>
+          </a:prstGeom>
+          <a:solidFill>
+            <a:srgbClr val="92D050"/>
+          </a:solidFill>
+        </p:spPr>
+        <p:style>
+          <a:lnRef idx="2">
+            <a:schemeClr val="dk1"/>
+          </a:lnRef>
+          <a:fillRef idx="0">
+            <a:schemeClr val="dk1"/>
+          </a:fillRef>
+          <a:effectRef idx="1">
+            <a:schemeClr val="dk1"/>
+          </a:effectRef>
+          <a:fontRef idx="minor">
+            <a:schemeClr val="tx1"/>
+          </a:fontRef>
+        </p:style>
+      </p:cxnSp>
+      <p:cxnSp>
+        <p:nvCxnSpPr>
+          <p:cNvPr id="10" name="Straight Connector 9"/>
+          <p:cNvCxnSpPr/>
+          <p:nvPr/>
+        </p:nvCxnSpPr>
+        <p:spPr>
+          <a:xfrm rot="5400000">
+            <a:off x="6729709" y="3088527"/>
+            <a:ext cx="316194" cy="0"/>
+          </a:xfrm>
+          <a:prstGeom prst="line">
+            <a:avLst/>
+          </a:prstGeom>
+          <a:solidFill>
+            <a:srgbClr val="92D050"/>
+          </a:solidFill>
+        </p:spPr>
+        <p:style>
+          <a:lnRef idx="2">
+            <a:schemeClr val="dk1"/>
+          </a:lnRef>
+          <a:fillRef idx="0">
+            <a:schemeClr val="dk1"/>
+          </a:fillRef>
+          <a:effectRef idx="1">
+            <a:schemeClr val="dk1"/>
+          </a:effectRef>
+          <a:fontRef idx="minor">
+            <a:schemeClr val="tx1"/>
+          </a:fontRef>
+        </p:style>
+      </p:cxnSp>
+      <p:cxnSp>
+        <p:nvCxnSpPr>
+          <p:cNvPr id="11" name="Straight Connector 10"/>
+          <p:cNvCxnSpPr/>
+          <p:nvPr/>
+        </p:nvCxnSpPr>
+        <p:spPr>
+          <a:xfrm rot="5400000">
+            <a:off x="9460549" y="3093425"/>
+            <a:ext cx="316194" cy="0"/>
+          </a:xfrm>
+          <a:prstGeom prst="line">
+            <a:avLst/>
+          </a:prstGeom>
+          <a:solidFill>
+            <a:srgbClr val="92D050"/>
+          </a:solidFill>
+        </p:spPr>
+        <p:style>
+          <a:lnRef idx="2">
+            <a:schemeClr val="dk1"/>
+          </a:lnRef>
+          <a:fillRef idx="0">
+            <a:schemeClr val="dk1"/>
+          </a:fillRef>
+          <a:effectRef idx="1">
+            <a:schemeClr val="dk1"/>
+          </a:effectRef>
+          <a:fontRef idx="minor">
+            <a:schemeClr val="tx1"/>
+          </a:fontRef>
+        </p:style>
+      </p:cxnSp>
+      <p:cxnSp>
+        <p:nvCxnSpPr>
+          <p:cNvPr id="12" name="Straight Connector 11"/>
+          <p:cNvCxnSpPr/>
+          <p:nvPr/>
+        </p:nvCxnSpPr>
+        <p:spPr>
+          <a:xfrm rot="5400000">
+            <a:off x="1634580" y="3058970"/>
+            <a:ext cx="316194" cy="0"/>
+          </a:xfrm>
+          <a:prstGeom prst="line">
+            <a:avLst/>
+          </a:prstGeom>
+          <a:solidFill>
+            <a:srgbClr val="92D050"/>
+          </a:solidFill>
+        </p:spPr>
+        <p:style>
+          <a:lnRef idx="2">
+            <a:schemeClr val="dk1"/>
+          </a:lnRef>
+          <a:fillRef idx="0">
+            <a:schemeClr val="dk1"/>
+          </a:fillRef>
+          <a:effectRef idx="1">
+            <a:schemeClr val="dk1"/>
+          </a:effectRef>
+          <a:fontRef idx="minor">
+            <a:schemeClr val="tx1"/>
+          </a:fontRef>
+        </p:style>
+      </p:cxnSp>
+      <p:sp>
+        <p:nvSpPr>
+          <p:cNvPr id="13" name="TextBox 12"/>
+          <p:cNvSpPr txBox="1"/>
+          <p:nvPr/>
+        </p:nvSpPr>
+        <p:spPr>
+          <a:xfrm>
+            <a:off x="1477555" y="3214007"/>
+            <a:ext cx="671168" cy="261610"/>
+          </a:xfrm>
+          <a:prstGeom prst="rect">
+            <a:avLst/>
+          </a:prstGeom>
+          <a:solidFill>
+            <a:schemeClr val="accent6">
+              <a:lumMod val="20000"/>
+              <a:lumOff val="80000"/>
+            </a:schemeClr>
+          </a:solidFill>
+          <a:ln>
+            <a:solidFill>
+              <a:schemeClr val="accent6"/>
+            </a:solidFill>
+          </a:ln>
+        </p:spPr>
+        <p:txBody>
+          <a:bodyPr wrap="square" rtlCol="0">
+            <a:spAutoFit/>
+          </a:bodyPr>
+          <a:lstStyle/>
+          <a:p>
+            <a:r>
+              <a:rPr lang="en-US" sz="1100" i="1" dirty="0">
+                <a:solidFill>
+                  <a:prstClr val="black">
+                    <a:lumMod val="75000"/>
+                    <a:lumOff val="25000"/>
+                  </a:prstClr>
+                </a:solidFill>
+              </a:rPr>
+              <a:t>Strong</a:t>
+            </a:r>
+          </a:p>
+        </p:txBody>
+      </p:sp>
+      <p:sp>
+        <p:nvSpPr>
+          <p:cNvPr id="14" name="TextBox 13"/>
+          <p:cNvSpPr txBox="1"/>
+          <p:nvPr/>
+        </p:nvSpPr>
+        <p:spPr>
+          <a:xfrm>
+            <a:off x="3812994" y="3232409"/>
+            <a:ext cx="1321527" cy="261610"/>
+          </a:xfrm>
+          <a:prstGeom prst="rect">
+            <a:avLst/>
+          </a:prstGeom>
+          <a:solidFill>
+            <a:schemeClr val="accent6">
+              <a:lumMod val="20000"/>
+              <a:lumOff val="80000"/>
+            </a:schemeClr>
+          </a:solidFill>
+          <a:ln>
+            <a:solidFill>
+              <a:schemeClr val="accent6"/>
+            </a:solidFill>
+          </a:ln>
+        </p:spPr>
+        <p:txBody>
+          <a:bodyPr wrap="square" rtlCol="0">
+            <a:spAutoFit/>
+          </a:bodyPr>
+          <a:lstStyle/>
+          <a:p>
+            <a:r>
+              <a:rPr lang="en-US" sz="1100" i="1" dirty="0">
+                <a:solidFill>
+                  <a:prstClr val="black">
+                    <a:lumMod val="75000"/>
+                    <a:lumOff val="25000"/>
+                  </a:prstClr>
+                </a:solidFill>
+              </a:rPr>
+              <a:t>Bounded Staleness</a:t>
+            </a:r>
+          </a:p>
+        </p:txBody>
+      </p:sp>
+      <p:sp>
+        <p:nvSpPr>
+          <p:cNvPr id="15" name="TextBox 14"/>
+          <p:cNvSpPr txBox="1"/>
+          <p:nvPr/>
+        </p:nvSpPr>
+        <p:spPr>
+          <a:xfrm>
+            <a:off x="6641334" y="3218326"/>
+            <a:ext cx="876304" cy="261610"/>
+          </a:xfrm>
+          <a:prstGeom prst="rect">
+            <a:avLst/>
+          </a:prstGeom>
+          <a:solidFill>
+            <a:schemeClr val="accent6">
+              <a:lumMod val="20000"/>
+              <a:lumOff val="80000"/>
+            </a:schemeClr>
+          </a:solidFill>
+          <a:ln>
+            <a:solidFill>
+              <a:schemeClr val="accent6"/>
+            </a:solidFill>
+          </a:ln>
+        </p:spPr>
+        <p:txBody>
+          <a:bodyPr wrap="square" rtlCol="0">
+            <a:spAutoFit/>
+          </a:bodyPr>
+          <a:lstStyle/>
+          <a:p>
+            <a:r>
+              <a:rPr lang="en-US" sz="1100" i="1" dirty="0">
+                <a:solidFill>
+                  <a:prstClr val="black">
+                    <a:lumMod val="75000"/>
+                    <a:lumOff val="25000"/>
+                  </a:prstClr>
+                </a:solidFill>
+              </a:rPr>
+              <a:t>Session</a:t>
+            </a:r>
+          </a:p>
+        </p:txBody>
+      </p:sp>
+      <p:sp>
+        <p:nvSpPr>
+          <p:cNvPr id="16" name="TextBox 15"/>
+          <p:cNvSpPr txBox="1"/>
+          <p:nvPr/>
+        </p:nvSpPr>
+        <p:spPr>
+          <a:xfrm>
+            <a:off x="9270925" y="3231590"/>
+            <a:ext cx="973277" cy="261610"/>
+          </a:xfrm>
+          <a:prstGeom prst="rect">
+            <a:avLst/>
+          </a:prstGeom>
+          <a:solidFill>
+            <a:schemeClr val="accent6">
+              <a:lumMod val="20000"/>
+              <a:lumOff val="80000"/>
+            </a:schemeClr>
+          </a:solidFill>
+          <a:ln>
+            <a:solidFill>
+              <a:schemeClr val="accent6"/>
+            </a:solidFill>
+          </a:ln>
+        </p:spPr>
+        <p:txBody>
+          <a:bodyPr wrap="square" rtlCol="0">
+            <a:spAutoFit/>
+          </a:bodyPr>
+          <a:lstStyle/>
+          <a:p>
+            <a:r>
+              <a:rPr lang="en-US" sz="1100" i="1" dirty="0">
+                <a:solidFill>
+                  <a:prstClr val="black">
+                    <a:lumMod val="75000"/>
+                    <a:lumOff val="25000"/>
+                  </a:prstClr>
+                </a:solidFill>
+              </a:rPr>
+              <a:t>Eventual</a:t>
+            </a:r>
+          </a:p>
+        </p:txBody>
+      </p:sp>
+      <p:sp>
+        <p:nvSpPr>
+          <p:cNvPr id="17" name="TextBox 16"/>
+          <p:cNvSpPr txBox="1"/>
+          <p:nvPr/>
+        </p:nvSpPr>
+        <p:spPr>
+          <a:xfrm>
+            <a:off x="1189751" y="2709512"/>
+            <a:ext cx="10002447" cy="261610"/>
+          </a:xfrm>
+          <a:prstGeom prst="rect">
+            <a:avLst/>
+          </a:prstGeom>
+          <a:solidFill>
+            <a:srgbClr val="FFFF00"/>
+          </a:solidFill>
+        </p:spPr>
+        <p:txBody>
+          <a:bodyPr wrap="square" rtlCol="0">
+            <a:spAutoFit/>
+          </a:bodyPr>
+          <a:lstStyle/>
+          <a:p>
+            <a:r>
+              <a:rPr lang="en-US" sz="1100" b="1" i="1" dirty="0">
+                <a:solidFill>
+                  <a:prstClr val="black">
+                    <a:lumMod val="75000"/>
+                    <a:lumOff val="25000"/>
+                  </a:prstClr>
+                </a:solidFill>
+              </a:rPr>
+              <a:t>LEFT TO RIGHT </a:t>
+            </a:r>
+            <a:r>
+              <a:rPr lang="en-US" sz="1100" b="1" i="1" dirty="0">
+                <a:solidFill>
+                  <a:prstClr val="black">
+                    <a:lumMod val="75000"/>
+                    <a:lumOff val="25000"/>
+                  </a:prstClr>
+                </a:solidFill>
+                <a:sym typeface="Wingdings" panose="05000000000000000000" pitchFamily="2" charset="2"/>
+              </a:rPr>
+              <a:t> </a:t>
+            </a:r>
+            <a:r>
+              <a:rPr lang="en-US" sz="1100" b="1" i="1" dirty="0">
+                <a:solidFill>
+                  <a:prstClr val="black">
+                    <a:lumMod val="75000"/>
+                    <a:lumOff val="25000"/>
+                  </a:prstClr>
+                </a:solidFill>
+              </a:rPr>
+              <a:t>   </a:t>
+            </a:r>
+            <a:r>
+              <a:rPr lang="en-US" sz="1100" i="1" dirty="0">
+                <a:solidFill>
+                  <a:prstClr val="black">
+                    <a:lumMod val="75000"/>
+                    <a:lumOff val="25000"/>
+                  </a:prstClr>
+                </a:solidFill>
+              </a:rPr>
+              <a:t>Weaker Consistency, Better Read scalability, Lower write latency</a:t>
+            </a:r>
+          </a:p>
+        </p:txBody>
+      </p:sp>
+      <p:cxnSp>
+        <p:nvCxnSpPr>
+          <p:cNvPr id="18" name="Straight Arrow Connector 17"/>
+          <p:cNvCxnSpPr/>
+          <p:nvPr/>
+        </p:nvCxnSpPr>
+        <p:spPr>
+          <a:xfrm flipV="1">
+            <a:off x="840841" y="3065973"/>
+            <a:ext cx="10744705" cy="3183"/>
+          </a:xfrm>
+          <a:prstGeom prst="straightConnector1">
+            <a:avLst/>
+          </a:prstGeom>
+          <a:ln>
+            <a:tailEnd type="triangle"/>
+          </a:ln>
+        </p:spPr>
+        <p:style>
+          <a:lnRef idx="1">
+            <a:schemeClr val="accent1"/>
+          </a:lnRef>
+          <a:fillRef idx="0">
+            <a:schemeClr val="accent1"/>
+          </a:fillRef>
+          <a:effectRef idx="0">
+            <a:schemeClr val="accent1"/>
+          </a:effectRef>
+          <a:fontRef idx="minor">
+            <a:schemeClr val="tx1"/>
+          </a:fontRef>
+        </p:style>
+      </p:cxnSp>
+      <p:sp>
+        <p:nvSpPr>
+          <p:cNvPr id="19" name="Flowchart: Document 18"/>
+          <p:cNvSpPr/>
+          <p:nvPr/>
+        </p:nvSpPr>
+        <p:spPr>
+          <a:xfrm>
+            <a:off x="1287368" y="3753508"/>
+            <a:ext cx="1011612" cy="265025"/>
+          </a:xfrm>
+          <a:prstGeom prst="flowChartDocument">
+            <a:avLst/>
+          </a:prstGeom>
+          <a:solidFill>
+            <a:schemeClr val="accent1">
+              <a:lumMod val="20000"/>
+              <a:lumOff val="80000"/>
+            </a:schemeClr>
+          </a:solidFill>
+          <a:ln>
+            <a:solidFill>
+              <a:schemeClr val="accent1">
+                <a:lumMod val="20000"/>
+                <a:lumOff val="80000"/>
+              </a:schemeClr>
+            </a:solidFill>
+          </a:ln>
+        </p:spPr>
+        <p:style>
+          <a:lnRef idx="1">
+            <a:schemeClr val="accent4"/>
+          </a:lnRef>
+          <a:fillRef idx="2">
+            <a:schemeClr val="accent4"/>
+          </a:fillRef>
+          <a:effectRef idx="1">
+            <a:schemeClr val="accent4"/>
+          </a:effectRef>
+          <a:fontRef idx="minor">
+            <a:schemeClr val="dk1"/>
+          </a:fontRef>
+        </p:style>
+        <p:txBody>
+          <a:bodyPr rtlCol="0" anchor="ctr"/>
+          <a:lstStyle/>
+          <a:p>
+            <a:pPr algn="ctr"/>
+            <a:r>
+              <a:rPr lang="en-US" sz="1199" dirty="0"/>
+              <a:t>Client</a:t>
+            </a:r>
+            <a:endParaRPr lang="en-US" sz="1399" dirty="0"/>
+          </a:p>
+        </p:txBody>
+      </p:sp>
+      <p:sp>
+        <p:nvSpPr>
+          <p:cNvPr id="20" name="Oval 36"/>
+          <p:cNvSpPr>
+            <a:spLocks noChangeArrowheads="1"/>
+          </p:cNvSpPr>
+          <p:nvPr/>
+        </p:nvSpPr>
+        <p:spPr bwMode="auto">
+          <a:xfrm>
+            <a:off x="853494" y="4359960"/>
+            <a:ext cx="406092" cy="297304"/>
+          </a:xfrm>
+          <a:prstGeom prst="ellipse">
+            <a:avLst/>
+          </a:prstGeom>
+          <a:ln>
+            <a:headEnd/>
+            <a:tailEnd/>
+          </a:ln>
+        </p:spPr>
+        <p:style>
+          <a:lnRef idx="1">
+            <a:schemeClr val="accent2"/>
+          </a:lnRef>
+          <a:fillRef idx="2">
+            <a:schemeClr val="accent2"/>
+          </a:fillRef>
+          <a:effectRef idx="1">
+            <a:schemeClr val="accent2"/>
+          </a:effectRef>
+          <a:fontRef idx="minor">
+            <a:schemeClr val="dk1"/>
+          </a:fontRef>
+        </p:style>
+        <p:txBody>
+          <a:bodyPr vert="horz" wrap="none" lIns="91376" tIns="45689" rIns="91376" bIns="45689" numCol="1" anchor="ctr" anchorCtr="0" compatLnSpc="1">
+            <a:prstTxWarp prst="textNoShape">
+              <a:avLst/>
+            </a:prstTxWarp>
+          </a:bodyPr>
+          <a:lstStyle/>
+          <a:p>
+            <a:pPr algn="ctr" defTabSz="1218321">
+              <a:spcBef>
+                <a:spcPct val="0"/>
+              </a:spcBef>
+              <a:defRPr/>
+            </a:pPr>
+            <a:r>
+              <a:rPr lang="en-US" sz="1399" kern="0" dirty="0">
+                <a:solidFill>
+                  <a:srgbClr val="3981B6"/>
+                </a:solidFill>
+                <a:latin typeface="Arial" charset="0"/>
+              </a:rPr>
+              <a:t>P</a:t>
+            </a:r>
+          </a:p>
+        </p:txBody>
+      </p:sp>
+      <p:sp>
+        <p:nvSpPr>
+          <p:cNvPr id="21" name="Oval 52"/>
+          <p:cNvSpPr>
+            <a:spLocks noChangeArrowheads="1"/>
+          </p:cNvSpPr>
+          <p:nvPr/>
+        </p:nvSpPr>
+        <p:spPr bwMode="auto">
+          <a:xfrm>
+            <a:off x="1833065" y="4390939"/>
+            <a:ext cx="417112" cy="278904"/>
+          </a:xfrm>
+          <a:prstGeom prst="ellipse">
+            <a:avLst/>
+          </a:prstGeom>
+          <a:ln>
+            <a:headEnd/>
+            <a:tailEnd/>
+          </a:ln>
+        </p:spPr>
+        <p:style>
+          <a:lnRef idx="1">
+            <a:schemeClr val="accent5"/>
+          </a:lnRef>
+          <a:fillRef idx="2">
+            <a:schemeClr val="accent5"/>
+          </a:fillRef>
+          <a:effectRef idx="1">
+            <a:schemeClr val="accent5"/>
+          </a:effectRef>
+          <a:fontRef idx="minor">
+            <a:schemeClr val="dk1"/>
+          </a:fontRef>
+        </p:style>
+        <p:txBody>
+          <a:bodyPr vert="horz" wrap="none" lIns="91376" tIns="45689" rIns="91376" bIns="45689" numCol="1" anchor="ctr" anchorCtr="0" compatLnSpc="1">
+            <a:prstTxWarp prst="textNoShape">
+              <a:avLst/>
+            </a:prstTxWarp>
+          </a:bodyPr>
+          <a:lstStyle/>
+          <a:p>
+            <a:pPr algn="ctr" defTabSz="1218321">
+              <a:spcBef>
+                <a:spcPct val="0"/>
+              </a:spcBef>
+              <a:defRPr/>
+            </a:pPr>
+            <a:r>
+              <a:rPr lang="en-US" sz="1399" kern="0" dirty="0">
+                <a:solidFill>
+                  <a:srgbClr val="3981B6"/>
+                </a:solidFill>
+                <a:latin typeface="Arial" charset="0"/>
+              </a:rPr>
+              <a:t>S</a:t>
+            </a:r>
+          </a:p>
+        </p:txBody>
+      </p:sp>
+      <p:sp>
+        <p:nvSpPr>
+          <p:cNvPr id="22" name="Oval 52"/>
+          <p:cNvSpPr>
+            <a:spLocks noChangeArrowheads="1"/>
+          </p:cNvSpPr>
+          <p:nvPr/>
+        </p:nvSpPr>
+        <p:spPr bwMode="auto">
+          <a:xfrm>
+            <a:off x="1343798" y="4378361"/>
+            <a:ext cx="417112" cy="278904"/>
+          </a:xfrm>
+          <a:prstGeom prst="ellipse">
+            <a:avLst/>
+          </a:prstGeom>
+          <a:ln>
+            <a:headEnd/>
+            <a:tailEnd/>
+          </a:ln>
+        </p:spPr>
+        <p:style>
+          <a:lnRef idx="1">
+            <a:schemeClr val="accent5"/>
+          </a:lnRef>
+          <a:fillRef idx="2">
+            <a:schemeClr val="accent5"/>
+          </a:fillRef>
+          <a:effectRef idx="1">
+            <a:schemeClr val="accent5"/>
+          </a:effectRef>
+          <a:fontRef idx="minor">
+            <a:schemeClr val="dk1"/>
+          </a:fontRef>
+        </p:style>
+        <p:txBody>
+          <a:bodyPr vert="horz" wrap="none" lIns="91376" tIns="45689" rIns="91376" bIns="45689" numCol="1" anchor="ctr" anchorCtr="0" compatLnSpc="1">
+            <a:prstTxWarp prst="textNoShape">
+              <a:avLst/>
+            </a:prstTxWarp>
+          </a:bodyPr>
+          <a:lstStyle/>
+          <a:p>
+            <a:pPr algn="ctr" defTabSz="1218321">
+              <a:spcBef>
+                <a:spcPct val="0"/>
+              </a:spcBef>
+              <a:defRPr/>
+            </a:pPr>
+            <a:r>
+              <a:rPr lang="en-US" sz="1399" kern="0" dirty="0">
+                <a:solidFill>
+                  <a:srgbClr val="3981B6"/>
+                </a:solidFill>
+                <a:latin typeface="Arial" charset="0"/>
+              </a:rPr>
+              <a:t>S</a:t>
+            </a:r>
+          </a:p>
+        </p:txBody>
+      </p:sp>
+      <p:sp>
+        <p:nvSpPr>
+          <p:cNvPr id="23" name="Line 62"/>
+          <p:cNvSpPr>
+            <a:spLocks noChangeShapeType="1"/>
+          </p:cNvSpPr>
+          <p:nvPr/>
+        </p:nvSpPr>
+        <p:spPr bwMode="auto">
+          <a:xfrm flipV="1">
+            <a:off x="1565786" y="4070008"/>
+            <a:ext cx="26828" cy="316917"/>
+          </a:xfrm>
+          <a:prstGeom prst="line">
+            <a:avLst/>
+          </a:prstGeom>
+          <a:noFill/>
+          <a:ln w="9525" cap="flat" cmpd="sng" algn="ctr">
+            <a:solidFill>
+              <a:schemeClr val="tx1"/>
+            </a:solidFill>
+            <a:prstDash val="solid"/>
+            <a:headEnd/>
+            <a:tailEnd type="stealth" w="lg" len="lg"/>
+          </a:ln>
+          <a:effectLst/>
+        </p:spPr>
+        <p:txBody>
+          <a:bodyPr vert="horz" wrap="square" lIns="91376" tIns="45689" rIns="91376" bIns="45689" numCol="1" anchor="t" anchorCtr="0" compatLnSpc="1">
+            <a:prstTxWarp prst="textNoShape">
+              <a:avLst/>
+            </a:prstTxWarp>
+          </a:bodyPr>
+          <a:lstStyle/>
+          <a:p>
+            <a:pPr defTabSz="1218321">
+              <a:defRPr/>
+            </a:pPr>
+            <a:endParaRPr lang="en-US" sz="1399" kern="0" dirty="0">
+              <a:solidFill>
+                <a:srgbClr val="3981B6"/>
+              </a:solidFill>
+            </a:endParaRPr>
+          </a:p>
+        </p:txBody>
+      </p:sp>
+      <p:sp>
+        <p:nvSpPr>
+          <p:cNvPr id="24" name="Line 61"/>
+          <p:cNvSpPr>
+            <a:spLocks noChangeShapeType="1"/>
+          </p:cNvSpPr>
+          <p:nvPr/>
+        </p:nvSpPr>
+        <p:spPr bwMode="auto">
+          <a:xfrm>
+            <a:off x="1431827" y="4058453"/>
+            <a:ext cx="14583" cy="328473"/>
+          </a:xfrm>
+          <a:prstGeom prst="line">
+            <a:avLst/>
+          </a:prstGeom>
+          <a:noFill/>
+          <a:ln w="9525" cap="flat" cmpd="sng" algn="ctr">
+            <a:solidFill>
+              <a:schemeClr val="tx1"/>
+            </a:solidFill>
+            <a:prstDash val="solid"/>
+            <a:headEnd/>
+            <a:tailEnd type="stealth" w="lg" len="lg"/>
+          </a:ln>
+          <a:effectLst/>
+        </p:spPr>
+        <p:txBody>
+          <a:bodyPr vert="horz" wrap="square" lIns="91376" tIns="45689" rIns="91376" bIns="45689" numCol="1" anchor="t" anchorCtr="0" compatLnSpc="1">
+            <a:prstTxWarp prst="textNoShape">
+              <a:avLst/>
+            </a:prstTxWarp>
+          </a:bodyPr>
+          <a:lstStyle/>
+          <a:p>
+            <a:pPr defTabSz="1218321">
+              <a:defRPr/>
+            </a:pPr>
+            <a:endParaRPr lang="en-US" sz="1399" kern="0" dirty="0">
+              <a:solidFill>
+                <a:srgbClr val="3981B6"/>
+              </a:solidFill>
+            </a:endParaRPr>
+          </a:p>
+        </p:txBody>
+      </p:sp>
+      <p:sp>
+        <p:nvSpPr>
+          <p:cNvPr id="25" name="Line 61"/>
+          <p:cNvSpPr>
+            <a:spLocks noChangeShapeType="1"/>
+          </p:cNvSpPr>
+          <p:nvPr/>
+        </p:nvSpPr>
+        <p:spPr bwMode="auto">
+          <a:xfrm>
+            <a:off x="1902721" y="4070009"/>
+            <a:ext cx="53459" cy="316917"/>
+          </a:xfrm>
+          <a:prstGeom prst="line">
+            <a:avLst/>
+          </a:prstGeom>
+          <a:noFill/>
+          <a:ln w="9525" cap="flat" cmpd="sng" algn="ctr">
+            <a:solidFill>
+              <a:schemeClr val="tx1"/>
+            </a:solidFill>
+            <a:prstDash val="solid"/>
+            <a:headEnd/>
+            <a:tailEnd type="stealth" w="lg" len="lg"/>
+          </a:ln>
+          <a:effectLst/>
+        </p:spPr>
+        <p:txBody>
+          <a:bodyPr vert="horz" wrap="square" lIns="91376" tIns="45689" rIns="91376" bIns="45689" numCol="1" anchor="t" anchorCtr="0" compatLnSpc="1">
+            <a:prstTxWarp prst="textNoShape">
+              <a:avLst/>
+            </a:prstTxWarp>
+          </a:bodyPr>
+          <a:lstStyle/>
+          <a:p>
+            <a:pPr defTabSz="1218321">
+              <a:defRPr/>
+            </a:pPr>
+            <a:endParaRPr lang="en-US" sz="1399" kern="0" dirty="0">
+              <a:solidFill>
+                <a:srgbClr val="3981B6"/>
+              </a:solidFill>
+            </a:endParaRPr>
+          </a:p>
+        </p:txBody>
+      </p:sp>
+      <p:sp>
+        <p:nvSpPr>
+          <p:cNvPr id="26" name="Line 62"/>
+          <p:cNvSpPr>
+            <a:spLocks noChangeShapeType="1"/>
+          </p:cNvSpPr>
+          <p:nvPr/>
+        </p:nvSpPr>
+        <p:spPr bwMode="auto">
+          <a:xfrm flipV="1">
+            <a:off x="2056850" y="4019901"/>
+            <a:ext cx="22768" cy="367025"/>
+          </a:xfrm>
+          <a:prstGeom prst="line">
+            <a:avLst/>
+          </a:prstGeom>
+          <a:noFill/>
+          <a:ln w="9525" cap="flat" cmpd="sng" algn="ctr">
+            <a:solidFill>
+              <a:schemeClr val="tx1"/>
+            </a:solidFill>
+            <a:prstDash val="solid"/>
+            <a:headEnd/>
+            <a:tailEnd type="stealth" w="lg" len="lg"/>
+          </a:ln>
+          <a:effectLst/>
+        </p:spPr>
+        <p:txBody>
+          <a:bodyPr vert="horz" wrap="square" lIns="91376" tIns="45689" rIns="91376" bIns="45689" numCol="1" anchor="t" anchorCtr="0" compatLnSpc="1">
+            <a:prstTxWarp prst="textNoShape">
+              <a:avLst/>
+            </a:prstTxWarp>
+          </a:bodyPr>
+          <a:lstStyle/>
+          <a:p>
+            <a:pPr defTabSz="1218321">
+              <a:defRPr/>
+            </a:pPr>
+            <a:endParaRPr lang="en-US" sz="1399" kern="0" dirty="0">
+              <a:solidFill>
+                <a:srgbClr val="3981B6"/>
+              </a:solidFill>
+            </a:endParaRPr>
+          </a:p>
+        </p:txBody>
+      </p:sp>
+      <p:sp>
+        <p:nvSpPr>
+          <p:cNvPr id="27" name="Flowchart: Document 26"/>
+          <p:cNvSpPr/>
+          <p:nvPr/>
+        </p:nvSpPr>
+        <p:spPr>
+          <a:xfrm>
+            <a:off x="4013316" y="3739531"/>
+            <a:ext cx="1011612" cy="265025"/>
+          </a:xfrm>
+          <a:prstGeom prst="flowChartDocument">
+            <a:avLst/>
+          </a:prstGeom>
+          <a:solidFill>
+            <a:schemeClr val="accent1">
+              <a:lumMod val="20000"/>
+              <a:lumOff val="80000"/>
+            </a:schemeClr>
+          </a:solidFill>
+          <a:ln>
+            <a:solidFill>
+              <a:schemeClr val="accent1">
+                <a:lumMod val="20000"/>
+                <a:lumOff val="80000"/>
+              </a:schemeClr>
+            </a:solidFill>
+          </a:ln>
+        </p:spPr>
+        <p:style>
+          <a:lnRef idx="1">
+            <a:schemeClr val="accent4"/>
+          </a:lnRef>
+          <a:fillRef idx="2">
+            <a:schemeClr val="accent4"/>
+          </a:fillRef>
+          <a:effectRef idx="1">
+            <a:schemeClr val="accent4"/>
+          </a:effectRef>
+          <a:fontRef idx="minor">
+            <a:schemeClr val="dk1"/>
+          </a:fontRef>
+        </p:style>
+        <p:txBody>
+          <a:bodyPr rtlCol="0" anchor="ctr"/>
+          <a:lstStyle/>
+          <a:p>
+            <a:pPr algn="ctr"/>
+            <a:r>
+              <a:rPr lang="en-US" sz="1199" dirty="0"/>
+              <a:t>Client</a:t>
+            </a:r>
+            <a:endParaRPr lang="en-US" sz="1399" dirty="0"/>
+          </a:p>
+        </p:txBody>
+      </p:sp>
+      <p:sp>
+        <p:nvSpPr>
+          <p:cNvPr id="28" name="Oval 36"/>
+          <p:cNvSpPr>
+            <a:spLocks noChangeArrowheads="1"/>
+          </p:cNvSpPr>
+          <p:nvPr/>
+        </p:nvSpPr>
+        <p:spPr bwMode="auto">
+          <a:xfrm>
+            <a:off x="3611511" y="4385859"/>
+            <a:ext cx="406092" cy="297304"/>
+          </a:xfrm>
+          <a:prstGeom prst="ellipse">
+            <a:avLst/>
+          </a:prstGeom>
+          <a:ln>
+            <a:headEnd/>
+            <a:tailEnd/>
+          </a:ln>
+        </p:spPr>
+        <p:style>
+          <a:lnRef idx="1">
+            <a:schemeClr val="accent2"/>
+          </a:lnRef>
+          <a:fillRef idx="2">
+            <a:schemeClr val="accent2"/>
+          </a:fillRef>
+          <a:effectRef idx="1">
+            <a:schemeClr val="accent2"/>
+          </a:effectRef>
+          <a:fontRef idx="minor">
+            <a:schemeClr val="dk1"/>
+          </a:fontRef>
+        </p:style>
+        <p:txBody>
+          <a:bodyPr vert="horz" wrap="none" lIns="91376" tIns="45689" rIns="91376" bIns="45689" numCol="1" anchor="ctr" anchorCtr="0" compatLnSpc="1">
+            <a:prstTxWarp prst="textNoShape">
+              <a:avLst/>
+            </a:prstTxWarp>
+          </a:bodyPr>
+          <a:lstStyle/>
+          <a:p>
+            <a:pPr algn="ctr" defTabSz="1218321">
+              <a:spcBef>
+                <a:spcPct val="0"/>
+              </a:spcBef>
+              <a:defRPr/>
+            </a:pPr>
+            <a:r>
+              <a:rPr lang="en-US" sz="1399" kern="0" dirty="0">
+                <a:solidFill>
+                  <a:srgbClr val="3981B6"/>
+                </a:solidFill>
+                <a:latin typeface="Arial" charset="0"/>
+              </a:rPr>
+              <a:t>P</a:t>
+            </a:r>
+          </a:p>
+        </p:txBody>
+      </p:sp>
+      <p:sp>
+        <p:nvSpPr>
+          <p:cNvPr id="29" name="Oval 52"/>
+          <p:cNvSpPr>
+            <a:spLocks noChangeArrowheads="1"/>
+          </p:cNvSpPr>
+          <p:nvPr/>
+        </p:nvSpPr>
+        <p:spPr bwMode="auto">
+          <a:xfrm>
+            <a:off x="4591082" y="4416840"/>
+            <a:ext cx="417112" cy="278904"/>
+          </a:xfrm>
+          <a:prstGeom prst="ellipse">
+            <a:avLst/>
+          </a:prstGeom>
+          <a:ln>
+            <a:headEnd/>
+            <a:tailEnd/>
+          </a:ln>
+        </p:spPr>
+        <p:style>
+          <a:lnRef idx="1">
+            <a:schemeClr val="accent5"/>
+          </a:lnRef>
+          <a:fillRef idx="2">
+            <a:schemeClr val="accent5"/>
+          </a:fillRef>
+          <a:effectRef idx="1">
+            <a:schemeClr val="accent5"/>
+          </a:effectRef>
+          <a:fontRef idx="minor">
+            <a:schemeClr val="dk1"/>
+          </a:fontRef>
+        </p:style>
+        <p:txBody>
+          <a:bodyPr vert="horz" wrap="none" lIns="91376" tIns="45689" rIns="91376" bIns="45689" numCol="1" anchor="ctr" anchorCtr="0" compatLnSpc="1">
+            <a:prstTxWarp prst="textNoShape">
+              <a:avLst/>
+            </a:prstTxWarp>
+          </a:bodyPr>
+          <a:lstStyle/>
+          <a:p>
+            <a:pPr algn="ctr" defTabSz="1218321">
+              <a:spcBef>
+                <a:spcPct val="0"/>
+              </a:spcBef>
+              <a:defRPr/>
+            </a:pPr>
+            <a:r>
+              <a:rPr lang="en-US" sz="1399" kern="0" dirty="0">
+                <a:solidFill>
+                  <a:srgbClr val="3981B6"/>
+                </a:solidFill>
+                <a:latin typeface="Arial" charset="0"/>
+              </a:rPr>
+              <a:t>S</a:t>
+            </a:r>
+          </a:p>
+        </p:txBody>
+      </p:sp>
+      <p:sp>
+        <p:nvSpPr>
+          <p:cNvPr id="30" name="Oval 52"/>
+          <p:cNvSpPr>
+            <a:spLocks noChangeArrowheads="1"/>
+          </p:cNvSpPr>
+          <p:nvPr/>
+        </p:nvSpPr>
+        <p:spPr bwMode="auto">
+          <a:xfrm>
+            <a:off x="4101815" y="4404261"/>
+            <a:ext cx="417112" cy="278904"/>
+          </a:xfrm>
+          <a:prstGeom prst="ellipse">
+            <a:avLst/>
+          </a:prstGeom>
+          <a:ln>
+            <a:headEnd/>
+            <a:tailEnd/>
+          </a:ln>
+        </p:spPr>
+        <p:style>
+          <a:lnRef idx="1">
+            <a:schemeClr val="accent5"/>
+          </a:lnRef>
+          <a:fillRef idx="2">
+            <a:schemeClr val="accent5"/>
+          </a:fillRef>
+          <a:effectRef idx="1">
+            <a:schemeClr val="accent5"/>
+          </a:effectRef>
+          <a:fontRef idx="minor">
+            <a:schemeClr val="dk1"/>
+          </a:fontRef>
+        </p:style>
+        <p:txBody>
+          <a:bodyPr vert="horz" wrap="none" lIns="91376" tIns="45689" rIns="91376" bIns="45689" numCol="1" anchor="ctr" anchorCtr="0" compatLnSpc="1">
+            <a:prstTxWarp prst="textNoShape">
+              <a:avLst/>
+            </a:prstTxWarp>
+          </a:bodyPr>
+          <a:lstStyle/>
+          <a:p>
+            <a:pPr algn="ctr" defTabSz="1218321">
+              <a:spcBef>
+                <a:spcPct val="0"/>
+              </a:spcBef>
+              <a:defRPr/>
+            </a:pPr>
+            <a:r>
+              <a:rPr lang="en-US" sz="1399" kern="0" dirty="0">
+                <a:solidFill>
+                  <a:srgbClr val="3981B6"/>
+                </a:solidFill>
+                <a:latin typeface="Arial" charset="0"/>
+              </a:rPr>
+              <a:t>S</a:t>
+            </a:r>
+          </a:p>
+        </p:txBody>
+      </p:sp>
+      <p:sp>
+        <p:nvSpPr>
+          <p:cNvPr id="31" name="Line 62"/>
+          <p:cNvSpPr>
+            <a:spLocks noChangeShapeType="1"/>
+          </p:cNvSpPr>
+          <p:nvPr/>
+        </p:nvSpPr>
+        <p:spPr bwMode="auto">
+          <a:xfrm flipH="1" flipV="1">
+            <a:off x="4318562" y="4056031"/>
+            <a:ext cx="15939" cy="372127"/>
+          </a:xfrm>
+          <a:prstGeom prst="line">
+            <a:avLst/>
+          </a:prstGeom>
+          <a:noFill/>
+          <a:ln w="9525" cap="flat" cmpd="sng" algn="ctr">
+            <a:solidFill>
+              <a:schemeClr val="tx1"/>
+            </a:solidFill>
+            <a:prstDash val="solid"/>
+            <a:headEnd/>
+            <a:tailEnd type="stealth" w="lg" len="lg"/>
+          </a:ln>
+          <a:effectLst/>
+        </p:spPr>
+        <p:txBody>
+          <a:bodyPr vert="horz" wrap="square" lIns="91376" tIns="45689" rIns="91376" bIns="45689" numCol="1" anchor="t" anchorCtr="0" compatLnSpc="1">
+            <a:prstTxWarp prst="textNoShape">
+              <a:avLst/>
+            </a:prstTxWarp>
+          </a:bodyPr>
+          <a:lstStyle/>
+          <a:p>
+            <a:pPr defTabSz="1218321">
+              <a:defRPr/>
+            </a:pPr>
+            <a:endParaRPr lang="en-US" sz="1399" kern="0" dirty="0">
+              <a:solidFill>
+                <a:srgbClr val="3981B6"/>
+              </a:solidFill>
+            </a:endParaRPr>
+          </a:p>
+        </p:txBody>
+      </p:sp>
+      <p:sp>
+        <p:nvSpPr>
+          <p:cNvPr id="32" name="Line 61"/>
+          <p:cNvSpPr>
+            <a:spLocks noChangeShapeType="1"/>
+          </p:cNvSpPr>
+          <p:nvPr/>
+        </p:nvSpPr>
+        <p:spPr bwMode="auto">
+          <a:xfrm>
+            <a:off x="4157774" y="4044478"/>
+            <a:ext cx="84388" cy="446779"/>
+          </a:xfrm>
+          <a:prstGeom prst="line">
+            <a:avLst/>
+          </a:prstGeom>
+          <a:noFill/>
+          <a:ln w="9525" cap="flat" cmpd="sng" algn="ctr">
+            <a:solidFill>
+              <a:schemeClr val="tx1"/>
+            </a:solidFill>
+            <a:prstDash val="solid"/>
+            <a:headEnd/>
+            <a:tailEnd type="stealth" w="lg" len="lg"/>
+          </a:ln>
+          <a:effectLst/>
+        </p:spPr>
+        <p:txBody>
+          <a:bodyPr vert="horz" wrap="square" lIns="91376" tIns="45689" rIns="91376" bIns="45689" numCol="1" anchor="t" anchorCtr="0" compatLnSpc="1">
+            <a:prstTxWarp prst="textNoShape">
+              <a:avLst/>
+            </a:prstTxWarp>
+          </a:bodyPr>
+          <a:lstStyle/>
+          <a:p>
+            <a:pPr defTabSz="1218321">
+              <a:defRPr/>
+            </a:pPr>
+            <a:endParaRPr lang="en-US" sz="1399" kern="0" dirty="0">
+              <a:solidFill>
+                <a:srgbClr val="3981B6"/>
+              </a:solidFill>
+            </a:endParaRPr>
+          </a:p>
+        </p:txBody>
+      </p:sp>
+      <p:sp>
+        <p:nvSpPr>
+          <p:cNvPr id="33" name="Line 61"/>
+          <p:cNvSpPr>
+            <a:spLocks noChangeShapeType="1"/>
+          </p:cNvSpPr>
+          <p:nvPr/>
+        </p:nvSpPr>
+        <p:spPr bwMode="auto">
+          <a:xfrm>
+            <a:off x="4628670" y="4056035"/>
+            <a:ext cx="80286" cy="372126"/>
+          </a:xfrm>
+          <a:prstGeom prst="line">
+            <a:avLst/>
+          </a:prstGeom>
+          <a:noFill/>
+          <a:ln w="9525" cap="flat" cmpd="sng" algn="ctr">
+            <a:solidFill>
+              <a:schemeClr val="tx1"/>
+            </a:solidFill>
+            <a:prstDash val="solid"/>
+            <a:headEnd/>
+            <a:tailEnd type="stealth" w="lg" len="lg"/>
+          </a:ln>
+          <a:effectLst/>
+        </p:spPr>
+        <p:txBody>
+          <a:bodyPr vert="horz" wrap="square" lIns="91376" tIns="45689" rIns="91376" bIns="45689" numCol="1" anchor="t" anchorCtr="0" compatLnSpc="1">
+            <a:prstTxWarp prst="textNoShape">
+              <a:avLst/>
+            </a:prstTxWarp>
+          </a:bodyPr>
+          <a:lstStyle/>
+          <a:p>
+            <a:pPr defTabSz="1218321">
+              <a:defRPr/>
+            </a:pPr>
+            <a:endParaRPr lang="en-US" sz="1399" kern="0" dirty="0">
+              <a:solidFill>
+                <a:srgbClr val="3981B6"/>
+              </a:solidFill>
+            </a:endParaRPr>
+          </a:p>
+        </p:txBody>
+      </p:sp>
+      <p:sp>
+        <p:nvSpPr>
+          <p:cNvPr id="34" name="Line 62"/>
+          <p:cNvSpPr>
+            <a:spLocks noChangeShapeType="1"/>
+          </p:cNvSpPr>
+          <p:nvPr/>
+        </p:nvSpPr>
+        <p:spPr bwMode="auto">
+          <a:xfrm flipV="1">
+            <a:off x="4791524" y="4005925"/>
+            <a:ext cx="14041" cy="385428"/>
+          </a:xfrm>
+          <a:prstGeom prst="line">
+            <a:avLst/>
+          </a:prstGeom>
+          <a:noFill/>
+          <a:ln w="9525" cap="flat" cmpd="sng" algn="ctr">
+            <a:solidFill>
+              <a:schemeClr val="tx1"/>
+            </a:solidFill>
+            <a:prstDash val="solid"/>
+            <a:headEnd/>
+            <a:tailEnd type="stealth" w="lg" len="lg"/>
+          </a:ln>
+          <a:effectLst/>
+        </p:spPr>
+        <p:txBody>
+          <a:bodyPr vert="horz" wrap="square" lIns="91376" tIns="45689" rIns="91376" bIns="45689" numCol="1" anchor="t" anchorCtr="0" compatLnSpc="1">
+            <a:prstTxWarp prst="textNoShape">
+              <a:avLst/>
+            </a:prstTxWarp>
+          </a:bodyPr>
+          <a:lstStyle/>
+          <a:p>
+            <a:pPr defTabSz="1218321">
+              <a:defRPr/>
+            </a:pPr>
+            <a:endParaRPr lang="en-US" sz="1399" kern="0" dirty="0">
+              <a:solidFill>
+                <a:srgbClr val="3981B6"/>
+              </a:solidFill>
+            </a:endParaRPr>
+          </a:p>
+        </p:txBody>
+      </p:sp>
+      <p:sp>
+        <p:nvSpPr>
+          <p:cNvPr id="35" name="Flowchart: Document 34"/>
+          <p:cNvSpPr/>
+          <p:nvPr/>
+        </p:nvSpPr>
+        <p:spPr>
+          <a:xfrm>
+            <a:off x="9442015" y="3751329"/>
+            <a:ext cx="659343" cy="255918"/>
+          </a:xfrm>
+          <a:prstGeom prst="flowChartDocument">
+            <a:avLst/>
+          </a:prstGeom>
+          <a:solidFill>
+            <a:schemeClr val="accent1">
+              <a:lumMod val="20000"/>
+              <a:lumOff val="80000"/>
+            </a:schemeClr>
+          </a:solidFill>
+          <a:ln>
+            <a:solidFill>
+              <a:schemeClr val="accent1">
+                <a:lumMod val="20000"/>
+                <a:lumOff val="80000"/>
+              </a:schemeClr>
+            </a:solidFill>
+          </a:ln>
+        </p:spPr>
+        <p:style>
+          <a:lnRef idx="1">
+            <a:schemeClr val="accent4"/>
+          </a:lnRef>
+          <a:fillRef idx="2">
+            <a:schemeClr val="accent4"/>
+          </a:fillRef>
+          <a:effectRef idx="1">
+            <a:schemeClr val="accent4"/>
+          </a:effectRef>
+          <a:fontRef idx="minor">
+            <a:schemeClr val="dk1"/>
+          </a:fontRef>
+        </p:style>
+        <p:txBody>
+          <a:bodyPr rtlCol="0" anchor="ctr"/>
+          <a:lstStyle/>
+          <a:p>
+            <a:pPr algn="ctr"/>
+            <a:r>
+              <a:rPr lang="en-US" sz="1199" dirty="0"/>
+              <a:t>Client</a:t>
+            </a:r>
+            <a:endParaRPr lang="en-US" sz="1399" dirty="0"/>
+          </a:p>
+        </p:txBody>
+      </p:sp>
+      <p:sp>
+        <p:nvSpPr>
+          <p:cNvPr id="36" name="Oval 36"/>
+          <p:cNvSpPr>
+            <a:spLocks noChangeArrowheads="1"/>
+          </p:cNvSpPr>
+          <p:nvPr/>
+        </p:nvSpPr>
+        <p:spPr bwMode="auto">
+          <a:xfrm>
+            <a:off x="8876598" y="4374486"/>
+            <a:ext cx="406092" cy="297304"/>
+          </a:xfrm>
+          <a:prstGeom prst="ellipse">
+            <a:avLst/>
+          </a:prstGeom>
+          <a:ln>
+            <a:headEnd/>
+            <a:tailEnd/>
+          </a:ln>
+        </p:spPr>
+        <p:style>
+          <a:lnRef idx="1">
+            <a:schemeClr val="accent2"/>
+          </a:lnRef>
+          <a:fillRef idx="2">
+            <a:schemeClr val="accent2"/>
+          </a:fillRef>
+          <a:effectRef idx="1">
+            <a:schemeClr val="accent2"/>
+          </a:effectRef>
+          <a:fontRef idx="minor">
+            <a:schemeClr val="dk1"/>
+          </a:fontRef>
+        </p:style>
+        <p:txBody>
+          <a:bodyPr vert="horz" wrap="none" lIns="91376" tIns="45689" rIns="91376" bIns="45689" numCol="1" anchor="ctr" anchorCtr="0" compatLnSpc="1">
+            <a:prstTxWarp prst="textNoShape">
+              <a:avLst/>
+            </a:prstTxWarp>
+          </a:bodyPr>
+          <a:lstStyle/>
+          <a:p>
+            <a:pPr algn="ctr" defTabSz="1218321">
+              <a:spcBef>
+                <a:spcPct val="0"/>
+              </a:spcBef>
+              <a:defRPr/>
+            </a:pPr>
+            <a:r>
+              <a:rPr lang="en-US" sz="1399" kern="0" dirty="0">
+                <a:solidFill>
+                  <a:srgbClr val="3981B6"/>
+                </a:solidFill>
+                <a:latin typeface="Arial" charset="0"/>
+              </a:rPr>
+              <a:t>P</a:t>
+            </a:r>
+          </a:p>
+        </p:txBody>
+      </p:sp>
+      <p:sp>
+        <p:nvSpPr>
+          <p:cNvPr id="37" name="Oval 52"/>
+          <p:cNvSpPr>
+            <a:spLocks noChangeArrowheads="1"/>
+          </p:cNvSpPr>
+          <p:nvPr/>
+        </p:nvSpPr>
+        <p:spPr bwMode="auto">
+          <a:xfrm>
+            <a:off x="9827090" y="4367075"/>
+            <a:ext cx="417112" cy="278904"/>
+          </a:xfrm>
+          <a:prstGeom prst="ellipse">
+            <a:avLst/>
+          </a:prstGeom>
+          <a:ln>
+            <a:headEnd/>
+            <a:tailEnd/>
+          </a:ln>
+        </p:spPr>
+        <p:style>
+          <a:lnRef idx="1">
+            <a:schemeClr val="accent5"/>
+          </a:lnRef>
+          <a:fillRef idx="2">
+            <a:schemeClr val="accent5"/>
+          </a:fillRef>
+          <a:effectRef idx="1">
+            <a:schemeClr val="accent5"/>
+          </a:effectRef>
+          <a:fontRef idx="minor">
+            <a:schemeClr val="dk1"/>
+          </a:fontRef>
+        </p:style>
+        <p:txBody>
+          <a:bodyPr vert="horz" wrap="none" lIns="91376" tIns="45689" rIns="91376" bIns="45689" numCol="1" anchor="ctr" anchorCtr="0" compatLnSpc="1">
+            <a:prstTxWarp prst="textNoShape">
+              <a:avLst/>
+            </a:prstTxWarp>
+          </a:bodyPr>
+          <a:lstStyle/>
+          <a:p>
+            <a:pPr algn="ctr" defTabSz="1218321">
+              <a:spcBef>
+                <a:spcPct val="0"/>
+              </a:spcBef>
+              <a:defRPr/>
+            </a:pPr>
+            <a:r>
+              <a:rPr lang="en-US" sz="1399" kern="0" dirty="0">
+                <a:solidFill>
+                  <a:srgbClr val="3981B6"/>
+                </a:solidFill>
+                <a:latin typeface="Arial" charset="0"/>
+              </a:rPr>
+              <a:t>S</a:t>
+            </a:r>
+          </a:p>
+        </p:txBody>
+      </p:sp>
+      <p:sp>
+        <p:nvSpPr>
+          <p:cNvPr id="38" name="Oval 52"/>
+          <p:cNvSpPr>
+            <a:spLocks noChangeArrowheads="1"/>
+          </p:cNvSpPr>
+          <p:nvPr/>
+        </p:nvSpPr>
+        <p:spPr bwMode="auto">
+          <a:xfrm>
+            <a:off x="9358869" y="4373858"/>
+            <a:ext cx="417112" cy="278904"/>
+          </a:xfrm>
+          <a:prstGeom prst="ellipse">
+            <a:avLst/>
+          </a:prstGeom>
+          <a:ln>
+            <a:headEnd/>
+            <a:tailEnd/>
+          </a:ln>
+        </p:spPr>
+        <p:style>
+          <a:lnRef idx="1">
+            <a:schemeClr val="accent5"/>
+          </a:lnRef>
+          <a:fillRef idx="2">
+            <a:schemeClr val="accent5"/>
+          </a:fillRef>
+          <a:effectRef idx="1">
+            <a:schemeClr val="accent5"/>
+          </a:effectRef>
+          <a:fontRef idx="minor">
+            <a:schemeClr val="dk1"/>
+          </a:fontRef>
+        </p:style>
+        <p:txBody>
+          <a:bodyPr vert="horz" wrap="none" lIns="91376" tIns="45689" rIns="91376" bIns="45689" numCol="1" anchor="ctr" anchorCtr="0" compatLnSpc="1">
+            <a:prstTxWarp prst="textNoShape">
+              <a:avLst/>
+            </a:prstTxWarp>
+          </a:bodyPr>
+          <a:lstStyle/>
+          <a:p>
+            <a:pPr algn="ctr" defTabSz="1218321">
+              <a:spcBef>
+                <a:spcPct val="0"/>
+              </a:spcBef>
+              <a:defRPr/>
+            </a:pPr>
+            <a:r>
+              <a:rPr lang="en-US" sz="1399" kern="0" dirty="0">
+                <a:solidFill>
+                  <a:srgbClr val="3981B6"/>
+                </a:solidFill>
+                <a:latin typeface="Arial" charset="0"/>
+              </a:rPr>
+              <a:t>S</a:t>
+            </a:r>
+          </a:p>
+        </p:txBody>
+      </p:sp>
+      <p:sp>
+        <p:nvSpPr>
+          <p:cNvPr id="39" name="Line 61"/>
+          <p:cNvSpPr>
+            <a:spLocks noChangeShapeType="1"/>
+          </p:cNvSpPr>
+          <p:nvPr/>
+        </p:nvSpPr>
+        <p:spPr bwMode="auto">
+          <a:xfrm>
+            <a:off x="9691775" y="4053084"/>
+            <a:ext cx="217100" cy="265264"/>
+          </a:xfrm>
+          <a:prstGeom prst="line">
+            <a:avLst/>
+          </a:prstGeom>
+          <a:noFill/>
+          <a:ln w="9525" cap="flat" cmpd="sng" algn="ctr">
+            <a:solidFill>
+              <a:schemeClr val="tx1"/>
+            </a:solidFill>
+            <a:prstDash val="solid"/>
+            <a:headEnd/>
+            <a:tailEnd type="stealth" w="lg" len="lg"/>
+          </a:ln>
+          <a:effectLst/>
+        </p:spPr>
+        <p:txBody>
+          <a:bodyPr vert="horz" wrap="square" lIns="91376" tIns="45689" rIns="91376" bIns="45689" numCol="1" anchor="t" anchorCtr="0" compatLnSpc="1">
+            <a:prstTxWarp prst="textNoShape">
+              <a:avLst/>
+            </a:prstTxWarp>
+          </a:bodyPr>
+          <a:lstStyle/>
+          <a:p>
+            <a:pPr defTabSz="1218321">
+              <a:defRPr/>
+            </a:pPr>
+            <a:endParaRPr lang="en-US" sz="1399" kern="0" dirty="0">
+              <a:solidFill>
+                <a:srgbClr val="3981B6"/>
+              </a:solidFill>
+            </a:endParaRPr>
+          </a:p>
+        </p:txBody>
+      </p:sp>
+      <p:sp>
+        <p:nvSpPr>
+          <p:cNvPr id="40" name="Line 62"/>
+          <p:cNvSpPr>
+            <a:spLocks noChangeShapeType="1"/>
+          </p:cNvSpPr>
+          <p:nvPr/>
+        </p:nvSpPr>
+        <p:spPr bwMode="auto">
+          <a:xfrm flipH="1" flipV="1">
+            <a:off x="9827089" y="4022102"/>
+            <a:ext cx="185977" cy="233533"/>
+          </a:xfrm>
+          <a:prstGeom prst="line">
+            <a:avLst/>
+          </a:prstGeom>
+          <a:noFill/>
+          <a:ln w="9525" cap="flat" cmpd="sng" algn="ctr">
+            <a:solidFill>
+              <a:schemeClr val="tx1"/>
+            </a:solidFill>
+            <a:prstDash val="solid"/>
+            <a:headEnd/>
+            <a:tailEnd type="stealth" w="lg" len="lg"/>
+          </a:ln>
+          <a:effectLst/>
+        </p:spPr>
+        <p:txBody>
+          <a:bodyPr vert="horz" wrap="square" lIns="91376" tIns="45689" rIns="91376" bIns="45689" numCol="1" anchor="t" anchorCtr="0" compatLnSpc="1">
+            <a:prstTxWarp prst="textNoShape">
+              <a:avLst/>
+            </a:prstTxWarp>
+          </a:bodyPr>
+          <a:lstStyle/>
+          <a:p>
+            <a:pPr defTabSz="1218321">
+              <a:defRPr/>
+            </a:pPr>
+            <a:endParaRPr lang="en-US" sz="1399" kern="0" dirty="0">
+              <a:solidFill>
+                <a:srgbClr val="3981B6"/>
+              </a:solidFill>
+            </a:endParaRPr>
+          </a:p>
+        </p:txBody>
+      </p:sp>
+      <p:sp>
+        <p:nvSpPr>
+          <p:cNvPr id="41" name="Flowchart: Document 40"/>
+          <p:cNvSpPr/>
+          <p:nvPr/>
+        </p:nvSpPr>
+        <p:spPr>
+          <a:xfrm>
+            <a:off x="6302597" y="3721517"/>
+            <a:ext cx="692359" cy="265025"/>
+          </a:xfrm>
+          <a:prstGeom prst="flowChartDocument">
+            <a:avLst/>
+          </a:prstGeom>
+          <a:solidFill>
+            <a:schemeClr val="accent1">
+              <a:lumMod val="20000"/>
+              <a:lumOff val="80000"/>
+            </a:schemeClr>
+          </a:solidFill>
+          <a:ln>
+            <a:solidFill>
+              <a:schemeClr val="accent1">
+                <a:lumMod val="20000"/>
+                <a:lumOff val="80000"/>
+              </a:schemeClr>
+            </a:solidFill>
+          </a:ln>
+        </p:spPr>
+        <p:style>
+          <a:lnRef idx="1">
+            <a:schemeClr val="accent4"/>
+          </a:lnRef>
+          <a:fillRef idx="2">
+            <a:schemeClr val="accent4"/>
+          </a:fillRef>
+          <a:effectRef idx="1">
+            <a:schemeClr val="accent4"/>
+          </a:effectRef>
+          <a:fontRef idx="minor">
+            <a:schemeClr val="dk1"/>
+          </a:fontRef>
+        </p:style>
+        <p:txBody>
+          <a:bodyPr rtlCol="0" anchor="ctr"/>
+          <a:lstStyle/>
+          <a:p>
+            <a:pPr algn="ctr"/>
+            <a:r>
+              <a:rPr lang="en-US" sz="1199" dirty="0"/>
+              <a:t>Client</a:t>
+            </a:r>
+            <a:endParaRPr lang="en-US" sz="1399" dirty="0"/>
+          </a:p>
+        </p:txBody>
+      </p:sp>
+      <p:sp>
+        <p:nvSpPr>
+          <p:cNvPr id="42" name="Oval 36"/>
+          <p:cNvSpPr>
+            <a:spLocks noChangeArrowheads="1"/>
+          </p:cNvSpPr>
+          <p:nvPr/>
+        </p:nvSpPr>
+        <p:spPr bwMode="auto">
+          <a:xfrm>
+            <a:off x="6111805" y="4294951"/>
+            <a:ext cx="406092" cy="297304"/>
+          </a:xfrm>
+          <a:prstGeom prst="ellipse">
+            <a:avLst/>
+          </a:prstGeom>
+          <a:ln>
+            <a:headEnd/>
+            <a:tailEnd/>
+          </a:ln>
+        </p:spPr>
+        <p:style>
+          <a:lnRef idx="1">
+            <a:schemeClr val="accent2"/>
+          </a:lnRef>
+          <a:fillRef idx="2">
+            <a:schemeClr val="accent2"/>
+          </a:fillRef>
+          <a:effectRef idx="1">
+            <a:schemeClr val="accent2"/>
+          </a:effectRef>
+          <a:fontRef idx="minor">
+            <a:schemeClr val="dk1"/>
+          </a:fontRef>
+        </p:style>
+        <p:txBody>
+          <a:bodyPr vert="horz" wrap="none" lIns="91376" tIns="45689" rIns="91376" bIns="45689" numCol="1" anchor="ctr" anchorCtr="0" compatLnSpc="1">
+            <a:prstTxWarp prst="textNoShape">
+              <a:avLst/>
+            </a:prstTxWarp>
+          </a:bodyPr>
+          <a:lstStyle/>
+          <a:p>
+            <a:pPr algn="ctr" defTabSz="1218321">
+              <a:spcBef>
+                <a:spcPct val="0"/>
+              </a:spcBef>
+              <a:defRPr/>
+            </a:pPr>
+            <a:r>
+              <a:rPr lang="en-US" sz="1399" kern="0" dirty="0">
+                <a:solidFill>
+                  <a:srgbClr val="3981B6"/>
+                </a:solidFill>
+                <a:latin typeface="Arial" charset="0"/>
+              </a:rPr>
+              <a:t>P</a:t>
+            </a:r>
+          </a:p>
+        </p:txBody>
+      </p:sp>
+      <p:sp>
+        <p:nvSpPr>
+          <p:cNvPr id="43" name="Oval 52"/>
+          <p:cNvSpPr>
+            <a:spLocks noChangeArrowheads="1"/>
+          </p:cNvSpPr>
+          <p:nvPr/>
+        </p:nvSpPr>
+        <p:spPr bwMode="auto">
+          <a:xfrm>
+            <a:off x="7054595" y="4305553"/>
+            <a:ext cx="417112" cy="278904"/>
+          </a:xfrm>
+          <a:prstGeom prst="ellipse">
+            <a:avLst/>
+          </a:prstGeom>
+          <a:ln>
+            <a:headEnd/>
+            <a:tailEnd/>
+          </a:ln>
+        </p:spPr>
+        <p:style>
+          <a:lnRef idx="1">
+            <a:schemeClr val="accent5"/>
+          </a:lnRef>
+          <a:fillRef idx="2">
+            <a:schemeClr val="accent5"/>
+          </a:fillRef>
+          <a:effectRef idx="1">
+            <a:schemeClr val="accent5"/>
+          </a:effectRef>
+          <a:fontRef idx="minor">
+            <a:schemeClr val="dk1"/>
+          </a:fontRef>
+        </p:style>
+        <p:txBody>
+          <a:bodyPr vert="horz" wrap="none" lIns="91376" tIns="45689" rIns="91376" bIns="45689" numCol="1" anchor="ctr" anchorCtr="0" compatLnSpc="1">
+            <a:prstTxWarp prst="textNoShape">
+              <a:avLst/>
+            </a:prstTxWarp>
+          </a:bodyPr>
+          <a:lstStyle/>
+          <a:p>
+            <a:pPr algn="ctr" defTabSz="1218321">
+              <a:spcBef>
+                <a:spcPct val="0"/>
+              </a:spcBef>
+              <a:defRPr/>
+            </a:pPr>
+            <a:r>
+              <a:rPr lang="en-US" sz="1399" kern="0" dirty="0">
+                <a:solidFill>
+                  <a:srgbClr val="3981B6"/>
+                </a:solidFill>
+                <a:latin typeface="Arial" charset="0"/>
+              </a:rPr>
+              <a:t>S</a:t>
+            </a:r>
+          </a:p>
+        </p:txBody>
+      </p:sp>
+      <p:sp>
+        <p:nvSpPr>
+          <p:cNvPr id="44" name="Oval 52"/>
+          <p:cNvSpPr>
+            <a:spLocks noChangeArrowheads="1"/>
+          </p:cNvSpPr>
+          <p:nvPr/>
+        </p:nvSpPr>
+        <p:spPr bwMode="auto">
+          <a:xfrm>
+            <a:off x="6545910" y="4294619"/>
+            <a:ext cx="417112" cy="278904"/>
+          </a:xfrm>
+          <a:prstGeom prst="ellipse">
+            <a:avLst/>
+          </a:prstGeom>
+          <a:ln>
+            <a:headEnd/>
+            <a:tailEnd/>
+          </a:ln>
+        </p:spPr>
+        <p:style>
+          <a:lnRef idx="1">
+            <a:schemeClr val="accent5"/>
+          </a:lnRef>
+          <a:fillRef idx="2">
+            <a:schemeClr val="accent5"/>
+          </a:fillRef>
+          <a:effectRef idx="1">
+            <a:schemeClr val="accent5"/>
+          </a:effectRef>
+          <a:fontRef idx="minor">
+            <a:schemeClr val="dk1"/>
+          </a:fontRef>
+        </p:style>
+        <p:txBody>
+          <a:bodyPr vert="horz" wrap="none" lIns="91376" tIns="45689" rIns="91376" bIns="45689" numCol="1" anchor="ctr" anchorCtr="0" compatLnSpc="1">
+            <a:prstTxWarp prst="textNoShape">
+              <a:avLst/>
+            </a:prstTxWarp>
+          </a:bodyPr>
+          <a:lstStyle/>
+          <a:p>
+            <a:pPr algn="ctr" defTabSz="1218321">
+              <a:spcBef>
+                <a:spcPct val="0"/>
+              </a:spcBef>
+              <a:defRPr/>
+            </a:pPr>
+            <a:r>
+              <a:rPr lang="en-US" sz="1399" kern="0" dirty="0">
+                <a:solidFill>
+                  <a:srgbClr val="3981B6"/>
+                </a:solidFill>
+                <a:latin typeface="Arial" charset="0"/>
+              </a:rPr>
+              <a:t>S</a:t>
+            </a:r>
+          </a:p>
+        </p:txBody>
+      </p:sp>
+      <p:sp>
+        <p:nvSpPr>
+          <p:cNvPr id="45" name="Line 62"/>
+          <p:cNvSpPr>
+            <a:spLocks noChangeShapeType="1"/>
+          </p:cNvSpPr>
+          <p:nvPr/>
+        </p:nvSpPr>
+        <p:spPr bwMode="auto">
+          <a:xfrm flipV="1">
+            <a:off x="6802121" y="3984102"/>
+            <a:ext cx="1" cy="369064"/>
+          </a:xfrm>
+          <a:prstGeom prst="line">
+            <a:avLst/>
+          </a:prstGeom>
+          <a:noFill/>
+          <a:ln w="9525" cap="flat" cmpd="sng" algn="ctr">
+            <a:solidFill>
+              <a:schemeClr val="tx1"/>
+            </a:solidFill>
+            <a:prstDash val="solid"/>
+            <a:headEnd/>
+            <a:tailEnd type="stealth" w="lg" len="lg"/>
+          </a:ln>
+          <a:effectLst/>
+        </p:spPr>
+        <p:txBody>
+          <a:bodyPr vert="horz" wrap="square" lIns="91376" tIns="45689" rIns="91376" bIns="45689" numCol="1" anchor="t" anchorCtr="0" compatLnSpc="1">
+            <a:prstTxWarp prst="textNoShape">
+              <a:avLst/>
+            </a:prstTxWarp>
+          </a:bodyPr>
+          <a:lstStyle/>
+          <a:p>
+            <a:pPr defTabSz="1218321">
+              <a:defRPr/>
+            </a:pPr>
+            <a:endParaRPr lang="en-US" sz="1399" kern="0" dirty="0">
+              <a:solidFill>
+                <a:srgbClr val="3981B6"/>
+              </a:solidFill>
+            </a:endParaRPr>
+          </a:p>
+        </p:txBody>
+      </p:sp>
+      <p:sp>
+        <p:nvSpPr>
+          <p:cNvPr id="46" name="Line 61"/>
+          <p:cNvSpPr>
+            <a:spLocks noChangeShapeType="1"/>
+          </p:cNvSpPr>
+          <p:nvPr/>
+        </p:nvSpPr>
+        <p:spPr bwMode="auto">
+          <a:xfrm>
+            <a:off x="6641334" y="4020823"/>
+            <a:ext cx="38226" cy="343699"/>
+          </a:xfrm>
+          <a:prstGeom prst="line">
+            <a:avLst/>
+          </a:prstGeom>
+          <a:noFill/>
+          <a:ln w="9525" cap="flat" cmpd="sng" algn="ctr">
+            <a:solidFill>
+              <a:schemeClr val="tx1"/>
+            </a:solidFill>
+            <a:prstDash val="solid"/>
+            <a:headEnd/>
+            <a:tailEnd type="stealth" w="lg" len="lg"/>
+          </a:ln>
+          <a:effectLst/>
+        </p:spPr>
+        <p:txBody>
+          <a:bodyPr vert="horz" wrap="square" lIns="91376" tIns="45689" rIns="91376" bIns="45689" numCol="1" anchor="t" anchorCtr="0" compatLnSpc="1">
+            <a:prstTxWarp prst="textNoShape">
+              <a:avLst/>
+            </a:prstTxWarp>
+          </a:bodyPr>
+          <a:lstStyle/>
+          <a:p>
+            <a:pPr defTabSz="1218321">
+              <a:defRPr/>
+            </a:pPr>
+            <a:endParaRPr lang="en-US" sz="1399" kern="0" dirty="0">
+              <a:solidFill>
+                <a:srgbClr val="3981B6"/>
+              </a:solidFill>
+            </a:endParaRPr>
+          </a:p>
+        </p:txBody>
+      </p:sp>
+      <p:sp>
+        <p:nvSpPr>
+          <p:cNvPr id="47" name="Line 61"/>
+          <p:cNvSpPr>
+            <a:spLocks noChangeShapeType="1"/>
+          </p:cNvSpPr>
+          <p:nvPr/>
+        </p:nvSpPr>
+        <p:spPr bwMode="auto">
+          <a:xfrm>
+            <a:off x="7151007" y="3957037"/>
+            <a:ext cx="24546" cy="407486"/>
+          </a:xfrm>
+          <a:prstGeom prst="line">
+            <a:avLst/>
+          </a:prstGeom>
+          <a:noFill/>
+          <a:ln w="9525" cap="flat" cmpd="sng" algn="ctr">
+            <a:solidFill>
+              <a:schemeClr val="tx1"/>
+            </a:solidFill>
+            <a:prstDash val="dash"/>
+            <a:headEnd/>
+            <a:tailEnd type="stealth" w="lg" len="lg"/>
+          </a:ln>
+          <a:effectLst/>
+        </p:spPr>
+        <p:txBody>
+          <a:bodyPr vert="horz" wrap="square" lIns="91376" tIns="45689" rIns="91376" bIns="45689" numCol="1" anchor="t" anchorCtr="0" compatLnSpc="1">
+            <a:prstTxWarp prst="textNoShape">
+              <a:avLst/>
+            </a:prstTxWarp>
+          </a:bodyPr>
+          <a:lstStyle/>
+          <a:p>
+            <a:pPr defTabSz="1218321">
+              <a:defRPr/>
+            </a:pPr>
+            <a:endParaRPr lang="en-US" sz="1399" kern="0" dirty="0">
+              <a:solidFill>
+                <a:srgbClr val="3981B6"/>
+              </a:solidFill>
+            </a:endParaRPr>
+          </a:p>
+        </p:txBody>
+      </p:sp>
+      <p:sp>
+        <p:nvSpPr>
+          <p:cNvPr id="48" name="Line 62"/>
+          <p:cNvSpPr>
+            <a:spLocks noChangeShapeType="1"/>
+          </p:cNvSpPr>
+          <p:nvPr/>
+        </p:nvSpPr>
+        <p:spPr bwMode="auto">
+          <a:xfrm flipV="1">
+            <a:off x="7289125" y="3982271"/>
+            <a:ext cx="0" cy="326671"/>
+          </a:xfrm>
+          <a:prstGeom prst="line">
+            <a:avLst/>
+          </a:prstGeom>
+          <a:noFill/>
+          <a:ln w="9525" cap="flat" cmpd="sng" algn="ctr">
+            <a:solidFill>
+              <a:schemeClr val="tx1"/>
+            </a:solidFill>
+            <a:prstDash val="dash"/>
+            <a:headEnd/>
+            <a:tailEnd type="stealth" w="lg" len="lg"/>
+          </a:ln>
+          <a:effectLst/>
+        </p:spPr>
+        <p:txBody>
+          <a:bodyPr vert="horz" wrap="square" lIns="91376" tIns="45689" rIns="91376" bIns="45689" numCol="1" anchor="t" anchorCtr="0" compatLnSpc="1">
+            <a:prstTxWarp prst="textNoShape">
+              <a:avLst/>
+            </a:prstTxWarp>
+          </a:bodyPr>
+          <a:lstStyle/>
+          <a:p>
+            <a:pPr defTabSz="1218321">
+              <a:defRPr/>
+            </a:pPr>
+            <a:endParaRPr lang="en-US" sz="1399" kern="0" dirty="0">
+              <a:solidFill>
+                <a:srgbClr val="3981B6"/>
+              </a:solidFill>
+            </a:endParaRPr>
+          </a:p>
+        </p:txBody>
+      </p:sp>
+      <p:sp>
+        <p:nvSpPr>
+          <p:cNvPr id="49" name="Flowchart: Document 48"/>
+          <p:cNvSpPr/>
+          <p:nvPr/>
+        </p:nvSpPr>
+        <p:spPr>
+          <a:xfrm>
+            <a:off x="7076602" y="3701754"/>
+            <a:ext cx="637686" cy="265025"/>
+          </a:xfrm>
+          <a:prstGeom prst="flowChartDocument">
+            <a:avLst/>
+          </a:prstGeom>
+          <a:solidFill>
+            <a:schemeClr val="accent1">
+              <a:lumMod val="20000"/>
+              <a:lumOff val="80000"/>
+            </a:schemeClr>
+          </a:solidFill>
+          <a:ln>
+            <a:solidFill>
+              <a:schemeClr val="accent1">
+                <a:lumMod val="20000"/>
+                <a:lumOff val="80000"/>
+              </a:schemeClr>
+            </a:solidFill>
+          </a:ln>
+        </p:spPr>
+        <p:style>
+          <a:lnRef idx="1">
+            <a:schemeClr val="accent4"/>
+          </a:lnRef>
+          <a:fillRef idx="2">
+            <a:schemeClr val="accent4"/>
+          </a:fillRef>
+          <a:effectRef idx="1">
+            <a:schemeClr val="accent4"/>
+          </a:effectRef>
+          <a:fontRef idx="minor">
+            <a:schemeClr val="dk1"/>
+          </a:fontRef>
+        </p:style>
+        <p:txBody>
+          <a:bodyPr rtlCol="0" anchor="ctr"/>
+          <a:lstStyle/>
+          <a:p>
+            <a:pPr algn="ctr"/>
+            <a:r>
+              <a:rPr lang="en-US" sz="1199" dirty="0"/>
+              <a:t>Client</a:t>
+            </a:r>
+            <a:endParaRPr lang="en-US" sz="1399" dirty="0"/>
+          </a:p>
+        </p:txBody>
+      </p:sp>
+      <p:sp>
+        <p:nvSpPr>
+          <p:cNvPr id="50" name="Rectangle 49"/>
+          <p:cNvSpPr/>
+          <p:nvPr/>
+        </p:nvSpPr>
+        <p:spPr bwMode="auto">
+          <a:xfrm>
+            <a:off x="3300174" y="4787942"/>
+            <a:ext cx="2421109" cy="595191"/>
+          </a:xfrm>
+          <a:prstGeom prst="rect">
+            <a:avLst/>
+          </a:prstGeom>
+          <a:solidFill>
+            <a:schemeClr val="bg1">
+              <a:lumMod val="95000"/>
+            </a:schemeClr>
+          </a:solidFill>
+          <a:ln>
+            <a:noFill/>
+            <a:headEnd type="none" w="med" len="med"/>
+            <a:tailEnd type="none" w="med" len="med"/>
+          </a:ln>
+        </p:spPr>
+        <p:style>
+          <a:lnRef idx="1">
+            <a:schemeClr val="accent2"/>
+          </a:lnRef>
+          <a:fillRef idx="2">
+            <a:schemeClr val="accent2"/>
+          </a:fillRef>
+          <a:effectRef idx="1">
+            <a:schemeClr val="accent2"/>
+          </a:effectRef>
+          <a:fontRef idx="minor">
+            <a:schemeClr val="dk1"/>
+          </a:fontRef>
+        </p:style>
+        <p:txBody>
+          <a:bodyPr rot="0" spcFirstLastPara="0" vertOverflow="overflow" horzOverflow="overflow" vert="horz" wrap="square" lIns="45714" tIns="45714" rIns="45714" bIns="45714" numCol="1" spcCol="0" rtlCol="0" fromWordArt="0" anchor="t" anchorCtr="0" forceAA="0" compatLnSpc="1">
+            <a:prstTxWarp prst="textNoShape">
+              <a:avLst/>
+            </a:prstTxWarp>
+            <a:noAutofit/>
+          </a:bodyPr>
+          <a:lstStyle/>
+          <a:p>
+            <a:pPr marL="285731" indent="-285731" defTabSz="914039" fontAlgn="base">
+              <a:spcBef>
+                <a:spcPct val="0"/>
+              </a:spcBef>
+              <a:spcAft>
+                <a:spcPct val="0"/>
+              </a:spcAft>
+              <a:buFont typeface="Arial" panose="020B0604020202020204" pitchFamily="34" charset="0"/>
+              <a:buChar char="•"/>
+            </a:pPr>
+            <a:r>
+              <a:rPr lang="en-US" sz="1199" dirty="0">
+                <a:solidFill>
+                  <a:schemeClr val="tx1"/>
+                </a:solidFill>
+                <a:latin typeface="+mj-lt"/>
+                <a:ea typeface="Segoe UI" pitchFamily="34" charset="0"/>
+                <a:cs typeface="Segoe UI" pitchFamily="34" charset="0"/>
+              </a:rPr>
+              <a:t>Consistent Prefix reads. </a:t>
+            </a:r>
+          </a:p>
+          <a:p>
+            <a:pPr marL="285731" indent="-285731" defTabSz="914039" fontAlgn="base">
+              <a:spcBef>
+                <a:spcPct val="0"/>
+              </a:spcBef>
+              <a:spcAft>
+                <a:spcPct val="0"/>
+              </a:spcAft>
+              <a:buFont typeface="Arial" panose="020B0604020202020204" pitchFamily="34" charset="0"/>
+              <a:buChar char="•"/>
+            </a:pPr>
+            <a:r>
+              <a:rPr lang="en-US" sz="1199" dirty="0">
+                <a:solidFill>
+                  <a:schemeClr val="tx1"/>
+                </a:solidFill>
+                <a:latin typeface="+mj-lt"/>
+                <a:ea typeface="Segoe UI" pitchFamily="34" charset="0"/>
+                <a:cs typeface="Segoe UI" pitchFamily="34" charset="0"/>
+              </a:rPr>
+              <a:t>Reads lag behind writes by K prefixes or T interval</a:t>
+            </a:r>
+          </a:p>
+        </p:txBody>
+      </p:sp>
+      <p:sp>
+        <p:nvSpPr>
+          <p:cNvPr id="51" name="Rectangle 50"/>
+          <p:cNvSpPr/>
+          <p:nvPr/>
+        </p:nvSpPr>
+        <p:spPr bwMode="auto">
+          <a:xfrm>
+            <a:off x="6051955" y="4735344"/>
+            <a:ext cx="2474339" cy="647788"/>
+          </a:xfrm>
+          <a:prstGeom prst="rect">
+            <a:avLst/>
+          </a:prstGeom>
+          <a:solidFill>
+            <a:schemeClr val="bg1">
+              <a:lumMod val="95000"/>
+            </a:schemeClr>
+          </a:solidFill>
+          <a:ln>
+            <a:noFill/>
+            <a:headEnd type="none" w="med" len="med"/>
+            <a:tailEnd type="none" w="med" len="med"/>
+          </a:ln>
+        </p:spPr>
+        <p:style>
+          <a:lnRef idx="1">
+            <a:schemeClr val="accent2"/>
+          </a:lnRef>
+          <a:fillRef idx="2">
+            <a:schemeClr val="accent2"/>
+          </a:fillRef>
+          <a:effectRef idx="1">
+            <a:schemeClr val="accent2"/>
+          </a:effectRef>
+          <a:fontRef idx="minor">
+            <a:schemeClr val="dk1"/>
+          </a:fontRef>
+        </p:style>
+        <p:txBody>
+          <a:bodyPr rot="0" spcFirstLastPara="0" vertOverflow="overflow" horzOverflow="overflow" vert="horz" wrap="square" lIns="45714" tIns="45714" rIns="45714" bIns="45714" numCol="1" spcCol="0" rtlCol="0" fromWordArt="0" anchor="t" anchorCtr="0" forceAA="0" compatLnSpc="1">
+            <a:prstTxWarp prst="textNoShape">
+              <a:avLst/>
+            </a:prstTxWarp>
+            <a:noAutofit/>
+          </a:bodyPr>
+          <a:lstStyle/>
+          <a:p>
+            <a:pPr marL="285731" indent="-285731" defTabSz="914039" fontAlgn="base">
+              <a:spcBef>
+                <a:spcPct val="0"/>
+              </a:spcBef>
+              <a:spcAft>
+                <a:spcPct val="0"/>
+              </a:spcAft>
+              <a:buFont typeface="Arial" panose="020B0604020202020204" pitchFamily="34" charset="0"/>
+              <a:buChar char="•"/>
+            </a:pPr>
+            <a:r>
+              <a:rPr lang="en-US" sz="1199" dirty="0">
+                <a:solidFill>
+                  <a:schemeClr val="tx1"/>
+                </a:solidFill>
+                <a:latin typeface="+mj-lt"/>
+                <a:ea typeface="Segoe UI" pitchFamily="34" charset="0"/>
+                <a:cs typeface="Segoe UI" pitchFamily="34" charset="0"/>
+              </a:rPr>
+              <a:t>Monotonic reads, writes and Read your writes guarantee</a:t>
+            </a:r>
+          </a:p>
+          <a:p>
+            <a:pPr marL="285731" indent="-285731" defTabSz="914039" fontAlgn="base">
+              <a:spcBef>
+                <a:spcPct val="0"/>
+              </a:spcBef>
+              <a:spcAft>
+                <a:spcPct val="0"/>
+              </a:spcAft>
+              <a:buFont typeface="Arial" panose="020B0604020202020204" pitchFamily="34" charset="0"/>
+              <a:buChar char="•"/>
+            </a:pPr>
+            <a:endParaRPr lang="en-US" sz="1199" dirty="0">
+              <a:solidFill>
+                <a:schemeClr val="tx1"/>
+              </a:solidFill>
+              <a:latin typeface="+mj-lt"/>
+              <a:ea typeface="Segoe UI" pitchFamily="34" charset="0"/>
+              <a:cs typeface="Segoe UI" pitchFamily="34" charset="0"/>
+            </a:endParaRPr>
+          </a:p>
+          <a:p>
+            <a:pPr marL="285731" indent="-285731" defTabSz="914039" fontAlgn="base">
+              <a:spcBef>
+                <a:spcPct val="0"/>
+              </a:spcBef>
+              <a:spcAft>
+                <a:spcPct val="0"/>
+              </a:spcAft>
+              <a:buFont typeface="Arial" panose="020B0604020202020204" pitchFamily="34" charset="0"/>
+              <a:buChar char="•"/>
+            </a:pPr>
+            <a:endParaRPr lang="en-US" sz="1199" dirty="0">
+              <a:solidFill>
+                <a:schemeClr val="tx1"/>
+              </a:solidFill>
+              <a:latin typeface="+mj-lt"/>
+              <a:ea typeface="Segoe UI" pitchFamily="34" charset="0"/>
+              <a:cs typeface="Segoe UI" pitchFamily="34" charset="0"/>
+            </a:endParaRPr>
+          </a:p>
+        </p:txBody>
+      </p:sp>
+    </p:spTree>
+    <p:extLst>
+      <p:ext uri="{BB962C8B-B14F-4D97-AF65-F5344CB8AC3E}">
+        <p14:creationId xmlns:p14="http://schemas.microsoft.com/office/powerpoint/2010/main" val="12779603"/>
+      </p:ext>
+    </p:extLst>
+  </p:cSld>
+  <p:clrMapOvr>
+    <a:masterClrMapping/>
+  </p:clrMapOvr>
+  <p:transition>
+    <p:fade/>
+  </p:transition>
 </p:sld>
 </file>
 
@@ -30668,12 +30190,9 @@
 </file>
 
 <file path=customXml/item1.xml><?xml version="1.0" encoding="utf-8"?>
-<?mso-contentType ?>
-<FormTemplates xmlns="http://schemas.microsoft.com/sharepoint/v3/contenttype/forms">
-  <Display>DocumentLibraryForm</Display>
-  <Edit>DocumentLibraryForm</Edit>
-  <New>DocumentLibraryForm</New>
-</FormTemplates>
+<p:properties xmlns:p="http://schemas.microsoft.com/office/2006/metadata/properties" xmlns:xsi="http://www.w3.org/2001/XMLSchema-instance" xmlns:pc="http://schemas.microsoft.com/office/infopath/2007/PartnerControls">
+  <documentManagement/>
+</p:properties>
 </file>
 
 <file path=customXml/item2.xml><?xml version="1.0" encoding="utf-8"?>
@@ -30831,15 +30350,26 @@
 </file>
 
 <file path=customXml/item3.xml><?xml version="1.0" encoding="utf-8"?>
-<p:properties xmlns:p="http://schemas.microsoft.com/office/2006/metadata/properties" xmlns:xsi="http://www.w3.org/2001/XMLSchema-instance" xmlns:pc="http://schemas.microsoft.com/office/infopath/2007/PartnerControls">
-  <documentManagement/>
-</p:properties>
+<?mso-contentType ?>
+<FormTemplates xmlns="http://schemas.microsoft.com/sharepoint/v3/contenttype/forms">
+  <Display>DocumentLibraryForm</Display>
+  <Edit>DocumentLibraryForm</Edit>
+  <New>DocumentLibraryForm</New>
+</FormTemplates>
 </file>
 
 <file path=customXml/itemProps1.xml><?xml version="1.0" encoding="utf-8"?>
-<ds:datastoreItem xmlns:ds="http://schemas.openxmlformats.org/officeDocument/2006/customXml" ds:itemID="{758FDAC0-319D-4A54-8D8E-1D42CB1F8004}">
+<ds:datastoreItem xmlns:ds="http://schemas.openxmlformats.org/officeDocument/2006/customXml" ds:itemID="{F990F116-B58F-4255-B05B-DA3808E0E5C6}">
   <ds:schemaRefs>
-    <ds:schemaRef ds:uri="http://schemas.microsoft.com/sharepoint/v3/contenttype/forms"/>
+    <ds:schemaRef ds:uri="http://purl.org/dc/elements/1.1/"/>
+    <ds:schemaRef ds:uri="http://schemas.microsoft.com/office/2006/documentManagement/types"/>
+    <ds:schemaRef ds:uri="http://schemas.microsoft.com/office/infopath/2007/PartnerControls"/>
+    <ds:schemaRef ds:uri="http://purl.org/dc/dcmitype/"/>
+    <ds:schemaRef ds:uri="http://www.w3.org/XML/1998/namespace"/>
+    <ds:schemaRef ds:uri="http://schemas.microsoft.com/office/2006/metadata/properties"/>
+    <ds:schemaRef ds:uri="http://schemas.openxmlformats.org/package/2006/metadata/core-properties"/>
+    <ds:schemaRef ds:uri="630a2e83-186a-4a0f-ab27-bee8a8096abc"/>
+    <ds:schemaRef ds:uri="http://purl.org/dc/terms/"/>
   </ds:schemaRefs>
 </ds:datastoreItem>
 </file>
@@ -30863,17 +30393,9 @@
 </file>
 
 <file path=customXml/itemProps3.xml><?xml version="1.0" encoding="utf-8"?>
-<ds:datastoreItem xmlns:ds="http://schemas.openxmlformats.org/officeDocument/2006/customXml" ds:itemID="{F990F116-B58F-4255-B05B-DA3808E0E5C6}">
+<ds:datastoreItem xmlns:ds="http://schemas.openxmlformats.org/officeDocument/2006/customXml" ds:itemID="{758FDAC0-319D-4A54-8D8E-1D42CB1F8004}">
   <ds:schemaRefs>
-    <ds:schemaRef ds:uri="http://purl.org/dc/elements/1.1/"/>
-    <ds:schemaRef ds:uri="http://schemas.microsoft.com/office/2006/documentManagement/types"/>
-    <ds:schemaRef ds:uri="http://schemas.microsoft.com/office/infopath/2007/PartnerControls"/>
-    <ds:schemaRef ds:uri="http://purl.org/dc/dcmitype/"/>
-    <ds:schemaRef ds:uri="http://www.w3.org/XML/1998/namespace"/>
-    <ds:schemaRef ds:uri="http://schemas.microsoft.com/office/2006/metadata/properties"/>
-    <ds:schemaRef ds:uri="http://schemas.openxmlformats.org/package/2006/metadata/core-properties"/>
-    <ds:schemaRef ds:uri="630a2e83-186a-4a0f-ab27-bee8a8096abc"/>
-    <ds:schemaRef ds:uri="http://purl.org/dc/terms/"/>
+    <ds:schemaRef ds:uri="http://schemas.microsoft.com/sharepoint/v3/contenttype/forms"/>
   </ds:schemaRefs>
 </ds:datastoreItem>
 </file>
--- a/Presentations/AI Immersion - Phase 1 - DocumentDB.pptx
+++ b/Presentations/AI Immersion - Phase 1 - DocumentDB.pptx
@@ -5,27 +5,28 @@
     <p:sldMasterId id="2147484229" r:id="rId4"/>
   </p:sldMasterIdLst>
   <p:notesMasterIdLst>
-    <p:notesMasterId r:id="rId20"/>
+    <p:notesMasterId r:id="rId21"/>
   </p:notesMasterIdLst>
   <p:handoutMasterIdLst>
-    <p:handoutMasterId r:id="rId21"/>
+    <p:handoutMasterId r:id="rId22"/>
   </p:handoutMasterIdLst>
   <p:sldIdLst>
     <p:sldId id="1485" r:id="rId5"/>
     <p:sldId id="1519" r:id="rId6"/>
-    <p:sldId id="1534" r:id="rId7"/>
-    <p:sldId id="1536" r:id="rId8"/>
-    <p:sldId id="1539" r:id="rId9"/>
-    <p:sldId id="1537" r:id="rId10"/>
-    <p:sldId id="1545" r:id="rId11"/>
-    <p:sldId id="1540" r:id="rId12"/>
-    <p:sldId id="1541" r:id="rId13"/>
-    <p:sldId id="1542" r:id="rId14"/>
-    <p:sldId id="1543" r:id="rId15"/>
-    <p:sldId id="1527" r:id="rId16"/>
-    <p:sldId id="1530" r:id="rId17"/>
-    <p:sldId id="1546" r:id="rId18"/>
-    <p:sldId id="1532" r:id="rId19"/>
+    <p:sldId id="1547" r:id="rId7"/>
+    <p:sldId id="1534" r:id="rId8"/>
+    <p:sldId id="1536" r:id="rId9"/>
+    <p:sldId id="1539" r:id="rId10"/>
+    <p:sldId id="1537" r:id="rId11"/>
+    <p:sldId id="1545" r:id="rId12"/>
+    <p:sldId id="1540" r:id="rId13"/>
+    <p:sldId id="1541" r:id="rId14"/>
+    <p:sldId id="1542" r:id="rId15"/>
+    <p:sldId id="1543" r:id="rId16"/>
+    <p:sldId id="1527" r:id="rId17"/>
+    <p:sldId id="1530" r:id="rId18"/>
+    <p:sldId id="1546" r:id="rId19"/>
+    <p:sldId id="1532" r:id="rId20"/>
   </p:sldIdLst>
   <p:sldSz cx="12436475" cy="6994525"/>
   <p:notesSz cx="6858000" cy="9144000"/>
@@ -131,6 +132,7 @@
           <p14:sldIdLst>
             <p14:sldId id="1485"/>
             <p14:sldId id="1519"/>
+            <p14:sldId id="1547"/>
             <p14:sldId id="1534"/>
             <p14:sldId id="1536"/>
             <p14:sldId id="1539"/>
@@ -283,7 +285,7 @@
               <a:rPr lang="en-US" smtClean="0">
                 <a:latin typeface="Segoe UI" pitchFamily="34" charset="0"/>
               </a:rPr>
-              <a:t>5/7/2017 10:52 AM</a:t>
+              <a:t>5/7/2017 9:21 PM</a:t>
             </a:fld>
             <a:endParaRPr lang="en-US" dirty="0">
               <a:latin typeface="Segoe UI" pitchFamily="34" charset="0"/>
@@ -580,7 +582,7 @@
           <a:p>
             <a:fld id="{D18B56EA-E28F-4F92-9F16-7A6F2501B303}" type="datetime8">
               <a:rPr lang="en-US" smtClean="0"/>
-              <a:t>5/7/2017 10:41 AM</a:t>
+              <a:t>5/7/2017 5:31 PM</a:t>
             </a:fld>
             <a:endParaRPr lang="en-US" dirty="0"/>
           </a:p>
@@ -966,7 +968,7 @@
           <a:p>
             <a:fld id="{88B44C4B-E218-4158-810E-47EF8FD635FD}" type="datetime8">
               <a:rPr lang="en-US" smtClean="0"/>
-              <a:t>5/7/2017 10:41 AM</a:t>
+              <a:t>5/7/2017 5:31 PM</a:t>
             </a:fld>
             <a:endParaRPr lang="en-US" dirty="0"/>
           </a:p>
@@ -1119,7 +1121,7 @@
                   <a:prstClr val="black"/>
                 </a:solidFill>
               </a:rPr>
-              <a:t>5/7/2017 10:41 AM</a:t>
+              <a:t>5/7/2017 5:31 PM</a:t>
             </a:fld>
             <a:endParaRPr lang="en-US" dirty="0">
               <a:solidFill>
@@ -1151,7 +1153,7 @@
                 </a:solidFill>
               </a:rPr>
               <a:pPr/>
-              <a:t>15</a:t>
+              <a:t>16</a:t>
             </a:fld>
             <a:endParaRPr lang="en-US" dirty="0">
               <a:solidFill>
@@ -1353,7 +1355,7 @@
           <a:p>
             <a:fld id="{8683C9CD-37C6-4B53-B210-CC8F66F90493}" type="datetime8">
               <a:rPr lang="en-US" smtClean="0"/>
-              <a:t>5/7/2017 10:41 AM</a:t>
+              <a:t>5/7/2017 5:31 PM</a:t>
             </a:fld>
             <a:endParaRPr lang="en-US" dirty="0"/>
           </a:p>
@@ -1534,7 +1536,7 @@
           <a:p>
             <a:fld id="{38EEC551-8CDA-4EB6-89BB-2A86C9F091C8}" type="datetime8">
               <a:rPr lang="en-US" smtClean="0"/>
-              <a:t>5/7/2017 10:41 AM</a:t>
+              <a:t>5/7/2017 5:31 PM</a:t>
             </a:fld>
             <a:endParaRPr lang="en-US" dirty="0"/>
           </a:p>
@@ -1558,7 +1560,7 @@
             <a:fld id="{B4008EB6-D09E-4580-8CD6-DDB14511944F}" type="slidenum">
               <a:rPr lang="en-US" smtClean="0"/>
               <a:pPr/>
-              <a:t>7</a:t>
+              <a:t>8</a:t>
             </a:fld>
             <a:endParaRPr lang="en-US" dirty="0"/>
           </a:p>
@@ -1854,7 +1856,7 @@
                 <a:tabLst/>
                 <a:defRPr/>
               </a:pPr>
-              <a:t>9</a:t>
+              <a:t>10</a:t>
             </a:fld>
             <a:endParaRPr kumimoji="0" lang="en-US" sz="1800" b="0" i="0" u="none" strike="noStrike" kern="0" cap="none" spc="0" normalizeH="0" baseline="0" noProof="0" dirty="0">
               <a:ln>
@@ -2108,7 +2110,7 @@
             <a:fld id="{D3165507-753C-4AA4-A945-975B3E06CA67}" type="slidenum">
               <a:rPr lang="en-US" smtClean="0"/>
               <a:pPr/>
-              <a:t>10</a:t>
+              <a:t>11</a:t>
             </a:fld>
             <a:endParaRPr lang="en-US"/>
           </a:p>
@@ -2195,7 +2197,7 @@
             <a:fld id="{D3165507-753C-4AA4-A945-975B3E06CA67}" type="slidenum">
               <a:rPr lang="en-US" smtClean="0"/>
               <a:pPr/>
-              <a:t>11</a:t>
+              <a:t>12</a:t>
             </a:fld>
             <a:endParaRPr lang="en-US"/>
           </a:p>
@@ -2355,7 +2357,7 @@
           <a:p>
             <a:fld id="{627F603A-779F-4101-9B83-C34650C566A7}" type="datetime8">
               <a:rPr lang="en-US" smtClean="0"/>
-              <a:t>5/7/2017 10:41 AM</a:t>
+              <a:t>5/7/2017 5:31 PM</a:t>
             </a:fld>
             <a:endParaRPr lang="en-US" dirty="0"/>
           </a:p>
@@ -2379,7 +2381,7 @@
             <a:fld id="{B4008EB6-D09E-4580-8CD6-DDB14511944F}" type="slidenum">
               <a:rPr lang="en-US" smtClean="0"/>
               <a:pPr/>
-              <a:t>12</a:t>
+              <a:t>13</a:t>
             </a:fld>
             <a:endParaRPr lang="en-US" dirty="0"/>
           </a:p>
@@ -2464,7 +2466,7 @@
             <a:fld id="{B4008EB6-D09E-4580-8CD6-DDB14511944F}" type="slidenum">
               <a:rPr lang="en-US" smtClean="0"/>
               <a:pPr/>
-              <a:t>13</a:t>
+              <a:t>14</a:t>
             </a:fld>
             <a:endParaRPr lang="en-US" dirty="0"/>
           </a:p>
@@ -2487,7 +2489,7 @@
           <a:p>
             <a:fld id="{E45DD59A-D9AD-4C82-9DE1-A42A8DB4D1E1}" type="datetime8">
               <a:rPr lang="en-US" smtClean="0"/>
-              <a:t>5/7/2017 10:41 AM</a:t>
+              <a:t>5/7/2017 5:31 PM</a:t>
             </a:fld>
             <a:endParaRPr lang="en-US" dirty="0"/>
           </a:p>
@@ -2648,7 +2650,7 @@
             <a:fld id="{B4008EB6-D09E-4580-8CD6-DDB14511944F}" type="slidenum">
               <a:rPr lang="en-US" smtClean="0"/>
               <a:pPr/>
-              <a:t>14</a:t>
+              <a:t>15</a:t>
             </a:fld>
             <a:endParaRPr lang="en-US" dirty="0"/>
           </a:p>
@@ -2671,7 +2673,7 @@
           <a:p>
             <a:fld id="{E45DD59A-D9AD-4C82-9DE1-A42A8DB4D1E1}" type="datetime8">
               <a:rPr lang="en-US" smtClean="0"/>
-              <a:t>5/7/2017 10:41 AM</a:t>
+              <a:t>5/7/2017 5:31 PM</a:t>
             </a:fld>
             <a:endParaRPr lang="en-US" dirty="0"/>
           </a:p>
@@ -9693,6 +9695,900 @@
 </file>
 
 <file path=ppt/slides/slide10.xml><?xml version="1.0" encoding="utf-8"?>
+<p:sld xmlns:a="http://schemas.openxmlformats.org/drawingml/2006/main" xmlns:r="http://schemas.openxmlformats.org/officeDocument/2006/relationships" xmlns:p="http://schemas.openxmlformats.org/presentationml/2006/main">
+  <p:cSld>
+    <p:spTree>
+      <p:nvGrpSpPr>
+        <p:cNvPr id="1" name=""/>
+        <p:cNvGrpSpPr/>
+        <p:nvPr/>
+      </p:nvGrpSpPr>
+      <p:grpSpPr>
+        <a:xfrm>
+          <a:off x="0" y="0"/>
+          <a:ext cx="0" cy="0"/>
+          <a:chOff x="0" y="0"/>
+          <a:chExt cx="0" cy="0"/>
+        </a:xfrm>
+      </p:grpSpPr>
+      <p:sp>
+        <p:nvSpPr>
+          <p:cNvPr id="4" name="Rectangle 3"/>
+          <p:cNvSpPr/>
+          <p:nvPr/>
+        </p:nvSpPr>
+        <p:spPr bwMode="auto">
+          <a:xfrm>
+            <a:off x="660524" y="1592804"/>
+            <a:ext cx="3047135" cy="4926172"/>
+          </a:xfrm>
+          <a:prstGeom prst="rect">
+            <a:avLst/>
+          </a:prstGeom>
+          <a:noFill/>
+          <a:ln w="28575">
+            <a:solidFill>
+              <a:schemeClr val="tx1"/>
+            </a:solidFill>
+            <a:headEnd type="none" w="med" len="med"/>
+            <a:tailEnd type="none" w="med" len="med"/>
+          </a:ln>
+        </p:spPr>
+        <p:style>
+          <a:lnRef idx="2">
+            <a:schemeClr val="accent1">
+              <a:shade val="50000"/>
+            </a:schemeClr>
+          </a:lnRef>
+          <a:fillRef idx="1">
+            <a:schemeClr val="accent1"/>
+          </a:fillRef>
+          <a:effectRef idx="0">
+            <a:schemeClr val="accent1"/>
+          </a:effectRef>
+          <a:fontRef idx="minor">
+            <a:schemeClr val="lt1"/>
+          </a:fontRef>
+        </p:style>
+        <p:txBody>
+          <a:bodyPr vert="horz" wrap="square" lIns="0" tIns="46623" rIns="0" bIns="46623" numCol="1" rtlCol="0" anchor="ctr" anchorCtr="0" compatLnSpc="1">
+            <a:prstTxWarp prst="textNoShape">
+              <a:avLst/>
+            </a:prstTxWarp>
+          </a:bodyPr>
+          <a:lstStyle/>
+          <a:p>
+            <a:pPr algn="ctr" defTabSz="932137" fontAlgn="base">
+              <a:spcBef>
+                <a:spcPct val="0"/>
+              </a:spcBef>
+              <a:spcAft>
+                <a:spcPct val="0"/>
+              </a:spcAft>
+            </a:pPr>
+            <a:endParaRPr lang="en-US" sz="2000" kern="0" dirty="0">
+              <a:solidFill>
+                <a:schemeClr val="tx1"/>
+              </a:solidFill>
+              <a:latin typeface="Segoe UI"/>
+            </a:endParaRPr>
+          </a:p>
+        </p:txBody>
+      </p:sp>
+      <p:sp>
+        <p:nvSpPr>
+          <p:cNvPr id="13" name="TextBox 12"/>
+          <p:cNvSpPr txBox="1"/>
+          <p:nvPr/>
+        </p:nvSpPr>
+        <p:spPr>
+          <a:xfrm>
+            <a:off x="660524" y="1592803"/>
+            <a:ext cx="3047135" cy="544808"/>
+          </a:xfrm>
+          <a:prstGeom prst="rect">
+            <a:avLst/>
+          </a:prstGeom>
+          <a:noFill/>
+          <a:ln w="28575">
+            <a:solidFill>
+              <a:schemeClr val="tx1"/>
+            </a:solidFill>
+          </a:ln>
+        </p:spPr>
+        <p:txBody>
+          <a:bodyPr wrap="square" lIns="182827" tIns="146262" rIns="182827" bIns="146262" rtlCol="0">
+            <a:spAutoFit/>
+          </a:bodyPr>
+          <a:lstStyle/>
+          <a:p>
+            <a:pPr defTabSz="914072">
+              <a:lnSpc>
+                <a:spcPct val="90000"/>
+              </a:lnSpc>
+              <a:spcAft>
+                <a:spcPts val="600"/>
+              </a:spcAft>
+            </a:pPr>
+            <a:r>
+              <a:rPr lang="en-US" sz="1801" b="1" kern="0" dirty="0">
+                <a:latin typeface="Segoe UI"/>
+              </a:rPr>
+              <a:t>Person</a:t>
+            </a:r>
+          </a:p>
+        </p:txBody>
+      </p:sp>
+      <p:cxnSp>
+        <p:nvCxnSpPr>
+          <p:cNvPr id="34" name="Straight Connector 33"/>
+          <p:cNvCxnSpPr/>
+          <p:nvPr/>
+        </p:nvCxnSpPr>
+        <p:spPr>
+          <a:xfrm>
+            <a:off x="673221" y="2506943"/>
+            <a:ext cx="3034438" cy="0"/>
+          </a:xfrm>
+          <a:prstGeom prst="line">
+            <a:avLst/>
+          </a:prstGeom>
+          <a:ln>
+            <a:solidFill>
+              <a:schemeClr val="tx1"/>
+            </a:solidFill>
+            <a:prstDash val="dashDot"/>
+            <a:headEnd type="none"/>
+            <a:tailEnd type="none"/>
+          </a:ln>
+        </p:spPr>
+        <p:style>
+          <a:lnRef idx="1">
+            <a:schemeClr val="accent1"/>
+          </a:lnRef>
+          <a:fillRef idx="0">
+            <a:schemeClr val="accent1"/>
+          </a:fillRef>
+          <a:effectRef idx="0">
+            <a:schemeClr val="accent1"/>
+          </a:effectRef>
+          <a:fontRef idx="minor">
+            <a:schemeClr val="tx1"/>
+          </a:fontRef>
+        </p:style>
+      </p:cxnSp>
+      <p:sp>
+        <p:nvSpPr>
+          <p:cNvPr id="38" name="TextBox 37"/>
+          <p:cNvSpPr txBox="1"/>
+          <p:nvPr/>
+        </p:nvSpPr>
+        <p:spPr>
+          <a:xfrm>
+            <a:off x="789610" y="2080182"/>
+            <a:ext cx="617691" cy="516723"/>
+          </a:xfrm>
+          <a:prstGeom prst="rect">
+            <a:avLst/>
+          </a:prstGeom>
+          <a:noFill/>
+        </p:spPr>
+        <p:txBody>
+          <a:bodyPr wrap="none" lIns="182827" tIns="146262" rIns="182827" bIns="146262" rtlCol="0">
+            <a:spAutoFit/>
+          </a:bodyPr>
+          <a:lstStyle/>
+          <a:p>
+            <a:pPr defTabSz="914072">
+              <a:lnSpc>
+                <a:spcPct val="90000"/>
+              </a:lnSpc>
+              <a:spcAft>
+                <a:spcPts val="600"/>
+              </a:spcAft>
+            </a:pPr>
+            <a:r>
+              <a:rPr lang="en-US" sz="1598" b="1" kern="0" dirty="0">
+                <a:latin typeface="Segoe UI"/>
+              </a:rPr>
+              <a:t> Id</a:t>
+            </a:r>
+          </a:p>
+        </p:txBody>
+      </p:sp>
+      <p:pic>
+        <p:nvPicPr>
+          <p:cNvPr id="45" name="Picture 44" descr="Key, Yellow, Metal, Symbol, Icon"/>
+          <p:cNvPicPr>
+            <a:picLocks noChangeAspect="1"/>
+          </p:cNvPicPr>
+          <p:nvPr/>
+        </p:nvPicPr>
+        <p:blipFill>
+          <a:blip r:embed="rId3"/>
+          <a:stretch>
+            <a:fillRect/>
+          </a:stretch>
+        </p:blipFill>
+        <p:spPr>
+          <a:xfrm rot="5400000">
+            <a:off x="770141" y="2272254"/>
+            <a:ext cx="281184" cy="140592"/>
+          </a:xfrm>
+          <a:prstGeom prst="rect">
+            <a:avLst/>
+          </a:prstGeom>
+        </p:spPr>
+      </p:pic>
+      <p:sp>
+        <p:nvSpPr>
+          <p:cNvPr id="32" name="TextBox 31"/>
+          <p:cNvSpPr txBox="1"/>
+          <p:nvPr/>
+        </p:nvSpPr>
+        <p:spPr>
+          <a:xfrm>
+            <a:off x="660524" y="2506943"/>
+            <a:ext cx="3047135" cy="2503036"/>
+          </a:xfrm>
+          <a:prstGeom prst="rect">
+            <a:avLst/>
+          </a:prstGeom>
+          <a:noFill/>
+          <a:ln w="28575">
+            <a:solidFill>
+              <a:schemeClr val="tx1"/>
+            </a:solidFill>
+          </a:ln>
+        </p:spPr>
+        <p:txBody>
+          <a:bodyPr wrap="square" lIns="182827" tIns="146262" rIns="182827" bIns="146262" rtlCol="0">
+            <a:spAutoFit/>
+          </a:bodyPr>
+          <a:lstStyle/>
+          <a:p>
+            <a:pPr defTabSz="914072">
+              <a:lnSpc>
+                <a:spcPct val="90000"/>
+              </a:lnSpc>
+              <a:spcAft>
+                <a:spcPts val="600"/>
+              </a:spcAft>
+            </a:pPr>
+            <a:r>
+              <a:rPr lang="en-US" sz="1801" b="1" kern="0" dirty="0">
+                <a:latin typeface="Segoe UI"/>
+              </a:rPr>
+              <a:t>Addresses</a:t>
+            </a:r>
+          </a:p>
+          <a:p>
+            <a:pPr defTabSz="914072">
+              <a:lnSpc>
+                <a:spcPct val="90000"/>
+              </a:lnSpc>
+              <a:spcAft>
+                <a:spcPts val="600"/>
+              </a:spcAft>
+            </a:pPr>
+            <a:endParaRPr lang="en-US" sz="1801" b="1" kern="0" dirty="0">
+              <a:latin typeface="Segoe UI"/>
+            </a:endParaRPr>
+          </a:p>
+          <a:p>
+            <a:pPr defTabSz="914072">
+              <a:lnSpc>
+                <a:spcPct val="90000"/>
+              </a:lnSpc>
+              <a:spcAft>
+                <a:spcPts val="600"/>
+              </a:spcAft>
+            </a:pPr>
+            <a:endParaRPr lang="en-US" sz="1801" b="1" kern="0" dirty="0">
+              <a:latin typeface="Segoe UI"/>
+            </a:endParaRPr>
+          </a:p>
+          <a:p>
+            <a:pPr defTabSz="914072">
+              <a:lnSpc>
+                <a:spcPct val="90000"/>
+              </a:lnSpc>
+              <a:spcAft>
+                <a:spcPts val="600"/>
+              </a:spcAft>
+            </a:pPr>
+            <a:endParaRPr lang="en-US" sz="1801" b="1" kern="0" dirty="0">
+              <a:latin typeface="Segoe UI"/>
+            </a:endParaRPr>
+          </a:p>
+          <a:p>
+            <a:pPr defTabSz="914072">
+              <a:lnSpc>
+                <a:spcPct val="90000"/>
+              </a:lnSpc>
+              <a:spcAft>
+                <a:spcPts val="600"/>
+              </a:spcAft>
+            </a:pPr>
+            <a:endParaRPr lang="en-US" sz="1801" b="1" kern="0" dirty="0">
+              <a:latin typeface="Segoe UI"/>
+            </a:endParaRPr>
+          </a:p>
+          <a:p>
+            <a:pPr defTabSz="914072">
+              <a:lnSpc>
+                <a:spcPct val="90000"/>
+              </a:lnSpc>
+              <a:spcAft>
+                <a:spcPts val="600"/>
+              </a:spcAft>
+            </a:pPr>
+            <a:endParaRPr lang="en-US" sz="1801" b="1" kern="0" dirty="0">
+              <a:latin typeface="Segoe UI"/>
+            </a:endParaRPr>
+          </a:p>
+          <a:p>
+            <a:pPr defTabSz="914072">
+              <a:lnSpc>
+                <a:spcPct val="90000"/>
+              </a:lnSpc>
+              <a:spcAft>
+                <a:spcPts val="600"/>
+              </a:spcAft>
+            </a:pPr>
+            <a:endParaRPr lang="en-US" sz="1801" b="1" kern="0" dirty="0">
+              <a:latin typeface="Segoe UI"/>
+            </a:endParaRPr>
+          </a:p>
+        </p:txBody>
+      </p:sp>
+      <p:sp>
+        <p:nvSpPr>
+          <p:cNvPr id="2" name="TextBox 1"/>
+          <p:cNvSpPr txBox="1"/>
+          <p:nvPr/>
+        </p:nvSpPr>
+        <p:spPr>
+          <a:xfrm>
+            <a:off x="3932888" y="1409386"/>
+            <a:ext cx="8550952" cy="5462949"/>
+          </a:xfrm>
+          <a:prstGeom prst="rect">
+            <a:avLst/>
+          </a:prstGeom>
+          <a:noFill/>
+        </p:spPr>
+        <p:txBody>
+          <a:bodyPr wrap="none" lIns="182827" tIns="146262" rIns="182827" bIns="146262" rtlCol="0">
+            <a:spAutoFit/>
+          </a:bodyPr>
+          <a:lstStyle/>
+          <a:p>
+            <a:pPr defTabSz="914072">
+              <a:lnSpc>
+                <a:spcPct val="90000"/>
+              </a:lnSpc>
+              <a:spcAft>
+                <a:spcPts val="600"/>
+              </a:spcAft>
+            </a:pPr>
+            <a:r>
+              <a:rPr lang="en-US" sz="2400" b="1" kern="0" dirty="0">
+                <a:latin typeface="Lucida Console" panose="020B0609040504020204" pitchFamily="49" charset="0"/>
+              </a:rPr>
+              <a:t>{</a:t>
+            </a:r>
+            <a:br>
+              <a:rPr lang="en-US" sz="2400" b="1" kern="0" dirty="0">
+                <a:latin typeface="Lucida Console" panose="020B0609040504020204" pitchFamily="49" charset="0"/>
+              </a:rPr>
+            </a:br>
+            <a:r>
+              <a:rPr lang="en-US" sz="2400" b="1" kern="0" dirty="0">
+                <a:latin typeface="Lucida Console" panose="020B0609040504020204" pitchFamily="49" charset="0"/>
+              </a:rPr>
+              <a:t>  "id": "0ec1ab0c-de08-4e42-a429-...",</a:t>
+            </a:r>
+          </a:p>
+          <a:p>
+            <a:pPr defTabSz="914072">
+              <a:lnSpc>
+                <a:spcPct val="90000"/>
+              </a:lnSpc>
+              <a:spcAft>
+                <a:spcPts val="600"/>
+              </a:spcAft>
+            </a:pPr>
+            <a:r>
+              <a:rPr lang="en-US" sz="2400" b="1" kern="0" dirty="0">
+                <a:latin typeface="Lucida Console" panose="020B0609040504020204" pitchFamily="49" charset="0"/>
+              </a:rPr>
+              <a:t>  "addresses": [</a:t>
+            </a:r>
+          </a:p>
+          <a:p>
+            <a:pPr defTabSz="914072">
+              <a:lnSpc>
+                <a:spcPct val="90000"/>
+              </a:lnSpc>
+              <a:spcAft>
+                <a:spcPts val="600"/>
+              </a:spcAft>
+            </a:pPr>
+            <a:r>
+              <a:rPr lang="en-US" sz="2400" b="1" kern="0" dirty="0">
+                <a:latin typeface="Lucida Console" panose="020B0609040504020204" pitchFamily="49" charset="0"/>
+              </a:rPr>
+              <a:t>    { "street": "1 Redmond Way",</a:t>
+            </a:r>
+          </a:p>
+          <a:p>
+            <a:pPr defTabSz="914072">
+              <a:lnSpc>
+                <a:spcPct val="90000"/>
+              </a:lnSpc>
+              <a:spcAft>
+                <a:spcPts val="600"/>
+              </a:spcAft>
+            </a:pPr>
+            <a:r>
+              <a:rPr lang="en-US" sz="2400" b="1" kern="0" dirty="0">
+                <a:latin typeface="Lucida Console" panose="020B0609040504020204" pitchFamily="49" charset="0"/>
+              </a:rPr>
+              <a:t>      "city": "Redmond", "state": "WA",</a:t>
+            </a:r>
+          </a:p>
+          <a:p>
+            <a:pPr defTabSz="914072">
+              <a:lnSpc>
+                <a:spcPct val="90000"/>
+              </a:lnSpc>
+              <a:spcAft>
+                <a:spcPts val="600"/>
+              </a:spcAft>
+            </a:pPr>
+            <a:r>
+              <a:rPr lang="en-US" sz="2400" b="1" kern="0" dirty="0">
+                <a:latin typeface="Lucida Console" panose="020B0609040504020204" pitchFamily="49" charset="0"/>
+              </a:rPr>
+              <a:t>      "zip": 98052}</a:t>
+            </a:r>
+          </a:p>
+          <a:p>
+            <a:pPr defTabSz="914072">
+              <a:lnSpc>
+                <a:spcPct val="90000"/>
+              </a:lnSpc>
+              <a:spcAft>
+                <a:spcPts val="600"/>
+              </a:spcAft>
+            </a:pPr>
+            <a:r>
+              <a:rPr lang="en-US" sz="2400" b="1" kern="0" dirty="0">
+                <a:latin typeface="Lucida Console" panose="020B0609040504020204" pitchFamily="49" charset="0"/>
+              </a:rPr>
+              <a:t>  ],</a:t>
+            </a:r>
+          </a:p>
+          <a:p>
+            <a:pPr defTabSz="914072">
+              <a:lnSpc>
+                <a:spcPct val="90000"/>
+              </a:lnSpc>
+              <a:spcAft>
+                <a:spcPts val="600"/>
+              </a:spcAft>
+            </a:pPr>
+            <a:r>
+              <a:rPr lang="en-US" sz="2400" b="1" kern="0" dirty="0">
+                <a:latin typeface="Lucida Console" panose="020B0609040504020204" pitchFamily="49" charset="0"/>
+              </a:rPr>
+              <a:t>  "</a:t>
+            </a:r>
+            <a:r>
+              <a:rPr lang="en-US" sz="2400" b="1" kern="0" dirty="0" err="1">
+                <a:latin typeface="Lucida Console" panose="020B0609040504020204" pitchFamily="49" charset="0"/>
+              </a:rPr>
+              <a:t>contactDetails</a:t>
+            </a:r>
+            <a:r>
+              <a:rPr lang="en-US" sz="2400" b="1" kern="0" dirty="0">
+                <a:latin typeface="Lucida Console" panose="020B0609040504020204" pitchFamily="49" charset="0"/>
+              </a:rPr>
+              <a:t>": [</a:t>
+            </a:r>
+          </a:p>
+          <a:p>
+            <a:pPr defTabSz="914072">
+              <a:lnSpc>
+                <a:spcPct val="90000"/>
+              </a:lnSpc>
+              <a:spcAft>
+                <a:spcPts val="600"/>
+              </a:spcAft>
+            </a:pPr>
+            <a:r>
+              <a:rPr lang="en-US" sz="2400" b="1" kern="0" dirty="0">
+                <a:latin typeface="Lucida Console" panose="020B0609040504020204" pitchFamily="49" charset="0"/>
+              </a:rPr>
+              <a:t>    {"type": "home", "detail": “555-1212"},</a:t>
+            </a:r>
+          </a:p>
+          <a:p>
+            <a:pPr defTabSz="914072">
+              <a:lnSpc>
+                <a:spcPct val="90000"/>
+              </a:lnSpc>
+              <a:spcAft>
+                <a:spcPts val="600"/>
+              </a:spcAft>
+            </a:pPr>
+            <a:r>
+              <a:rPr lang="en-US" sz="2400" b="1" kern="0" dirty="0">
+                <a:latin typeface="Lucida Console" panose="020B0609040504020204" pitchFamily="49" charset="0"/>
+              </a:rPr>
+              <a:t>    {"type": "email", "detail": “me@ms.com"}</a:t>
+            </a:r>
+          </a:p>
+          <a:p>
+            <a:pPr defTabSz="914072">
+              <a:lnSpc>
+                <a:spcPct val="90000"/>
+              </a:lnSpc>
+              <a:spcAft>
+                <a:spcPts val="600"/>
+              </a:spcAft>
+            </a:pPr>
+            <a:r>
+              <a:rPr lang="en-US" sz="2400" b="1" kern="0" dirty="0">
+                <a:latin typeface="Lucida Console" panose="020B0609040504020204" pitchFamily="49" charset="0"/>
+              </a:rPr>
+              <a:t>  ],</a:t>
+            </a:r>
+          </a:p>
+          <a:p>
+            <a:pPr defTabSz="914072">
+              <a:lnSpc>
+                <a:spcPct val="90000"/>
+              </a:lnSpc>
+              <a:spcAft>
+                <a:spcPts val="600"/>
+              </a:spcAft>
+            </a:pPr>
+            <a:r>
+              <a:rPr lang="en-US" sz="2400" b="1" kern="0" dirty="0">
+                <a:latin typeface="Lucida Console" panose="020B0609040504020204" pitchFamily="49" charset="0"/>
+              </a:rPr>
+              <a:t>    ...</a:t>
+            </a:r>
+          </a:p>
+          <a:p>
+            <a:pPr defTabSz="914072">
+              <a:lnSpc>
+                <a:spcPct val="90000"/>
+              </a:lnSpc>
+              <a:spcAft>
+                <a:spcPts val="600"/>
+              </a:spcAft>
+            </a:pPr>
+            <a:r>
+              <a:rPr lang="en-US" sz="2400" b="1" kern="0" dirty="0">
+                <a:latin typeface="Lucida Console" panose="020B0609040504020204" pitchFamily="49" charset="0"/>
+              </a:rPr>
+              <a:t>}</a:t>
+            </a:r>
+          </a:p>
+        </p:txBody>
+      </p:sp>
+      <p:sp>
+        <p:nvSpPr>
+          <p:cNvPr id="51" name="TextBox 50"/>
+          <p:cNvSpPr txBox="1"/>
+          <p:nvPr/>
+        </p:nvSpPr>
+        <p:spPr>
+          <a:xfrm>
+            <a:off x="838047" y="3007393"/>
+            <a:ext cx="2790124" cy="871179"/>
+          </a:xfrm>
+          <a:prstGeom prst="rect">
+            <a:avLst/>
+          </a:prstGeom>
+          <a:noFill/>
+          <a:ln w="28575">
+            <a:solidFill>
+              <a:schemeClr val="tx1"/>
+            </a:solidFill>
+          </a:ln>
+        </p:spPr>
+        <p:txBody>
+          <a:bodyPr wrap="square" lIns="182827" tIns="146262" rIns="182827" bIns="146262" rtlCol="0">
+            <a:spAutoFit/>
+          </a:bodyPr>
+          <a:lstStyle/>
+          <a:p>
+            <a:pPr defTabSz="914072">
+              <a:lnSpc>
+                <a:spcPct val="90000"/>
+              </a:lnSpc>
+              <a:spcAft>
+                <a:spcPts val="600"/>
+              </a:spcAft>
+            </a:pPr>
+            <a:r>
+              <a:rPr lang="en-US" sz="1801" b="1" kern="0" dirty="0">
+                <a:latin typeface="Segoe UI"/>
+              </a:rPr>
+              <a:t>Address</a:t>
+            </a:r>
+          </a:p>
+          <a:p>
+            <a:pPr defTabSz="914072">
+              <a:lnSpc>
+                <a:spcPct val="90000"/>
+              </a:lnSpc>
+              <a:spcAft>
+                <a:spcPts val="600"/>
+              </a:spcAft>
+            </a:pPr>
+            <a:r>
+              <a:rPr lang="en-US" sz="1801" b="1" kern="0" dirty="0">
+                <a:latin typeface="Segoe UI"/>
+              </a:rPr>
+              <a:t>…</a:t>
+            </a:r>
+          </a:p>
+        </p:txBody>
+      </p:sp>
+      <p:sp>
+        <p:nvSpPr>
+          <p:cNvPr id="52" name="TextBox 51"/>
+          <p:cNvSpPr txBox="1"/>
+          <p:nvPr/>
+        </p:nvSpPr>
+        <p:spPr>
+          <a:xfrm>
+            <a:off x="838047" y="3878155"/>
+            <a:ext cx="2790124" cy="871179"/>
+          </a:xfrm>
+          <a:prstGeom prst="rect">
+            <a:avLst/>
+          </a:prstGeom>
+          <a:noFill/>
+          <a:ln w="28575">
+            <a:solidFill>
+              <a:schemeClr val="tx1"/>
+            </a:solidFill>
+          </a:ln>
+        </p:spPr>
+        <p:txBody>
+          <a:bodyPr wrap="square" lIns="182827" tIns="146262" rIns="182827" bIns="146262" rtlCol="0">
+            <a:spAutoFit/>
+          </a:bodyPr>
+          <a:lstStyle/>
+          <a:p>
+            <a:pPr defTabSz="914072">
+              <a:lnSpc>
+                <a:spcPct val="90000"/>
+              </a:lnSpc>
+              <a:spcAft>
+                <a:spcPts val="600"/>
+              </a:spcAft>
+            </a:pPr>
+            <a:r>
+              <a:rPr lang="en-US" sz="1801" b="1" kern="0" dirty="0">
+                <a:latin typeface="Segoe UI"/>
+              </a:rPr>
+              <a:t>Address</a:t>
+            </a:r>
+          </a:p>
+          <a:p>
+            <a:pPr defTabSz="914072">
+              <a:lnSpc>
+                <a:spcPct val="90000"/>
+              </a:lnSpc>
+              <a:spcAft>
+                <a:spcPts val="600"/>
+              </a:spcAft>
+            </a:pPr>
+            <a:r>
+              <a:rPr lang="en-US" sz="1801" b="1" kern="0" dirty="0">
+                <a:latin typeface="Segoe UI"/>
+              </a:rPr>
+              <a:t>…</a:t>
+            </a:r>
+          </a:p>
+        </p:txBody>
+      </p:sp>
+      <p:sp>
+        <p:nvSpPr>
+          <p:cNvPr id="54" name="TextBox 53"/>
+          <p:cNvSpPr txBox="1"/>
+          <p:nvPr/>
+        </p:nvSpPr>
+        <p:spPr>
+          <a:xfrm>
+            <a:off x="657216" y="4995914"/>
+            <a:ext cx="3047135" cy="1523922"/>
+          </a:xfrm>
+          <a:prstGeom prst="rect">
+            <a:avLst/>
+          </a:prstGeom>
+          <a:noFill/>
+          <a:ln w="28575">
+            <a:solidFill>
+              <a:schemeClr val="tx1"/>
+            </a:solidFill>
+          </a:ln>
+        </p:spPr>
+        <p:txBody>
+          <a:bodyPr wrap="square" lIns="182827" tIns="146262" rIns="182827" bIns="146262" rtlCol="0">
+            <a:spAutoFit/>
+          </a:bodyPr>
+          <a:lstStyle/>
+          <a:p>
+            <a:pPr defTabSz="914072">
+              <a:lnSpc>
+                <a:spcPct val="90000"/>
+              </a:lnSpc>
+              <a:spcAft>
+                <a:spcPts val="600"/>
+              </a:spcAft>
+            </a:pPr>
+            <a:r>
+              <a:rPr lang="en-US" sz="1801" b="1" kern="0" dirty="0" err="1">
+                <a:latin typeface="Segoe UI"/>
+              </a:rPr>
+              <a:t>ContactDetails</a:t>
+            </a:r>
+            <a:endParaRPr lang="en-US" sz="1801" b="1" kern="0" dirty="0">
+              <a:latin typeface="Segoe UI"/>
+            </a:endParaRPr>
+          </a:p>
+          <a:p>
+            <a:pPr defTabSz="914072">
+              <a:lnSpc>
+                <a:spcPct val="90000"/>
+              </a:lnSpc>
+              <a:spcAft>
+                <a:spcPts val="600"/>
+              </a:spcAft>
+            </a:pPr>
+            <a:endParaRPr lang="en-US" sz="1801" b="1" kern="0" dirty="0">
+              <a:latin typeface="Segoe UI"/>
+            </a:endParaRPr>
+          </a:p>
+          <a:p>
+            <a:pPr defTabSz="914072">
+              <a:lnSpc>
+                <a:spcPct val="90000"/>
+              </a:lnSpc>
+              <a:spcAft>
+                <a:spcPts val="600"/>
+              </a:spcAft>
+            </a:pPr>
+            <a:endParaRPr lang="en-US" sz="1801" b="1" kern="0" dirty="0">
+              <a:latin typeface="Segoe UI"/>
+            </a:endParaRPr>
+          </a:p>
+          <a:p>
+            <a:pPr defTabSz="914072">
+              <a:lnSpc>
+                <a:spcPct val="90000"/>
+              </a:lnSpc>
+              <a:spcAft>
+                <a:spcPts val="600"/>
+              </a:spcAft>
+            </a:pPr>
+            <a:endParaRPr lang="en-US" sz="1801" b="1" kern="0" dirty="0">
+              <a:latin typeface="Segoe UI"/>
+            </a:endParaRPr>
+          </a:p>
+        </p:txBody>
+      </p:sp>
+      <p:sp>
+        <p:nvSpPr>
+          <p:cNvPr id="55" name="TextBox 54"/>
+          <p:cNvSpPr txBox="1"/>
+          <p:nvPr/>
+        </p:nvSpPr>
+        <p:spPr>
+          <a:xfrm>
+            <a:off x="819258" y="5474674"/>
+            <a:ext cx="2790124" cy="871179"/>
+          </a:xfrm>
+          <a:prstGeom prst="rect">
+            <a:avLst/>
+          </a:prstGeom>
+          <a:noFill/>
+          <a:ln w="28575">
+            <a:solidFill>
+              <a:schemeClr val="tx1"/>
+            </a:solidFill>
+          </a:ln>
+        </p:spPr>
+        <p:txBody>
+          <a:bodyPr wrap="square" lIns="182827" tIns="146262" rIns="182827" bIns="146262" rtlCol="0">
+            <a:spAutoFit/>
+          </a:bodyPr>
+          <a:lstStyle/>
+          <a:p>
+            <a:pPr defTabSz="914072">
+              <a:lnSpc>
+                <a:spcPct val="90000"/>
+              </a:lnSpc>
+              <a:spcAft>
+                <a:spcPts val="600"/>
+              </a:spcAft>
+            </a:pPr>
+            <a:r>
+              <a:rPr lang="en-US" sz="1801" b="1" kern="0" dirty="0" err="1">
+                <a:latin typeface="Segoe UI"/>
+              </a:rPr>
+              <a:t>ContactDetail</a:t>
+            </a:r>
+            <a:endParaRPr lang="en-US" sz="1801" b="1" kern="0" dirty="0">
+              <a:latin typeface="Segoe UI"/>
+            </a:endParaRPr>
+          </a:p>
+          <a:p>
+            <a:pPr defTabSz="914072">
+              <a:lnSpc>
+                <a:spcPct val="90000"/>
+              </a:lnSpc>
+              <a:spcAft>
+                <a:spcPts val="600"/>
+              </a:spcAft>
+            </a:pPr>
+            <a:r>
+              <a:rPr lang="en-US" sz="1801" b="1" kern="0" dirty="0">
+                <a:latin typeface="Segoe UI"/>
+              </a:rPr>
+              <a:t>…</a:t>
+            </a:r>
+          </a:p>
+        </p:txBody>
+      </p:sp>
+      <p:sp>
+        <p:nvSpPr>
+          <p:cNvPr id="5" name="Title 4"/>
+          <p:cNvSpPr>
+            <a:spLocks noGrp="1"/>
+          </p:cNvSpPr>
+          <p:nvPr>
+            <p:ph type="title"/>
+          </p:nvPr>
+        </p:nvSpPr>
+        <p:spPr/>
+        <p:txBody>
+          <a:bodyPr/>
+          <a:lstStyle/>
+          <a:p>
+            <a:r>
+              <a:rPr lang="en-US" dirty="0">
+                <a:solidFill>
+                  <a:schemeClr val="tx1"/>
+                </a:solidFill>
+              </a:rPr>
+              <a:t>Modeling Data: The Document Way</a:t>
+            </a:r>
+          </a:p>
+        </p:txBody>
+      </p:sp>
+    </p:spTree>
+    <p:extLst>
+      <p:ext uri="{BB962C8B-B14F-4D97-AF65-F5344CB8AC3E}">
+        <p14:creationId xmlns:p14="http://schemas.microsoft.com/office/powerpoint/2010/main" val="4067914718"/>
+      </p:ext>
+    </p:extLst>
+  </p:cSld>
+  <p:clrMapOvr>
+    <a:masterClrMapping/>
+  </p:clrMapOvr>
+</p:sld>
+</file>
+
+<file path=ppt/slides/slide11.xml><?xml version="1.0" encoding="utf-8"?>
 <p:sld xmlns:a="http://schemas.openxmlformats.org/drawingml/2006/main" xmlns:r="http://schemas.openxmlformats.org/officeDocument/2006/relationships" xmlns:p="http://schemas.openxmlformats.org/presentationml/2006/main">
   <p:cSld>
     <p:spTree>
@@ -12650,7 +13546,7 @@
           <a:p>
             <a:fld id="{E8A1165C-31A9-413F-A1AE-296F7D5CA11A}" type="slidenum">
               <a:rPr lang="en-US" smtClean="0"/>
-              <a:t>10</a:t>
+              <a:t>11</a:t>
             </a:fld>
             <a:endParaRPr lang="en-US"/>
           </a:p>
@@ -12731,7 +13627,7 @@
 </p:sld>
 </file>
 
-<file path=ppt/slides/slide11.xml><?xml version="1.0" encoding="utf-8"?>
+<file path=ppt/slides/slide12.xml><?xml version="1.0" encoding="utf-8"?>
 <p:sld xmlns:a="http://schemas.openxmlformats.org/drawingml/2006/main" xmlns:r="http://schemas.openxmlformats.org/officeDocument/2006/relationships" xmlns:p="http://schemas.openxmlformats.org/presentationml/2006/main">
   <p:cSld>
     <p:spTree>
@@ -19862,7 +20758,7 @@
 </p:sld>
 </file>
 
-<file path=ppt/slides/slide12.xml><?xml version="1.0" encoding="utf-8"?>
+<file path=ppt/slides/slide13.xml><?xml version="1.0" encoding="utf-8"?>
 <p:sld xmlns:a="http://schemas.openxmlformats.org/drawingml/2006/main" xmlns:r="http://schemas.openxmlformats.org/officeDocument/2006/relationships" xmlns:p="http://schemas.openxmlformats.org/presentationml/2006/main">
   <p:cSld>
     <p:spTree>
@@ -19905,142 +20801,6 @@
     <p:extLst>
       <p:ext uri="{BB962C8B-B14F-4D97-AF65-F5344CB8AC3E}">
         <p14:creationId xmlns:p14="http://schemas.microsoft.com/office/powerpoint/2010/main" val="203203085"/>
-      </p:ext>
-    </p:extLst>
-  </p:cSld>
-  <p:clrMapOvr>
-    <a:masterClrMapping/>
-  </p:clrMapOvr>
-  <mc:AlternateContent xmlns:mc="http://schemas.openxmlformats.org/markup-compatibility/2006" xmlns:p14="http://schemas.microsoft.com/office/powerpoint/2010/main">
-    <mc:Choice Requires="p14">
-      <p:transition spd="med" p14:dur="700">
-        <p:fade/>
-      </p:transition>
-    </mc:Choice>
-    <mc:Fallback xmlns="">
-      <p:transition spd="med">
-        <p:fade/>
-      </p:transition>
-    </mc:Fallback>
-  </mc:AlternateContent>
-</p:sld>
-</file>
-
-<file path=ppt/slides/slide13.xml><?xml version="1.0" encoding="utf-8"?>
-<p:sld xmlns:a="http://schemas.openxmlformats.org/drawingml/2006/main" xmlns:r="http://schemas.openxmlformats.org/officeDocument/2006/relationships" xmlns:p="http://schemas.openxmlformats.org/presentationml/2006/main">
-  <p:cSld>
-    <p:spTree>
-      <p:nvGrpSpPr>
-        <p:cNvPr id="1" name=""/>
-        <p:cNvGrpSpPr/>
-        <p:nvPr/>
-      </p:nvGrpSpPr>
-      <p:grpSpPr>
-        <a:xfrm>
-          <a:off x="0" y="0"/>
-          <a:ext cx="0" cy="0"/>
-          <a:chOff x="0" y="0"/>
-          <a:chExt cx="0" cy="0"/>
-        </a:xfrm>
-      </p:grpSpPr>
-      <p:sp>
-        <p:nvSpPr>
-          <p:cNvPr id="4" name="Title 3"/>
-          <p:cNvSpPr>
-            <a:spLocks noGrp="1"/>
-          </p:cNvSpPr>
-          <p:nvPr>
-            <p:ph type="title"/>
-          </p:nvPr>
-        </p:nvSpPr>
-        <p:spPr/>
-        <p:txBody>
-          <a:bodyPr/>
-          <a:lstStyle/>
-          <a:p>
-            <a:r>
-              <a:rPr lang="en-US" dirty="0"/>
-              <a:t>DocumentDB Documents – Just POCOs</a:t>
-            </a:r>
-          </a:p>
-        </p:txBody>
-      </p:sp>
-      <p:sp>
-        <p:nvSpPr>
-          <p:cNvPr id="5" name="Text Placeholder 4"/>
-          <p:cNvSpPr>
-            <a:spLocks noGrp="1"/>
-          </p:cNvSpPr>
-          <p:nvPr>
-            <p:ph type="body" sz="quarter" idx="10"/>
-          </p:nvPr>
-        </p:nvSpPr>
-        <p:spPr>
-          <a:xfrm>
-            <a:off x="274638" y="1221157"/>
-            <a:ext cx="11887199" cy="5110630"/>
-          </a:xfrm>
-        </p:spPr>
-        <p:txBody>
-          <a:bodyPr/>
-          <a:lstStyle/>
-          <a:p>
-            <a:r>
-              <a:rPr lang="en-US" dirty="0"/>
-              <a:t> public class ImageMetadata</a:t>
-            </a:r>
-          </a:p>
-          <a:p>
-            <a:r>
-              <a:rPr lang="en-US" dirty="0"/>
-              <a:t>    {</a:t>
-            </a:r>
-          </a:p>
-          <a:p>
-            <a:r>
-              <a:rPr lang="en-US" dirty="0"/>
-              <a:t>        public ImageMetadata()</a:t>
-            </a:r>
-          </a:p>
-          <a:p>
-            <a:r>
-              <a:rPr lang="en-US" dirty="0"/>
-              <a:t>        {</a:t>
-            </a:r>
-          </a:p>
-          <a:p>
-            <a:r>
-              <a:rPr lang="en-US" dirty="0"/>
-              <a:t>            </a:t>
-            </a:r>
-          </a:p>
-          <a:p>
-            <a:r>
-              <a:rPr lang="en-US" dirty="0"/>
-              <a:t>        }</a:t>
-            </a:r>
-          </a:p>
-          <a:p>
-            <a:endParaRPr lang="en-US" dirty="0"/>
-          </a:p>
-          <a:p>
-            <a:r>
-              <a:rPr lang="en-US" dirty="0"/>
-              <a:t>        [JsonProperty(PropertyName = "id")]</a:t>
-            </a:r>
-          </a:p>
-          <a:p>
-            <a:r>
-              <a:rPr lang="en-US" dirty="0"/>
-              <a:t>        public string Id { get; set; }</a:t>
-            </a:r>
-          </a:p>
-        </p:txBody>
-      </p:sp>
-    </p:spTree>
-    <p:extLst>
-      <p:ext uri="{BB962C8B-B14F-4D97-AF65-F5344CB8AC3E}">
-        <p14:creationId xmlns:p14="http://schemas.microsoft.com/office/powerpoint/2010/main" val="1041029672"/>
       </p:ext>
     </p:extLst>
   </p:cSld>
@@ -20096,6 +20856,142 @@
           <a:p>
             <a:r>
               <a:rPr lang="en-US" dirty="0"/>
+              <a:t>DocumentDB Documents – Just POCOs</a:t>
+            </a:r>
+          </a:p>
+        </p:txBody>
+      </p:sp>
+      <p:sp>
+        <p:nvSpPr>
+          <p:cNvPr id="5" name="Text Placeholder 4"/>
+          <p:cNvSpPr>
+            <a:spLocks noGrp="1"/>
+          </p:cNvSpPr>
+          <p:nvPr>
+            <p:ph type="body" sz="quarter" idx="10"/>
+          </p:nvPr>
+        </p:nvSpPr>
+        <p:spPr>
+          <a:xfrm>
+            <a:off x="274638" y="1221157"/>
+            <a:ext cx="11887199" cy="5110630"/>
+          </a:xfrm>
+        </p:spPr>
+        <p:txBody>
+          <a:bodyPr/>
+          <a:lstStyle/>
+          <a:p>
+            <a:r>
+              <a:rPr lang="en-US" dirty="0"/>
+              <a:t> public class ImageMetadata</a:t>
+            </a:r>
+          </a:p>
+          <a:p>
+            <a:r>
+              <a:rPr lang="en-US" dirty="0"/>
+              <a:t>    {</a:t>
+            </a:r>
+          </a:p>
+          <a:p>
+            <a:r>
+              <a:rPr lang="en-US" dirty="0"/>
+              <a:t>        public ImageMetadata()</a:t>
+            </a:r>
+          </a:p>
+          <a:p>
+            <a:r>
+              <a:rPr lang="en-US" dirty="0"/>
+              <a:t>        {</a:t>
+            </a:r>
+          </a:p>
+          <a:p>
+            <a:r>
+              <a:rPr lang="en-US" dirty="0"/>
+              <a:t>            </a:t>
+            </a:r>
+          </a:p>
+          <a:p>
+            <a:r>
+              <a:rPr lang="en-US" dirty="0"/>
+              <a:t>        }</a:t>
+            </a:r>
+          </a:p>
+          <a:p>
+            <a:endParaRPr lang="en-US" dirty="0"/>
+          </a:p>
+          <a:p>
+            <a:r>
+              <a:rPr lang="en-US" dirty="0"/>
+              <a:t>        [JsonProperty(PropertyName = "id")]</a:t>
+            </a:r>
+          </a:p>
+          <a:p>
+            <a:r>
+              <a:rPr lang="en-US" dirty="0"/>
+              <a:t>        public string Id { get; set; }</a:t>
+            </a:r>
+          </a:p>
+        </p:txBody>
+      </p:sp>
+    </p:spTree>
+    <p:extLst>
+      <p:ext uri="{BB962C8B-B14F-4D97-AF65-F5344CB8AC3E}">
+        <p14:creationId xmlns:p14="http://schemas.microsoft.com/office/powerpoint/2010/main" val="1041029672"/>
+      </p:ext>
+    </p:extLst>
+  </p:cSld>
+  <p:clrMapOvr>
+    <a:masterClrMapping/>
+  </p:clrMapOvr>
+  <mc:AlternateContent xmlns:mc="http://schemas.openxmlformats.org/markup-compatibility/2006" xmlns:p14="http://schemas.microsoft.com/office/powerpoint/2010/main">
+    <mc:Choice Requires="p14">
+      <p:transition spd="med" p14:dur="700">
+        <p:fade/>
+      </p:transition>
+    </mc:Choice>
+    <mc:Fallback xmlns="">
+      <p:transition spd="med">
+        <p:fade/>
+      </p:transition>
+    </mc:Fallback>
+  </mc:AlternateContent>
+</p:sld>
+</file>
+
+<file path=ppt/slides/slide15.xml><?xml version="1.0" encoding="utf-8"?>
+<p:sld xmlns:a="http://schemas.openxmlformats.org/drawingml/2006/main" xmlns:r="http://schemas.openxmlformats.org/officeDocument/2006/relationships" xmlns:p="http://schemas.openxmlformats.org/presentationml/2006/main">
+  <p:cSld>
+    <p:spTree>
+      <p:nvGrpSpPr>
+        <p:cNvPr id="1" name=""/>
+        <p:cNvGrpSpPr/>
+        <p:nvPr/>
+      </p:nvGrpSpPr>
+      <p:grpSpPr>
+        <a:xfrm>
+          <a:off x="0" y="0"/>
+          <a:ext cx="0" cy="0"/>
+          <a:chOff x="0" y="0"/>
+          <a:chExt cx="0" cy="0"/>
+        </a:xfrm>
+      </p:grpSpPr>
+      <p:sp>
+        <p:nvSpPr>
+          <p:cNvPr id="4" name="Title 3"/>
+          <p:cNvSpPr>
+            <a:spLocks noGrp="1"/>
+          </p:cNvSpPr>
+          <p:nvPr>
+            <p:ph type="title"/>
+          </p:nvPr>
+        </p:nvSpPr>
+        <p:spPr/>
+        <p:txBody>
+          <a:bodyPr/>
+          <a:lstStyle/>
+          <a:p>
+            <a:r>
+              <a:rPr lang="en-US" dirty="0"/>
               <a:t>Querying Documents</a:t>
             </a:r>
           </a:p>
@@ -20193,7 +21089,7 @@
 </p:sld>
 </file>
 
-<file path=ppt/slides/slide15.xml><?xml version="1.0" encoding="utf-8"?>
+<file path=ppt/slides/slide16.xml><?xml version="1.0" encoding="utf-8"?>
 <p:sld xmlns:a="http://schemas.openxmlformats.org/drawingml/2006/main" xmlns:r="http://schemas.openxmlformats.org/officeDocument/2006/relationships" xmlns:p="http://schemas.openxmlformats.org/presentationml/2006/main">
   <p:cSld>
     <p:spTree>
@@ -20351,6 +21247,136 @@
           <a:chExt cx="0" cy="0"/>
         </a:xfrm>
       </p:grpSpPr>
+      <p:sp>
+        <p:nvSpPr>
+          <p:cNvPr id="2" name="Title 1"/>
+          <p:cNvSpPr>
+            <a:spLocks noGrp="1"/>
+          </p:cNvSpPr>
+          <p:nvPr>
+            <p:ph type="title"/>
+          </p:nvPr>
+        </p:nvSpPr>
+        <p:spPr/>
+        <p:txBody>
+          <a:bodyPr/>
+          <a:lstStyle/>
+          <a:p>
+            <a:r>
+              <a:rPr lang="en-US" dirty="0"/>
+              <a:t>Scenario</a:t>
+            </a:r>
+          </a:p>
+        </p:txBody>
+      </p:sp>
+      <p:sp>
+        <p:nvSpPr>
+          <p:cNvPr id="3" name="Text Placeholder 2"/>
+          <p:cNvSpPr>
+            <a:spLocks noGrp="1"/>
+          </p:cNvSpPr>
+          <p:nvPr>
+            <p:ph type="body" sz="quarter" idx="10"/>
+          </p:nvPr>
+        </p:nvSpPr>
+        <p:spPr>
+          <a:xfrm>
+            <a:off x="261409" y="1439862"/>
+            <a:ext cx="4876735" cy="4727448"/>
+          </a:xfrm>
+        </p:spPr>
+        <p:txBody>
+          <a:bodyPr/>
+          <a:lstStyle/>
+          <a:p>
+            <a:r>
+              <a:rPr lang="en-US" dirty="0"/>
+              <a:t>Intelligence from Images</a:t>
+            </a:r>
+          </a:p>
+          <a:p>
+            <a:r>
+              <a:rPr lang="en-US" dirty="0"/>
+              <a:t>Vision Services</a:t>
+            </a:r>
+          </a:p>
+          <a:p>
+            <a:r>
+              <a:rPr lang="en-US" dirty="0"/>
+              <a:t>Cloud Storage</a:t>
+            </a:r>
+          </a:p>
+          <a:p>
+            <a:r>
+              <a:rPr lang="en-US" dirty="0"/>
+              <a:t>Search</a:t>
+            </a:r>
+          </a:p>
+          <a:p>
+            <a:r>
+              <a:rPr lang="en-US" dirty="0"/>
+              <a:t>Conversation and Language Understanding</a:t>
+            </a:r>
+          </a:p>
+        </p:txBody>
+      </p:sp>
+      <p:pic>
+        <p:nvPicPr>
+          <p:cNvPr id="5" name="Picture 4"/>
+          <p:cNvPicPr>
+            <a:picLocks noChangeAspect="1"/>
+          </p:cNvPicPr>
+          <p:nvPr/>
+        </p:nvPicPr>
+        <p:blipFill>
+          <a:blip r:embed="rId2"/>
+          <a:stretch>
+            <a:fillRect/>
+          </a:stretch>
+        </p:blipFill>
+        <p:spPr>
+          <a:xfrm>
+            <a:off x="5456237" y="1212849"/>
+            <a:ext cx="6172200" cy="5254085"/>
+          </a:xfrm>
+          <a:prstGeom prst="rect">
+            <a:avLst/>
+          </a:prstGeom>
+        </p:spPr>
+      </p:pic>
+    </p:spTree>
+    <p:extLst>
+      <p:ext uri="{BB962C8B-B14F-4D97-AF65-F5344CB8AC3E}">
+        <p14:creationId xmlns:p14="http://schemas.microsoft.com/office/powerpoint/2010/main" val="3831601975"/>
+      </p:ext>
+    </p:extLst>
+  </p:cSld>
+  <p:clrMapOvr>
+    <a:masterClrMapping/>
+  </p:clrMapOvr>
+  <p:transition>
+    <p:fade/>
+  </p:transition>
+</p:sld>
+</file>
+
+<file path=ppt/slides/slide4.xml><?xml version="1.0" encoding="utf-8"?>
+<p:sld xmlns:a="http://schemas.openxmlformats.org/drawingml/2006/main" xmlns:r="http://schemas.openxmlformats.org/officeDocument/2006/relationships" xmlns:p="http://schemas.openxmlformats.org/presentationml/2006/main">
+  <p:cSld>
+    <p:spTree>
+      <p:nvGrpSpPr>
+        <p:cNvPr id="1" name=""/>
+        <p:cNvGrpSpPr/>
+        <p:nvPr/>
+      </p:nvGrpSpPr>
+      <p:grpSpPr>
+        <a:xfrm>
+          <a:off x="0" y="0"/>
+          <a:ext cx="0" cy="0"/>
+          <a:chOff x="0" y="0"/>
+          <a:chExt cx="0" cy="0"/>
+        </a:xfrm>
+      </p:grpSpPr>
       <p:cxnSp>
         <p:nvCxnSpPr>
           <p:cNvPr id="2" name="Straight Connector 1"/>
@@ -20808,7 +21834,7 @@
 </p:sld>
 </file>
 
-<file path=ppt/slides/slide4.xml><?xml version="1.0" encoding="utf-8"?>
+<file path=ppt/slides/slide5.xml><?xml version="1.0" encoding="utf-8"?>
 <p:sld xmlns:a="http://schemas.openxmlformats.org/drawingml/2006/main" xmlns:r="http://schemas.openxmlformats.org/officeDocument/2006/relationships" xmlns:p="http://schemas.openxmlformats.org/presentationml/2006/main">
   <p:cSld>
     <p:spTree>
@@ -23906,7 +24932,7 @@
 </p:sld>
 </file>
 
-<file path=ppt/slides/slide5.xml><?xml version="1.0" encoding="utf-8"?>
+<file path=ppt/slides/slide6.xml><?xml version="1.0" encoding="utf-8"?>
 <p:sld xmlns:a="http://schemas.openxmlformats.org/drawingml/2006/main" xmlns:r="http://schemas.openxmlformats.org/officeDocument/2006/relationships" xmlns:p="http://schemas.openxmlformats.org/presentationml/2006/main">
   <p:cSld>
     <p:spTree>
@@ -24209,7 +25235,7 @@
 </p:sld>
 </file>
 
-<file path=ppt/slides/slide6.xml><?xml version="1.0" encoding="utf-8"?>
+<file path=ppt/slides/slide7.xml><?xml version="1.0" encoding="utf-8"?>
 <p:sld xmlns:a="http://schemas.openxmlformats.org/drawingml/2006/main" xmlns:r="http://schemas.openxmlformats.org/officeDocument/2006/relationships" xmlns:p="http://schemas.openxmlformats.org/presentationml/2006/main">
   <p:cSld>
     <p:spTree>
@@ -24644,7 +25670,7 @@
 </p:sld>
 </file>
 
-<file path=ppt/slides/slide7.xml><?xml version="1.0" encoding="utf-8"?>
+<file path=ppt/slides/slide8.xml><?xml version="1.0" encoding="utf-8"?>
 <p:sld xmlns:a="http://schemas.openxmlformats.org/drawingml/2006/main" xmlns:r="http://schemas.openxmlformats.org/officeDocument/2006/relationships" xmlns:p="http://schemas.openxmlformats.org/presentationml/2006/main">
   <p:cSld>
     <p:spTree>
@@ -27146,7 +28172,7 @@
 </p:sld>
 </file>
 
-<file path=ppt/slides/slide8.xml><?xml version="1.0" encoding="utf-8"?>
+<file path=ppt/slides/slide9.xml><?xml version="1.0" encoding="utf-8"?>
 <p:sld xmlns:a="http://schemas.openxmlformats.org/drawingml/2006/main" xmlns:r="http://schemas.openxmlformats.org/officeDocument/2006/relationships" xmlns:p="http://schemas.openxmlformats.org/presentationml/2006/main">
   <p:cSld>
     <p:spTree>
@@ -28432,900 +29458,6 @@
   <p:transition>
     <p:fade/>
   </p:transition>
-</p:sld>
-</file>
-
-<file path=ppt/slides/slide9.xml><?xml version="1.0" encoding="utf-8"?>
-<p:sld xmlns:a="http://schemas.openxmlformats.org/drawingml/2006/main" xmlns:r="http://schemas.openxmlformats.org/officeDocument/2006/relationships" xmlns:p="http://schemas.openxmlformats.org/presentationml/2006/main">
-  <p:cSld>
-    <p:spTree>
-      <p:nvGrpSpPr>
-        <p:cNvPr id="1" name=""/>
-        <p:cNvGrpSpPr/>
-        <p:nvPr/>
-      </p:nvGrpSpPr>
-      <p:grpSpPr>
-        <a:xfrm>
-          <a:off x="0" y="0"/>
-          <a:ext cx="0" cy="0"/>
-          <a:chOff x="0" y="0"/>
-          <a:chExt cx="0" cy="0"/>
-        </a:xfrm>
-      </p:grpSpPr>
-      <p:sp>
-        <p:nvSpPr>
-          <p:cNvPr id="4" name="Rectangle 3"/>
-          <p:cNvSpPr/>
-          <p:nvPr/>
-        </p:nvSpPr>
-        <p:spPr bwMode="auto">
-          <a:xfrm>
-            <a:off x="660524" y="1592804"/>
-            <a:ext cx="3047135" cy="4926172"/>
-          </a:xfrm>
-          <a:prstGeom prst="rect">
-            <a:avLst/>
-          </a:prstGeom>
-          <a:noFill/>
-          <a:ln w="28575">
-            <a:solidFill>
-              <a:schemeClr val="tx1"/>
-            </a:solidFill>
-            <a:headEnd type="none" w="med" len="med"/>
-            <a:tailEnd type="none" w="med" len="med"/>
-          </a:ln>
-        </p:spPr>
-        <p:style>
-          <a:lnRef idx="2">
-            <a:schemeClr val="accent1">
-              <a:shade val="50000"/>
-            </a:schemeClr>
-          </a:lnRef>
-          <a:fillRef idx="1">
-            <a:schemeClr val="accent1"/>
-          </a:fillRef>
-          <a:effectRef idx="0">
-            <a:schemeClr val="accent1"/>
-          </a:effectRef>
-          <a:fontRef idx="minor">
-            <a:schemeClr val="lt1"/>
-          </a:fontRef>
-        </p:style>
-        <p:txBody>
-          <a:bodyPr vert="horz" wrap="square" lIns="0" tIns="46623" rIns="0" bIns="46623" numCol="1" rtlCol="0" anchor="ctr" anchorCtr="0" compatLnSpc="1">
-            <a:prstTxWarp prst="textNoShape">
-              <a:avLst/>
-            </a:prstTxWarp>
-          </a:bodyPr>
-          <a:lstStyle/>
-          <a:p>
-            <a:pPr algn="ctr" defTabSz="932137" fontAlgn="base">
-              <a:spcBef>
-                <a:spcPct val="0"/>
-              </a:spcBef>
-              <a:spcAft>
-                <a:spcPct val="0"/>
-              </a:spcAft>
-            </a:pPr>
-            <a:endParaRPr lang="en-US" sz="2000" kern="0" dirty="0">
-              <a:solidFill>
-                <a:schemeClr val="tx1"/>
-              </a:solidFill>
-              <a:latin typeface="Segoe UI"/>
-            </a:endParaRPr>
-          </a:p>
-        </p:txBody>
-      </p:sp>
-      <p:sp>
-        <p:nvSpPr>
-          <p:cNvPr id="13" name="TextBox 12"/>
-          <p:cNvSpPr txBox="1"/>
-          <p:nvPr/>
-        </p:nvSpPr>
-        <p:spPr>
-          <a:xfrm>
-            <a:off x="660524" y="1592803"/>
-            <a:ext cx="3047135" cy="544808"/>
-          </a:xfrm>
-          <a:prstGeom prst="rect">
-            <a:avLst/>
-          </a:prstGeom>
-          <a:noFill/>
-          <a:ln w="28575">
-            <a:solidFill>
-              <a:schemeClr val="tx1"/>
-            </a:solidFill>
-          </a:ln>
-        </p:spPr>
-        <p:txBody>
-          <a:bodyPr wrap="square" lIns="182827" tIns="146262" rIns="182827" bIns="146262" rtlCol="0">
-            <a:spAutoFit/>
-          </a:bodyPr>
-          <a:lstStyle/>
-          <a:p>
-            <a:pPr defTabSz="914072">
-              <a:lnSpc>
-                <a:spcPct val="90000"/>
-              </a:lnSpc>
-              <a:spcAft>
-                <a:spcPts val="600"/>
-              </a:spcAft>
-            </a:pPr>
-            <a:r>
-              <a:rPr lang="en-US" sz="1801" b="1" kern="0" dirty="0">
-                <a:latin typeface="Segoe UI"/>
-              </a:rPr>
-              <a:t>Person</a:t>
-            </a:r>
-          </a:p>
-        </p:txBody>
-      </p:sp>
-      <p:cxnSp>
-        <p:nvCxnSpPr>
-          <p:cNvPr id="34" name="Straight Connector 33"/>
-          <p:cNvCxnSpPr/>
-          <p:nvPr/>
-        </p:nvCxnSpPr>
-        <p:spPr>
-          <a:xfrm>
-            <a:off x="673221" y="2506943"/>
-            <a:ext cx="3034438" cy="0"/>
-          </a:xfrm>
-          <a:prstGeom prst="line">
-            <a:avLst/>
-          </a:prstGeom>
-          <a:ln>
-            <a:solidFill>
-              <a:schemeClr val="tx1"/>
-            </a:solidFill>
-            <a:prstDash val="dashDot"/>
-            <a:headEnd type="none"/>
-            <a:tailEnd type="none"/>
-          </a:ln>
-        </p:spPr>
-        <p:style>
-          <a:lnRef idx="1">
-            <a:schemeClr val="accent1"/>
-          </a:lnRef>
-          <a:fillRef idx="0">
-            <a:schemeClr val="accent1"/>
-          </a:fillRef>
-          <a:effectRef idx="0">
-            <a:schemeClr val="accent1"/>
-          </a:effectRef>
-          <a:fontRef idx="minor">
-            <a:schemeClr val="tx1"/>
-          </a:fontRef>
-        </p:style>
-      </p:cxnSp>
-      <p:sp>
-        <p:nvSpPr>
-          <p:cNvPr id="38" name="TextBox 37"/>
-          <p:cNvSpPr txBox="1"/>
-          <p:nvPr/>
-        </p:nvSpPr>
-        <p:spPr>
-          <a:xfrm>
-            <a:off x="789610" y="2080182"/>
-            <a:ext cx="617691" cy="516723"/>
-          </a:xfrm>
-          <a:prstGeom prst="rect">
-            <a:avLst/>
-          </a:prstGeom>
-          <a:noFill/>
-        </p:spPr>
-        <p:txBody>
-          <a:bodyPr wrap="none" lIns="182827" tIns="146262" rIns="182827" bIns="146262" rtlCol="0">
-            <a:spAutoFit/>
-          </a:bodyPr>
-          <a:lstStyle/>
-          <a:p>
-            <a:pPr defTabSz="914072">
-              <a:lnSpc>
-                <a:spcPct val="90000"/>
-              </a:lnSpc>
-              <a:spcAft>
-                <a:spcPts val="600"/>
-              </a:spcAft>
-            </a:pPr>
-            <a:r>
-              <a:rPr lang="en-US" sz="1598" b="1" kern="0" dirty="0">
-                <a:latin typeface="Segoe UI"/>
-              </a:rPr>
-              <a:t> Id</a:t>
-            </a:r>
-          </a:p>
-        </p:txBody>
-      </p:sp>
-      <p:pic>
-        <p:nvPicPr>
-          <p:cNvPr id="45" name="Picture 44" descr="Key, Yellow, Metal, Symbol, Icon"/>
-          <p:cNvPicPr>
-            <a:picLocks noChangeAspect="1"/>
-          </p:cNvPicPr>
-          <p:nvPr/>
-        </p:nvPicPr>
-        <p:blipFill>
-          <a:blip r:embed="rId3"/>
-          <a:stretch>
-            <a:fillRect/>
-          </a:stretch>
-        </p:blipFill>
-        <p:spPr>
-          <a:xfrm rot="5400000">
-            <a:off x="770141" y="2272254"/>
-            <a:ext cx="281184" cy="140592"/>
-          </a:xfrm>
-          <a:prstGeom prst="rect">
-            <a:avLst/>
-          </a:prstGeom>
-        </p:spPr>
-      </p:pic>
-      <p:sp>
-        <p:nvSpPr>
-          <p:cNvPr id="32" name="TextBox 31"/>
-          <p:cNvSpPr txBox="1"/>
-          <p:nvPr/>
-        </p:nvSpPr>
-        <p:spPr>
-          <a:xfrm>
-            <a:off x="660524" y="2506943"/>
-            <a:ext cx="3047135" cy="2503036"/>
-          </a:xfrm>
-          <a:prstGeom prst="rect">
-            <a:avLst/>
-          </a:prstGeom>
-          <a:noFill/>
-          <a:ln w="28575">
-            <a:solidFill>
-              <a:schemeClr val="tx1"/>
-            </a:solidFill>
-          </a:ln>
-        </p:spPr>
-        <p:txBody>
-          <a:bodyPr wrap="square" lIns="182827" tIns="146262" rIns="182827" bIns="146262" rtlCol="0">
-            <a:spAutoFit/>
-          </a:bodyPr>
-          <a:lstStyle/>
-          <a:p>
-            <a:pPr defTabSz="914072">
-              <a:lnSpc>
-                <a:spcPct val="90000"/>
-              </a:lnSpc>
-              <a:spcAft>
-                <a:spcPts val="600"/>
-              </a:spcAft>
-            </a:pPr>
-            <a:r>
-              <a:rPr lang="en-US" sz="1801" b="1" kern="0" dirty="0">
-                <a:latin typeface="Segoe UI"/>
-              </a:rPr>
-              <a:t>Addresses</a:t>
-            </a:r>
-          </a:p>
-          <a:p>
-            <a:pPr defTabSz="914072">
-              <a:lnSpc>
-                <a:spcPct val="90000"/>
-              </a:lnSpc>
-              <a:spcAft>
-                <a:spcPts val="600"/>
-              </a:spcAft>
-            </a:pPr>
-            <a:endParaRPr lang="en-US" sz="1801" b="1" kern="0" dirty="0">
-              <a:latin typeface="Segoe UI"/>
-            </a:endParaRPr>
-          </a:p>
-          <a:p>
-            <a:pPr defTabSz="914072">
-              <a:lnSpc>
-                <a:spcPct val="90000"/>
-              </a:lnSpc>
-              <a:spcAft>
-                <a:spcPts val="600"/>
-              </a:spcAft>
-            </a:pPr>
-            <a:endParaRPr lang="en-US" sz="1801" b="1" kern="0" dirty="0">
-              <a:latin typeface="Segoe UI"/>
-            </a:endParaRPr>
-          </a:p>
-          <a:p>
-            <a:pPr defTabSz="914072">
-              <a:lnSpc>
-                <a:spcPct val="90000"/>
-              </a:lnSpc>
-              <a:spcAft>
-                <a:spcPts val="600"/>
-              </a:spcAft>
-            </a:pPr>
-            <a:endParaRPr lang="en-US" sz="1801" b="1" kern="0" dirty="0">
-              <a:latin typeface="Segoe UI"/>
-            </a:endParaRPr>
-          </a:p>
-          <a:p>
-            <a:pPr defTabSz="914072">
-              <a:lnSpc>
-                <a:spcPct val="90000"/>
-              </a:lnSpc>
-              <a:spcAft>
-                <a:spcPts val="600"/>
-              </a:spcAft>
-            </a:pPr>
-            <a:endParaRPr lang="en-US" sz="1801" b="1" kern="0" dirty="0">
-              <a:latin typeface="Segoe UI"/>
-            </a:endParaRPr>
-          </a:p>
-          <a:p>
-            <a:pPr defTabSz="914072">
-              <a:lnSpc>
-                <a:spcPct val="90000"/>
-              </a:lnSpc>
-              <a:spcAft>
-                <a:spcPts val="600"/>
-              </a:spcAft>
-            </a:pPr>
-            <a:endParaRPr lang="en-US" sz="1801" b="1" kern="0" dirty="0">
-              <a:latin typeface="Segoe UI"/>
-            </a:endParaRPr>
-          </a:p>
-          <a:p>
-            <a:pPr defTabSz="914072">
-              <a:lnSpc>
-                <a:spcPct val="90000"/>
-              </a:lnSpc>
-              <a:spcAft>
-                <a:spcPts val="600"/>
-              </a:spcAft>
-            </a:pPr>
-            <a:endParaRPr lang="en-US" sz="1801" b="1" kern="0" dirty="0">
-              <a:latin typeface="Segoe UI"/>
-            </a:endParaRPr>
-          </a:p>
-        </p:txBody>
-      </p:sp>
-      <p:sp>
-        <p:nvSpPr>
-          <p:cNvPr id="2" name="TextBox 1"/>
-          <p:cNvSpPr txBox="1"/>
-          <p:nvPr/>
-        </p:nvSpPr>
-        <p:spPr>
-          <a:xfrm>
-            <a:off x="3932888" y="1409386"/>
-            <a:ext cx="8550952" cy="5462949"/>
-          </a:xfrm>
-          <a:prstGeom prst="rect">
-            <a:avLst/>
-          </a:prstGeom>
-          <a:noFill/>
-        </p:spPr>
-        <p:txBody>
-          <a:bodyPr wrap="none" lIns="182827" tIns="146262" rIns="182827" bIns="146262" rtlCol="0">
-            <a:spAutoFit/>
-          </a:bodyPr>
-          <a:lstStyle/>
-          <a:p>
-            <a:pPr defTabSz="914072">
-              <a:lnSpc>
-                <a:spcPct val="90000"/>
-              </a:lnSpc>
-              <a:spcAft>
-                <a:spcPts val="600"/>
-              </a:spcAft>
-            </a:pPr>
-            <a:r>
-              <a:rPr lang="en-US" sz="2400" b="1" kern="0" dirty="0">
-                <a:latin typeface="Lucida Console" panose="020B0609040504020204" pitchFamily="49" charset="0"/>
-              </a:rPr>
-              <a:t>{</a:t>
-            </a:r>
-            <a:br>
-              <a:rPr lang="en-US" sz="2400" b="1" kern="0" dirty="0">
-                <a:latin typeface="Lucida Console" panose="020B0609040504020204" pitchFamily="49" charset="0"/>
-              </a:rPr>
-            </a:br>
-            <a:r>
-              <a:rPr lang="en-US" sz="2400" b="1" kern="0" dirty="0">
-                <a:latin typeface="Lucida Console" panose="020B0609040504020204" pitchFamily="49" charset="0"/>
-              </a:rPr>
-              <a:t>  "id": "0ec1ab0c-de08-4e42-a429-...",</a:t>
-            </a:r>
-          </a:p>
-          <a:p>
-            <a:pPr defTabSz="914072">
-              <a:lnSpc>
-                <a:spcPct val="90000"/>
-              </a:lnSpc>
-              <a:spcAft>
-                <a:spcPts val="600"/>
-              </a:spcAft>
-            </a:pPr>
-            <a:r>
-              <a:rPr lang="en-US" sz="2400" b="1" kern="0" dirty="0">
-                <a:latin typeface="Lucida Console" panose="020B0609040504020204" pitchFamily="49" charset="0"/>
-              </a:rPr>
-              <a:t>  "addresses": [</a:t>
-            </a:r>
-          </a:p>
-          <a:p>
-            <a:pPr defTabSz="914072">
-              <a:lnSpc>
-                <a:spcPct val="90000"/>
-              </a:lnSpc>
-              <a:spcAft>
-                <a:spcPts val="600"/>
-              </a:spcAft>
-            </a:pPr>
-            <a:r>
-              <a:rPr lang="en-US" sz="2400" b="1" kern="0" dirty="0">
-                <a:latin typeface="Lucida Console" panose="020B0609040504020204" pitchFamily="49" charset="0"/>
-              </a:rPr>
-              <a:t>    { "street": "1 Redmond Way",</a:t>
-            </a:r>
-          </a:p>
-          <a:p>
-            <a:pPr defTabSz="914072">
-              <a:lnSpc>
-                <a:spcPct val="90000"/>
-              </a:lnSpc>
-              <a:spcAft>
-                <a:spcPts val="600"/>
-              </a:spcAft>
-            </a:pPr>
-            <a:r>
-              <a:rPr lang="en-US" sz="2400" b="1" kern="0" dirty="0">
-                <a:latin typeface="Lucida Console" panose="020B0609040504020204" pitchFamily="49" charset="0"/>
-              </a:rPr>
-              <a:t>      "city": "Redmond", "state": "WA",</a:t>
-            </a:r>
-          </a:p>
-          <a:p>
-            <a:pPr defTabSz="914072">
-              <a:lnSpc>
-                <a:spcPct val="90000"/>
-              </a:lnSpc>
-              <a:spcAft>
-                <a:spcPts val="600"/>
-              </a:spcAft>
-            </a:pPr>
-            <a:r>
-              <a:rPr lang="en-US" sz="2400" b="1" kern="0" dirty="0">
-                <a:latin typeface="Lucida Console" panose="020B0609040504020204" pitchFamily="49" charset="0"/>
-              </a:rPr>
-              <a:t>      "zip": 98052}</a:t>
-            </a:r>
-          </a:p>
-          <a:p>
-            <a:pPr defTabSz="914072">
-              <a:lnSpc>
-                <a:spcPct val="90000"/>
-              </a:lnSpc>
-              <a:spcAft>
-                <a:spcPts val="600"/>
-              </a:spcAft>
-            </a:pPr>
-            <a:r>
-              <a:rPr lang="en-US" sz="2400" b="1" kern="0" dirty="0">
-                <a:latin typeface="Lucida Console" panose="020B0609040504020204" pitchFamily="49" charset="0"/>
-              </a:rPr>
-              <a:t>  ],</a:t>
-            </a:r>
-          </a:p>
-          <a:p>
-            <a:pPr defTabSz="914072">
-              <a:lnSpc>
-                <a:spcPct val="90000"/>
-              </a:lnSpc>
-              <a:spcAft>
-                <a:spcPts val="600"/>
-              </a:spcAft>
-            </a:pPr>
-            <a:r>
-              <a:rPr lang="en-US" sz="2400" b="1" kern="0" dirty="0">
-                <a:latin typeface="Lucida Console" panose="020B0609040504020204" pitchFamily="49" charset="0"/>
-              </a:rPr>
-              <a:t>  "</a:t>
-            </a:r>
-            <a:r>
-              <a:rPr lang="en-US" sz="2400" b="1" kern="0" dirty="0" err="1">
-                <a:latin typeface="Lucida Console" panose="020B0609040504020204" pitchFamily="49" charset="0"/>
-              </a:rPr>
-              <a:t>contactDetails</a:t>
-            </a:r>
-            <a:r>
-              <a:rPr lang="en-US" sz="2400" b="1" kern="0" dirty="0">
-                <a:latin typeface="Lucida Console" panose="020B0609040504020204" pitchFamily="49" charset="0"/>
-              </a:rPr>
-              <a:t>": [</a:t>
-            </a:r>
-          </a:p>
-          <a:p>
-            <a:pPr defTabSz="914072">
-              <a:lnSpc>
-                <a:spcPct val="90000"/>
-              </a:lnSpc>
-              <a:spcAft>
-                <a:spcPts val="600"/>
-              </a:spcAft>
-            </a:pPr>
-            <a:r>
-              <a:rPr lang="en-US" sz="2400" b="1" kern="0" dirty="0">
-                <a:latin typeface="Lucida Console" panose="020B0609040504020204" pitchFamily="49" charset="0"/>
-              </a:rPr>
-              <a:t>    {"type": "home", "detail": “555-1212"},</a:t>
-            </a:r>
-          </a:p>
-          <a:p>
-            <a:pPr defTabSz="914072">
-              <a:lnSpc>
-                <a:spcPct val="90000"/>
-              </a:lnSpc>
-              <a:spcAft>
-                <a:spcPts val="600"/>
-              </a:spcAft>
-            </a:pPr>
-            <a:r>
-              <a:rPr lang="en-US" sz="2400" b="1" kern="0" dirty="0">
-                <a:latin typeface="Lucida Console" panose="020B0609040504020204" pitchFamily="49" charset="0"/>
-              </a:rPr>
-              <a:t>    {"type": "email", "detail": “me@ms.com"}</a:t>
-            </a:r>
-          </a:p>
-          <a:p>
-            <a:pPr defTabSz="914072">
-              <a:lnSpc>
-                <a:spcPct val="90000"/>
-              </a:lnSpc>
-              <a:spcAft>
-                <a:spcPts val="600"/>
-              </a:spcAft>
-            </a:pPr>
-            <a:r>
-              <a:rPr lang="en-US" sz="2400" b="1" kern="0" dirty="0">
-                <a:latin typeface="Lucida Console" panose="020B0609040504020204" pitchFamily="49" charset="0"/>
-              </a:rPr>
-              <a:t>  ],</a:t>
-            </a:r>
-          </a:p>
-          <a:p>
-            <a:pPr defTabSz="914072">
-              <a:lnSpc>
-                <a:spcPct val="90000"/>
-              </a:lnSpc>
-              <a:spcAft>
-                <a:spcPts val="600"/>
-              </a:spcAft>
-            </a:pPr>
-            <a:r>
-              <a:rPr lang="en-US" sz="2400" b="1" kern="0" dirty="0">
-                <a:latin typeface="Lucida Console" panose="020B0609040504020204" pitchFamily="49" charset="0"/>
-              </a:rPr>
-              <a:t>    ...</a:t>
-            </a:r>
-          </a:p>
-          <a:p>
-            <a:pPr defTabSz="914072">
-              <a:lnSpc>
-                <a:spcPct val="90000"/>
-              </a:lnSpc>
-              <a:spcAft>
-                <a:spcPts val="600"/>
-              </a:spcAft>
-            </a:pPr>
-            <a:r>
-              <a:rPr lang="en-US" sz="2400" b="1" kern="0" dirty="0">
-                <a:latin typeface="Lucida Console" panose="020B0609040504020204" pitchFamily="49" charset="0"/>
-              </a:rPr>
-              <a:t>}</a:t>
-            </a:r>
-          </a:p>
-        </p:txBody>
-      </p:sp>
-      <p:sp>
-        <p:nvSpPr>
-          <p:cNvPr id="51" name="TextBox 50"/>
-          <p:cNvSpPr txBox="1"/>
-          <p:nvPr/>
-        </p:nvSpPr>
-        <p:spPr>
-          <a:xfrm>
-            <a:off x="838047" y="3007393"/>
-            <a:ext cx="2790124" cy="871179"/>
-          </a:xfrm>
-          <a:prstGeom prst="rect">
-            <a:avLst/>
-          </a:prstGeom>
-          <a:noFill/>
-          <a:ln w="28575">
-            <a:solidFill>
-              <a:schemeClr val="tx1"/>
-            </a:solidFill>
-          </a:ln>
-        </p:spPr>
-        <p:txBody>
-          <a:bodyPr wrap="square" lIns="182827" tIns="146262" rIns="182827" bIns="146262" rtlCol="0">
-            <a:spAutoFit/>
-          </a:bodyPr>
-          <a:lstStyle/>
-          <a:p>
-            <a:pPr defTabSz="914072">
-              <a:lnSpc>
-                <a:spcPct val="90000"/>
-              </a:lnSpc>
-              <a:spcAft>
-                <a:spcPts val="600"/>
-              </a:spcAft>
-            </a:pPr>
-            <a:r>
-              <a:rPr lang="en-US" sz="1801" b="1" kern="0" dirty="0">
-                <a:latin typeface="Segoe UI"/>
-              </a:rPr>
-              <a:t>Address</a:t>
-            </a:r>
-          </a:p>
-          <a:p>
-            <a:pPr defTabSz="914072">
-              <a:lnSpc>
-                <a:spcPct val="90000"/>
-              </a:lnSpc>
-              <a:spcAft>
-                <a:spcPts val="600"/>
-              </a:spcAft>
-            </a:pPr>
-            <a:r>
-              <a:rPr lang="en-US" sz="1801" b="1" kern="0" dirty="0">
-                <a:latin typeface="Segoe UI"/>
-              </a:rPr>
-              <a:t>…</a:t>
-            </a:r>
-          </a:p>
-        </p:txBody>
-      </p:sp>
-      <p:sp>
-        <p:nvSpPr>
-          <p:cNvPr id="52" name="TextBox 51"/>
-          <p:cNvSpPr txBox="1"/>
-          <p:nvPr/>
-        </p:nvSpPr>
-        <p:spPr>
-          <a:xfrm>
-            <a:off x="838047" y="3878155"/>
-            <a:ext cx="2790124" cy="871179"/>
-          </a:xfrm>
-          <a:prstGeom prst="rect">
-            <a:avLst/>
-          </a:prstGeom>
-          <a:noFill/>
-          <a:ln w="28575">
-            <a:solidFill>
-              <a:schemeClr val="tx1"/>
-            </a:solidFill>
-          </a:ln>
-        </p:spPr>
-        <p:txBody>
-          <a:bodyPr wrap="square" lIns="182827" tIns="146262" rIns="182827" bIns="146262" rtlCol="0">
-            <a:spAutoFit/>
-          </a:bodyPr>
-          <a:lstStyle/>
-          <a:p>
-            <a:pPr defTabSz="914072">
-              <a:lnSpc>
-                <a:spcPct val="90000"/>
-              </a:lnSpc>
-              <a:spcAft>
-                <a:spcPts val="600"/>
-              </a:spcAft>
-            </a:pPr>
-            <a:r>
-              <a:rPr lang="en-US" sz="1801" b="1" kern="0" dirty="0">
-                <a:latin typeface="Segoe UI"/>
-              </a:rPr>
-              <a:t>Address</a:t>
-            </a:r>
-          </a:p>
-          <a:p>
-            <a:pPr defTabSz="914072">
-              <a:lnSpc>
-                <a:spcPct val="90000"/>
-              </a:lnSpc>
-              <a:spcAft>
-                <a:spcPts val="600"/>
-              </a:spcAft>
-            </a:pPr>
-            <a:r>
-              <a:rPr lang="en-US" sz="1801" b="1" kern="0" dirty="0">
-                <a:latin typeface="Segoe UI"/>
-              </a:rPr>
-              <a:t>…</a:t>
-            </a:r>
-          </a:p>
-        </p:txBody>
-      </p:sp>
-      <p:sp>
-        <p:nvSpPr>
-          <p:cNvPr id="54" name="TextBox 53"/>
-          <p:cNvSpPr txBox="1"/>
-          <p:nvPr/>
-        </p:nvSpPr>
-        <p:spPr>
-          <a:xfrm>
-            <a:off x="657216" y="4995914"/>
-            <a:ext cx="3047135" cy="1523922"/>
-          </a:xfrm>
-          <a:prstGeom prst="rect">
-            <a:avLst/>
-          </a:prstGeom>
-          <a:noFill/>
-          <a:ln w="28575">
-            <a:solidFill>
-              <a:schemeClr val="tx1"/>
-            </a:solidFill>
-          </a:ln>
-        </p:spPr>
-        <p:txBody>
-          <a:bodyPr wrap="square" lIns="182827" tIns="146262" rIns="182827" bIns="146262" rtlCol="0">
-            <a:spAutoFit/>
-          </a:bodyPr>
-          <a:lstStyle/>
-          <a:p>
-            <a:pPr defTabSz="914072">
-              <a:lnSpc>
-                <a:spcPct val="90000"/>
-              </a:lnSpc>
-              <a:spcAft>
-                <a:spcPts val="600"/>
-              </a:spcAft>
-            </a:pPr>
-            <a:r>
-              <a:rPr lang="en-US" sz="1801" b="1" kern="0" dirty="0" err="1">
-                <a:latin typeface="Segoe UI"/>
-              </a:rPr>
-              <a:t>ContactDetails</a:t>
-            </a:r>
-            <a:endParaRPr lang="en-US" sz="1801" b="1" kern="0" dirty="0">
-              <a:latin typeface="Segoe UI"/>
-            </a:endParaRPr>
-          </a:p>
-          <a:p>
-            <a:pPr defTabSz="914072">
-              <a:lnSpc>
-                <a:spcPct val="90000"/>
-              </a:lnSpc>
-              <a:spcAft>
-                <a:spcPts val="600"/>
-              </a:spcAft>
-            </a:pPr>
-            <a:endParaRPr lang="en-US" sz="1801" b="1" kern="0" dirty="0">
-              <a:latin typeface="Segoe UI"/>
-            </a:endParaRPr>
-          </a:p>
-          <a:p>
-            <a:pPr defTabSz="914072">
-              <a:lnSpc>
-                <a:spcPct val="90000"/>
-              </a:lnSpc>
-              <a:spcAft>
-                <a:spcPts val="600"/>
-              </a:spcAft>
-            </a:pPr>
-            <a:endParaRPr lang="en-US" sz="1801" b="1" kern="0" dirty="0">
-              <a:latin typeface="Segoe UI"/>
-            </a:endParaRPr>
-          </a:p>
-          <a:p>
-            <a:pPr defTabSz="914072">
-              <a:lnSpc>
-                <a:spcPct val="90000"/>
-              </a:lnSpc>
-              <a:spcAft>
-                <a:spcPts val="600"/>
-              </a:spcAft>
-            </a:pPr>
-            <a:endParaRPr lang="en-US" sz="1801" b="1" kern="0" dirty="0">
-              <a:latin typeface="Segoe UI"/>
-            </a:endParaRPr>
-          </a:p>
-        </p:txBody>
-      </p:sp>
-      <p:sp>
-        <p:nvSpPr>
-          <p:cNvPr id="55" name="TextBox 54"/>
-          <p:cNvSpPr txBox="1"/>
-          <p:nvPr/>
-        </p:nvSpPr>
-        <p:spPr>
-          <a:xfrm>
-            <a:off x="819258" y="5474674"/>
-            <a:ext cx="2790124" cy="871179"/>
-          </a:xfrm>
-          <a:prstGeom prst="rect">
-            <a:avLst/>
-          </a:prstGeom>
-          <a:noFill/>
-          <a:ln w="28575">
-            <a:solidFill>
-              <a:schemeClr val="tx1"/>
-            </a:solidFill>
-          </a:ln>
-        </p:spPr>
-        <p:txBody>
-          <a:bodyPr wrap="square" lIns="182827" tIns="146262" rIns="182827" bIns="146262" rtlCol="0">
-            <a:spAutoFit/>
-          </a:bodyPr>
-          <a:lstStyle/>
-          <a:p>
-            <a:pPr defTabSz="914072">
-              <a:lnSpc>
-                <a:spcPct val="90000"/>
-              </a:lnSpc>
-              <a:spcAft>
-                <a:spcPts val="600"/>
-              </a:spcAft>
-            </a:pPr>
-            <a:r>
-              <a:rPr lang="en-US" sz="1801" b="1" kern="0" dirty="0" err="1">
-                <a:latin typeface="Segoe UI"/>
-              </a:rPr>
-              <a:t>ContactDetail</a:t>
-            </a:r>
-            <a:endParaRPr lang="en-US" sz="1801" b="1" kern="0" dirty="0">
-              <a:latin typeface="Segoe UI"/>
-            </a:endParaRPr>
-          </a:p>
-          <a:p>
-            <a:pPr defTabSz="914072">
-              <a:lnSpc>
-                <a:spcPct val="90000"/>
-              </a:lnSpc>
-              <a:spcAft>
-                <a:spcPts val="600"/>
-              </a:spcAft>
-            </a:pPr>
-            <a:r>
-              <a:rPr lang="en-US" sz="1801" b="1" kern="0" dirty="0">
-                <a:latin typeface="Segoe UI"/>
-              </a:rPr>
-              <a:t>…</a:t>
-            </a:r>
-          </a:p>
-        </p:txBody>
-      </p:sp>
-      <p:sp>
-        <p:nvSpPr>
-          <p:cNvPr id="5" name="Title 4"/>
-          <p:cNvSpPr>
-            <a:spLocks noGrp="1"/>
-          </p:cNvSpPr>
-          <p:nvPr>
-            <p:ph type="title"/>
-          </p:nvPr>
-        </p:nvSpPr>
-        <p:spPr/>
-        <p:txBody>
-          <a:bodyPr/>
-          <a:lstStyle/>
-          <a:p>
-            <a:r>
-              <a:rPr lang="en-US" dirty="0">
-                <a:solidFill>
-                  <a:schemeClr val="tx1"/>
-                </a:solidFill>
-              </a:rPr>
-              <a:t>Modeling Data: The Document Way</a:t>
-            </a:r>
-          </a:p>
-        </p:txBody>
-      </p:sp>
-    </p:spTree>
-    <p:extLst>
-      <p:ext uri="{BB962C8B-B14F-4D97-AF65-F5344CB8AC3E}">
-        <p14:creationId xmlns:p14="http://schemas.microsoft.com/office/powerpoint/2010/main" val="4067914718"/>
-      </p:ext>
-    </p:extLst>
-  </p:cSld>
-  <p:clrMapOvr>
-    <a:masterClrMapping/>
-  </p:clrMapOvr>
 </p:sld>
 </file>
 
@@ -30190,9 +30322,12 @@
 </file>
 
 <file path=customXml/item1.xml><?xml version="1.0" encoding="utf-8"?>
-<p:properties xmlns:p="http://schemas.microsoft.com/office/2006/metadata/properties" xmlns:xsi="http://www.w3.org/2001/XMLSchema-instance" xmlns:pc="http://schemas.microsoft.com/office/infopath/2007/PartnerControls">
-  <documentManagement/>
-</p:properties>
+<?mso-contentType ?>
+<FormTemplates xmlns="http://schemas.microsoft.com/sharepoint/v3/contenttype/forms">
+  <Display>DocumentLibraryForm</Display>
+  <Edit>DocumentLibraryForm</Edit>
+  <New>DocumentLibraryForm</New>
+</FormTemplates>
 </file>
 
 <file path=customXml/item2.xml><?xml version="1.0" encoding="utf-8"?>
@@ -30350,26 +30485,15 @@
 </file>
 
 <file path=customXml/item3.xml><?xml version="1.0" encoding="utf-8"?>
-<?mso-contentType ?>
-<FormTemplates xmlns="http://schemas.microsoft.com/sharepoint/v3/contenttype/forms">
-  <Display>DocumentLibraryForm</Display>
-  <Edit>DocumentLibraryForm</Edit>
-  <New>DocumentLibraryForm</New>
-</FormTemplates>
+<p:properties xmlns:p="http://schemas.microsoft.com/office/2006/metadata/properties" xmlns:xsi="http://www.w3.org/2001/XMLSchema-instance" xmlns:pc="http://schemas.microsoft.com/office/infopath/2007/PartnerControls">
+  <documentManagement/>
+</p:properties>
 </file>
 
 <file path=customXml/itemProps1.xml><?xml version="1.0" encoding="utf-8"?>
-<ds:datastoreItem xmlns:ds="http://schemas.openxmlformats.org/officeDocument/2006/customXml" ds:itemID="{F990F116-B58F-4255-B05B-DA3808E0E5C6}">
+<ds:datastoreItem xmlns:ds="http://schemas.openxmlformats.org/officeDocument/2006/customXml" ds:itemID="{758FDAC0-319D-4A54-8D8E-1D42CB1F8004}">
   <ds:schemaRefs>
-    <ds:schemaRef ds:uri="http://purl.org/dc/elements/1.1/"/>
-    <ds:schemaRef ds:uri="http://schemas.microsoft.com/office/2006/documentManagement/types"/>
-    <ds:schemaRef ds:uri="http://schemas.microsoft.com/office/infopath/2007/PartnerControls"/>
-    <ds:schemaRef ds:uri="http://purl.org/dc/dcmitype/"/>
-    <ds:schemaRef ds:uri="http://www.w3.org/XML/1998/namespace"/>
-    <ds:schemaRef ds:uri="http://schemas.microsoft.com/office/2006/metadata/properties"/>
-    <ds:schemaRef ds:uri="http://schemas.openxmlformats.org/package/2006/metadata/core-properties"/>
-    <ds:schemaRef ds:uri="630a2e83-186a-4a0f-ab27-bee8a8096abc"/>
-    <ds:schemaRef ds:uri="http://purl.org/dc/terms/"/>
+    <ds:schemaRef ds:uri="http://schemas.microsoft.com/sharepoint/v3/contenttype/forms"/>
   </ds:schemaRefs>
 </ds:datastoreItem>
 </file>
@@ -30393,9 +30517,17 @@
 </file>
 
 <file path=customXml/itemProps3.xml><?xml version="1.0" encoding="utf-8"?>
-<ds:datastoreItem xmlns:ds="http://schemas.openxmlformats.org/officeDocument/2006/customXml" ds:itemID="{758FDAC0-319D-4A54-8D8E-1D42CB1F8004}">
+<ds:datastoreItem xmlns:ds="http://schemas.openxmlformats.org/officeDocument/2006/customXml" ds:itemID="{F990F116-B58F-4255-B05B-DA3808E0E5C6}">
   <ds:schemaRefs>
-    <ds:schemaRef ds:uri="http://schemas.microsoft.com/sharepoint/v3/contenttype/forms"/>
+    <ds:schemaRef ds:uri="http://purl.org/dc/elements/1.1/"/>
+    <ds:schemaRef ds:uri="http://schemas.microsoft.com/office/2006/documentManagement/types"/>
+    <ds:schemaRef ds:uri="http://schemas.microsoft.com/office/infopath/2007/PartnerControls"/>
+    <ds:schemaRef ds:uri="http://purl.org/dc/dcmitype/"/>
+    <ds:schemaRef ds:uri="http://www.w3.org/XML/1998/namespace"/>
+    <ds:schemaRef ds:uri="http://schemas.microsoft.com/office/2006/metadata/properties"/>
+    <ds:schemaRef ds:uri="http://schemas.openxmlformats.org/package/2006/metadata/core-properties"/>
+    <ds:schemaRef ds:uri="630a2e83-186a-4a0f-ab27-bee8a8096abc"/>
+    <ds:schemaRef ds:uri="http://purl.org/dc/terms/"/>
   </ds:schemaRefs>
 </ds:datastoreItem>
 </file>